--- a/Student/Guides/CAF Workshop Labs.pptx
+++ b/Student/Guides/CAF Workshop Labs.pptx
@@ -6,37 +6,38 @@
     <p:sldMasterId id="2147483660" r:id="rId5"/>
   </p:sldMasterIdLst>
   <p:notesMasterIdLst>
-    <p:notesMasterId r:id="rId34"/>
+    <p:notesMasterId r:id="rId35"/>
   </p:notesMasterIdLst>
   <p:sldIdLst>
     <p:sldId id="2001" r:id="rId6"/>
-    <p:sldId id="2076137208" r:id="rId7"/>
-    <p:sldId id="2076137229" r:id="rId8"/>
-    <p:sldId id="2076137223" r:id="rId9"/>
-    <p:sldId id="2076137224" r:id="rId10"/>
-    <p:sldId id="2076137226" r:id="rId11"/>
-    <p:sldId id="2076137228" r:id="rId12"/>
-    <p:sldId id="2076137217" r:id="rId13"/>
-    <p:sldId id="2076137230" r:id="rId14"/>
-    <p:sldId id="2076137231" r:id="rId15"/>
-    <p:sldId id="2076137232" r:id="rId16"/>
-    <p:sldId id="2076137233" r:id="rId17"/>
-    <p:sldId id="2076137234" r:id="rId18"/>
-    <p:sldId id="2076137235" r:id="rId19"/>
-    <p:sldId id="2076137236" r:id="rId20"/>
-    <p:sldId id="2076137237" r:id="rId21"/>
-    <p:sldId id="2076137576" r:id="rId22"/>
-    <p:sldId id="2076137577" r:id="rId23"/>
-    <p:sldId id="2076137578" r:id="rId24"/>
-    <p:sldId id="2076137574" r:id="rId25"/>
-    <p:sldId id="2076137579" r:id="rId26"/>
-    <p:sldId id="2076137575" r:id="rId27"/>
-    <p:sldId id="2076137580" r:id="rId28"/>
-    <p:sldId id="2076137581" r:id="rId29"/>
-    <p:sldId id="2076137582" r:id="rId30"/>
-    <p:sldId id="2076137583" r:id="rId31"/>
-    <p:sldId id="2076137584" r:id="rId32"/>
-    <p:sldId id="2076137585" r:id="rId33"/>
+    <p:sldId id="2076137586" r:id="rId7"/>
+    <p:sldId id="2076137208" r:id="rId8"/>
+    <p:sldId id="2076137229" r:id="rId9"/>
+    <p:sldId id="2076137223" r:id="rId10"/>
+    <p:sldId id="2076137224" r:id="rId11"/>
+    <p:sldId id="2076137226" r:id="rId12"/>
+    <p:sldId id="2076137228" r:id="rId13"/>
+    <p:sldId id="2076137217" r:id="rId14"/>
+    <p:sldId id="2076137230" r:id="rId15"/>
+    <p:sldId id="2076137231" r:id="rId16"/>
+    <p:sldId id="2076137232" r:id="rId17"/>
+    <p:sldId id="2076137233" r:id="rId18"/>
+    <p:sldId id="2076137234" r:id="rId19"/>
+    <p:sldId id="2076137235" r:id="rId20"/>
+    <p:sldId id="2076137236" r:id="rId21"/>
+    <p:sldId id="2076137237" r:id="rId22"/>
+    <p:sldId id="2076137576" r:id="rId23"/>
+    <p:sldId id="2076137577" r:id="rId24"/>
+    <p:sldId id="2076137578" r:id="rId25"/>
+    <p:sldId id="2076137574" r:id="rId26"/>
+    <p:sldId id="2076137579" r:id="rId27"/>
+    <p:sldId id="2076137575" r:id="rId28"/>
+    <p:sldId id="2076137580" r:id="rId29"/>
+    <p:sldId id="2076137581" r:id="rId30"/>
+    <p:sldId id="2076137582" r:id="rId31"/>
+    <p:sldId id="2076137583" r:id="rId32"/>
+    <p:sldId id="2076137584" r:id="rId33"/>
+    <p:sldId id="2076137585" r:id="rId34"/>
   </p:sldIdLst>
   <p:sldSz cx="12192000" cy="6858000"/>
   <p:notesSz cx="6858000" cy="9144000"/>
@@ -141,6 +142,7 @@
         <p14:section name="Labs" id="{81B82160-9372-445E-A985-261947D3E171}">
           <p14:sldIdLst>
             <p14:sldId id="2001"/>
+            <p14:sldId id="2076137586"/>
             <p14:sldId id="2076137208"/>
             <p14:sldId id="2076137229"/>
             <p14:sldId id="2076137223"/>
@@ -193,6 +195,62 @@
 
 <file path=ppt/changesInfos/changesInfo1.xml><?xml version="1.0" encoding="utf-8"?>
 <pc:chgInfo xmlns:a="http://schemas.openxmlformats.org/drawingml/2006/main" xmlns:r="http://schemas.openxmlformats.org/officeDocument/2006/relationships" xmlns:ac="http://schemas.microsoft.com/office/drawing/2013/main/command" xmlns:pc="http://schemas.microsoft.com/office/powerpoint/2013/main/command">
+  <pc:docChgLst>
+    <pc:chgData name="Martin Modin" userId="bd7cbf59-f9ff-43c7-9d02-90d6dae8a7e3" providerId="ADAL" clId="{A8FF19D5-F041-4B75-8B5C-C0105BFBC75D}"/>
+    <pc:docChg chg="modSld">
+      <pc:chgData name="Martin Modin" userId="bd7cbf59-f9ff-43c7-9d02-90d6dae8a7e3" providerId="ADAL" clId="{A8FF19D5-F041-4B75-8B5C-C0105BFBC75D}" dt="2020-02-17T19:31:39.287" v="0" actId="1076"/>
+      <pc:docMkLst>
+        <pc:docMk/>
+      </pc:docMkLst>
+      <pc:sldChg chg="modSp mod">
+        <pc:chgData name="Martin Modin" userId="bd7cbf59-f9ff-43c7-9d02-90d6dae8a7e3" providerId="ADAL" clId="{A8FF19D5-F041-4B75-8B5C-C0105BFBC75D}" dt="2020-02-17T19:31:39.287" v="0" actId="1076"/>
+        <pc:sldMkLst>
+          <pc:docMk/>
+          <pc:sldMk cId="364144771" sldId="2076137203"/>
+        </pc:sldMkLst>
+        <pc:spChg chg="mod">
+          <ac:chgData name="Martin Modin" userId="bd7cbf59-f9ff-43c7-9d02-90d6dae8a7e3" providerId="ADAL" clId="{A8FF19D5-F041-4B75-8B5C-C0105BFBC75D}" dt="2020-02-17T19:31:39.287" v="0" actId="1076"/>
+          <ac:spMkLst>
+            <pc:docMk/>
+            <pc:sldMk cId="364144771" sldId="2076137203"/>
+            <ac:spMk id="7" creationId="{B1EA2C03-8FCA-4E7B-9690-AE2E102D5D7A}"/>
+          </ac:spMkLst>
+        </pc:spChg>
+        <pc:cxnChg chg="mod">
+          <ac:chgData name="Martin Modin" userId="bd7cbf59-f9ff-43c7-9d02-90d6dae8a7e3" providerId="ADAL" clId="{A8FF19D5-F041-4B75-8B5C-C0105BFBC75D}" dt="2020-02-17T19:31:39.287" v="0" actId="1076"/>
+          <ac:cxnSpMkLst>
+            <pc:docMk/>
+            <pc:sldMk cId="364144771" sldId="2076137203"/>
+            <ac:cxnSpMk id="21" creationId="{3D7E31EA-366B-4394-AACB-686BEE35F86C}"/>
+          </ac:cxnSpMkLst>
+        </pc:cxnChg>
+        <pc:cxnChg chg="mod">
+          <ac:chgData name="Martin Modin" userId="bd7cbf59-f9ff-43c7-9d02-90d6dae8a7e3" providerId="ADAL" clId="{A8FF19D5-F041-4B75-8B5C-C0105BFBC75D}" dt="2020-02-17T19:31:39.287" v="0" actId="1076"/>
+          <ac:cxnSpMkLst>
+            <pc:docMk/>
+            <pc:sldMk cId="364144771" sldId="2076137203"/>
+            <ac:cxnSpMk id="22" creationId="{199082B1-63C0-418A-8426-87FFCBF0C940}"/>
+          </ac:cxnSpMkLst>
+        </pc:cxnChg>
+        <pc:cxnChg chg="mod">
+          <ac:chgData name="Martin Modin" userId="bd7cbf59-f9ff-43c7-9d02-90d6dae8a7e3" providerId="ADAL" clId="{A8FF19D5-F041-4B75-8B5C-C0105BFBC75D}" dt="2020-02-17T19:31:39.287" v="0" actId="1076"/>
+          <ac:cxnSpMkLst>
+            <pc:docMk/>
+            <pc:sldMk cId="364144771" sldId="2076137203"/>
+            <ac:cxnSpMk id="23" creationId="{6DDAE0BC-A8B7-4683-AF65-492080E1492B}"/>
+          </ac:cxnSpMkLst>
+        </pc:cxnChg>
+        <pc:cxnChg chg="mod">
+          <ac:chgData name="Martin Modin" userId="bd7cbf59-f9ff-43c7-9d02-90d6dae8a7e3" providerId="ADAL" clId="{A8FF19D5-F041-4B75-8B5C-C0105BFBC75D}" dt="2020-02-17T19:31:39.287" v="0" actId="1076"/>
+          <ac:cxnSpMkLst>
+            <pc:docMk/>
+            <pc:sldMk cId="364144771" sldId="2076137203"/>
+            <ac:cxnSpMk id="37" creationId="{ACB8BD67-987F-45F5-9329-D1EA70CDADF7}"/>
+          </ac:cxnSpMkLst>
+        </pc:cxnChg>
+      </pc:sldChg>
+    </pc:docChg>
+  </pc:docChgLst>
   <pc:docChgLst>
     <pc:chgData name="Rob Kuehfus" userId="08fa2429-8542-44d3-bca6-fdf2f04fc238" providerId="ADAL" clId="{7B431B48-7668-46F8-9D4A-93DAB5C362A4}"/>
     <pc:docChg chg="addSld delSld modSld modSection">
@@ -480,62 +538,6 @@
           <pc:docMk/>
           <pc:sldMk cId="2902247630" sldId="2076137585"/>
         </pc:sldMkLst>
-      </pc:sldChg>
-    </pc:docChg>
-  </pc:docChgLst>
-  <pc:docChgLst>
-    <pc:chgData name="Martin Modin" userId="bd7cbf59-f9ff-43c7-9d02-90d6dae8a7e3" providerId="ADAL" clId="{A8FF19D5-F041-4B75-8B5C-C0105BFBC75D}"/>
-    <pc:docChg chg="modSld">
-      <pc:chgData name="Martin Modin" userId="bd7cbf59-f9ff-43c7-9d02-90d6dae8a7e3" providerId="ADAL" clId="{A8FF19D5-F041-4B75-8B5C-C0105BFBC75D}" dt="2020-02-17T19:31:39.287" v="0" actId="1076"/>
-      <pc:docMkLst>
-        <pc:docMk/>
-      </pc:docMkLst>
-      <pc:sldChg chg="modSp mod">
-        <pc:chgData name="Martin Modin" userId="bd7cbf59-f9ff-43c7-9d02-90d6dae8a7e3" providerId="ADAL" clId="{A8FF19D5-F041-4B75-8B5C-C0105BFBC75D}" dt="2020-02-17T19:31:39.287" v="0" actId="1076"/>
-        <pc:sldMkLst>
-          <pc:docMk/>
-          <pc:sldMk cId="364144771" sldId="2076137203"/>
-        </pc:sldMkLst>
-        <pc:spChg chg="mod">
-          <ac:chgData name="Martin Modin" userId="bd7cbf59-f9ff-43c7-9d02-90d6dae8a7e3" providerId="ADAL" clId="{A8FF19D5-F041-4B75-8B5C-C0105BFBC75D}" dt="2020-02-17T19:31:39.287" v="0" actId="1076"/>
-          <ac:spMkLst>
-            <pc:docMk/>
-            <pc:sldMk cId="364144771" sldId="2076137203"/>
-            <ac:spMk id="7" creationId="{B1EA2C03-8FCA-4E7B-9690-AE2E102D5D7A}"/>
-          </ac:spMkLst>
-        </pc:spChg>
-        <pc:cxnChg chg="mod">
-          <ac:chgData name="Martin Modin" userId="bd7cbf59-f9ff-43c7-9d02-90d6dae8a7e3" providerId="ADAL" clId="{A8FF19D5-F041-4B75-8B5C-C0105BFBC75D}" dt="2020-02-17T19:31:39.287" v="0" actId="1076"/>
-          <ac:cxnSpMkLst>
-            <pc:docMk/>
-            <pc:sldMk cId="364144771" sldId="2076137203"/>
-            <ac:cxnSpMk id="21" creationId="{3D7E31EA-366B-4394-AACB-686BEE35F86C}"/>
-          </ac:cxnSpMkLst>
-        </pc:cxnChg>
-        <pc:cxnChg chg="mod">
-          <ac:chgData name="Martin Modin" userId="bd7cbf59-f9ff-43c7-9d02-90d6dae8a7e3" providerId="ADAL" clId="{A8FF19D5-F041-4B75-8B5C-C0105BFBC75D}" dt="2020-02-17T19:31:39.287" v="0" actId="1076"/>
-          <ac:cxnSpMkLst>
-            <pc:docMk/>
-            <pc:sldMk cId="364144771" sldId="2076137203"/>
-            <ac:cxnSpMk id="22" creationId="{199082B1-63C0-418A-8426-87FFCBF0C940}"/>
-          </ac:cxnSpMkLst>
-        </pc:cxnChg>
-        <pc:cxnChg chg="mod">
-          <ac:chgData name="Martin Modin" userId="bd7cbf59-f9ff-43c7-9d02-90d6dae8a7e3" providerId="ADAL" clId="{A8FF19D5-F041-4B75-8B5C-C0105BFBC75D}" dt="2020-02-17T19:31:39.287" v="0" actId="1076"/>
-          <ac:cxnSpMkLst>
-            <pc:docMk/>
-            <pc:sldMk cId="364144771" sldId="2076137203"/>
-            <ac:cxnSpMk id="23" creationId="{6DDAE0BC-A8B7-4683-AF65-492080E1492B}"/>
-          </ac:cxnSpMkLst>
-        </pc:cxnChg>
-        <pc:cxnChg chg="mod">
-          <ac:chgData name="Martin Modin" userId="bd7cbf59-f9ff-43c7-9d02-90d6dae8a7e3" providerId="ADAL" clId="{A8FF19D5-F041-4B75-8B5C-C0105BFBC75D}" dt="2020-02-17T19:31:39.287" v="0" actId="1076"/>
-          <ac:cxnSpMkLst>
-            <pc:docMk/>
-            <pc:sldMk cId="364144771" sldId="2076137203"/>
-            <ac:cxnSpMk id="37" creationId="{ACB8BD67-987F-45F5-9329-D1EA70CDADF7}"/>
-          </ac:cxnSpMkLst>
-        </pc:cxnChg>
       </pc:sldChg>
     </pc:docChg>
   </pc:docChgLst>
@@ -1497,13 +1499,6 @@
           <a:bodyPr/>
           <a:lstStyle/>
           <a:p>
-            <a:endParaRPr lang="en-US" sz="1200" dirty="0">
-              <a:solidFill>
-                <a:schemeClr val="bg1"/>
-              </a:solidFill>
-            </a:endParaRPr>
-          </a:p>
-          <a:p>
             <a:r>
               <a:rPr lang="en-US" sz="1200" b="0" kern="1200" dirty="0">
                 <a:solidFill>
@@ -1514,7 +1509,7 @@
                 <a:ea typeface="+mn-ea"/>
                 <a:cs typeface="+mn-cs"/>
               </a:rPr>
-              <a:t>Trey Research's CTO, is aware of the potential for the cloud, but also has a keen understanding that without strong governance, Trey may end up with an environment that lacks essential business controls. These incorrect practices can then be disbursed across the enterprise, leading to an unmanageable Azure estate and costs which are hard to track or control. Ken wants to start on the right foot by enforcing common-sense best practices from the start.</a:t>
+              <a:t>Trey Research is a manufacturing company that builds consumer products with 29.6 billion USD in annual revenue. Trey's headquarters are in New Jersey, but they have data centers and branch offices scattered across the United States with several major offices in the United Kingdom, France, and Japan.</a:t>
             </a:r>
           </a:p>
           <a:p>
@@ -1539,7 +1534,7 @@
                 <a:ea typeface="+mn-ea"/>
                 <a:cs typeface="+mn-cs"/>
               </a:rPr>
-              <a:t>Enterprise IT is responsible for managing corporate network connectivity, datacenter distribution, capacity planning, identity, and enterprise wide SaaS services for Trey Research employees. Enterprise IT is also responsible for supporting the services, datacenters, and setting auditing policy on hardware and services.</a:t>
+              <a:t>Even as large as it is, Trey seeks to maximize the cost-effectiveness and flexibility of its IT, especially in new projects and business units. With a dizzying number of existing business units, each with its own unique requirements from IT and ballooning costs from internal hardware and data center investment, Trey is looking to the cloud.</a:t>
             </a:r>
           </a:p>
           <a:p>
@@ -1564,7 +1559,7 @@
                 <a:ea typeface="+mn-ea"/>
                 <a:cs typeface="+mn-cs"/>
               </a:rPr>
-              <a:t>To help drive Azure adoption and best practices, Ken has chartered a Cloud Governance team within Enterprise IT, headed by Laura Knight. This team will be responsible for all aspects of Azure governance. This includes defining, implementing and enforcing cloud governance and working with other teams to ensure best practices are adopted.</a:t>
+              <a:t>Trey is interested in a large-scale solution that will help mitigate creeping costs and start the transition to a modern cloud-based enterprise architecture.</a:t>
             </a:r>
           </a:p>
           <a:p>
@@ -1589,7 +1584,7 @@
                 <a:ea typeface="+mn-ea"/>
                 <a:cs typeface="+mn-cs"/>
               </a:rPr>
-              <a:t>Rather than re-invent the wheel, the Cloud Governance team have decided to adopt Microsoft's Cloud Adoption Framework as a baseline upon which they will build their governance implementation. This framework is divided into five disciplines.</a:t>
+              <a:t>Trey's technical leadership has decided to move forward with a Microsoft enterprise agreement (EA) with a heavy commitment in Microsoft Azure.</a:t>
             </a:r>
           </a:p>
           <a:p>
@@ -1623,7 +1618,7 @@
     </p:spTree>
     <p:extLst>
       <p:ext uri="{BB962C8B-B14F-4D97-AF65-F5344CB8AC3E}">
-        <p14:creationId xmlns:p14="http://schemas.microsoft.com/office/powerpoint/2010/main" val="46991752"/>
+        <p14:creationId xmlns:p14="http://schemas.microsoft.com/office/powerpoint/2010/main" val="767710843"/>
       </p:ext>
     </p:extLst>
   </p:cSld>
@@ -1677,6 +1672,102 @@
           <a:bodyPr/>
           <a:lstStyle/>
           <a:p>
+            <a:endParaRPr lang="en-US" sz="1200" dirty="0">
+              <a:solidFill>
+                <a:schemeClr val="bg1"/>
+              </a:solidFill>
+            </a:endParaRPr>
+          </a:p>
+          <a:p>
+            <a:r>
+              <a:rPr lang="en-US" sz="1200" b="0" kern="1200" dirty="0">
+                <a:solidFill>
+                  <a:schemeClr val="tx1"/>
+                </a:solidFill>
+                <a:effectLst/>
+                <a:latin typeface="+mn-lt"/>
+                <a:ea typeface="+mn-ea"/>
+                <a:cs typeface="+mn-cs"/>
+              </a:rPr>
+              <a:t>Trey Research's CTO, is aware of the potential for the cloud, but also has a keen understanding that without strong governance, Trey may end up with an environment that lacks essential business controls. These incorrect practices can then be disbursed across the enterprise, leading to an unmanageable Azure estate and costs which are hard to track or control. Ken wants to start on the right foot by enforcing common-sense best practices from the start.</a:t>
+            </a:r>
+          </a:p>
+          <a:p>
+            <a:br>
+              <a:rPr lang="en-US" sz="1200" b="0" kern="1200" dirty="0">
+                <a:solidFill>
+                  <a:schemeClr val="tx1"/>
+                </a:solidFill>
+                <a:effectLst/>
+                <a:latin typeface="+mn-lt"/>
+                <a:ea typeface="+mn-ea"/>
+                <a:cs typeface="+mn-cs"/>
+              </a:rPr>
+            </a:br>
+            <a:r>
+              <a:rPr lang="en-US" sz="1200" b="0" kern="1200" dirty="0">
+                <a:solidFill>
+                  <a:schemeClr val="tx1"/>
+                </a:solidFill>
+                <a:effectLst/>
+                <a:latin typeface="+mn-lt"/>
+                <a:ea typeface="+mn-ea"/>
+                <a:cs typeface="+mn-cs"/>
+              </a:rPr>
+              <a:t>Enterprise IT is responsible for managing corporate network connectivity, datacenter distribution, capacity planning, identity, and enterprise wide SaaS services for Trey Research employees. Enterprise IT is also responsible for supporting the services, datacenters, and setting auditing policy on hardware and services.</a:t>
+            </a:r>
+          </a:p>
+          <a:p>
+            <a:br>
+              <a:rPr lang="en-US" sz="1200" b="0" kern="1200" dirty="0">
+                <a:solidFill>
+                  <a:schemeClr val="tx1"/>
+                </a:solidFill>
+                <a:effectLst/>
+                <a:latin typeface="+mn-lt"/>
+                <a:ea typeface="+mn-ea"/>
+                <a:cs typeface="+mn-cs"/>
+              </a:rPr>
+            </a:br>
+            <a:r>
+              <a:rPr lang="en-US" sz="1200" b="0" kern="1200" dirty="0">
+                <a:solidFill>
+                  <a:schemeClr val="tx1"/>
+                </a:solidFill>
+                <a:effectLst/>
+                <a:latin typeface="+mn-lt"/>
+                <a:ea typeface="+mn-ea"/>
+                <a:cs typeface="+mn-cs"/>
+              </a:rPr>
+              <a:t>To help drive Azure adoption and best practices, Ken has chartered a Cloud Governance team within Enterprise IT, headed by Laura Knight. This team will be responsible for all aspects of Azure governance. This includes defining, implementing and enforcing cloud governance and working with other teams to ensure best practices are adopted.</a:t>
+            </a:r>
+          </a:p>
+          <a:p>
+            <a:br>
+              <a:rPr lang="en-US" sz="1200" b="0" kern="1200" dirty="0">
+                <a:solidFill>
+                  <a:schemeClr val="tx1"/>
+                </a:solidFill>
+                <a:effectLst/>
+                <a:latin typeface="+mn-lt"/>
+                <a:ea typeface="+mn-ea"/>
+                <a:cs typeface="+mn-cs"/>
+              </a:rPr>
+            </a:br>
+            <a:r>
+              <a:rPr lang="en-US" sz="1200" b="0" kern="1200" dirty="0">
+                <a:solidFill>
+                  <a:schemeClr val="tx1"/>
+                </a:solidFill>
+                <a:effectLst/>
+                <a:latin typeface="+mn-lt"/>
+                <a:ea typeface="+mn-ea"/>
+                <a:cs typeface="+mn-cs"/>
+              </a:rPr>
+              <a:t>Rather than re-invent the wheel, the Cloud Governance team have decided to adopt Microsoft's Cloud Adoption Framework as a baseline upon which they will build their governance implementation. This framework is divided into five disciplines.</a:t>
+            </a:r>
+          </a:p>
+          <a:p>
             <a:endParaRPr lang="en-US" dirty="0"/>
           </a:p>
         </p:txBody>
@@ -1707,7 +1798,7 @@
     </p:spTree>
     <p:extLst>
       <p:ext uri="{BB962C8B-B14F-4D97-AF65-F5344CB8AC3E}">
-        <p14:creationId xmlns:p14="http://schemas.microsoft.com/office/powerpoint/2010/main" val="2891369509"/>
+        <p14:creationId xmlns:p14="http://schemas.microsoft.com/office/powerpoint/2010/main" val="46991752"/>
       </p:ext>
     </p:extLst>
   </p:cSld>
@@ -1791,7 +1882,7 @@
     </p:spTree>
     <p:extLst>
       <p:ext uri="{BB962C8B-B14F-4D97-AF65-F5344CB8AC3E}">
-        <p14:creationId xmlns:p14="http://schemas.microsoft.com/office/powerpoint/2010/main" val="1848614692"/>
+        <p14:creationId xmlns:p14="http://schemas.microsoft.com/office/powerpoint/2010/main" val="2891369509"/>
       </p:ext>
     </p:extLst>
   </p:cSld>
@@ -1845,468 +1936,6 @@
           <a:bodyPr/>
           <a:lstStyle/>
           <a:p>
-            <a:r>
-              <a:rPr lang="en-US" sz="882" kern="1200" dirty="0">
-                <a:solidFill>
-                  <a:schemeClr val="tx1"/>
-                </a:solidFill>
-                <a:effectLst/>
-                <a:latin typeface="Segoe UI" panose="020B0502040204020203" pitchFamily="34" charset="0"/>
-                <a:ea typeface="+mn-ea"/>
-                <a:cs typeface="+mn-cs"/>
-              </a:rPr>
-              <a:t>It is essential that as we adopt cloud we think about the individuals and roles that they will play in the future service delivery model. As iterated before “Cloud is a model, not just a place”. This will mean that we need to thing about how we leverage teams to be more agile and respond to ever changing demands. We need to ensure that the teams can help drive alignment and accountability.</a:t>
-            </a:r>
-          </a:p>
-          <a:p>
-            <a:r>
-              <a:rPr lang="en-US" sz="882" kern="1200" dirty="0">
-                <a:solidFill>
-                  <a:schemeClr val="tx1"/>
-                </a:solidFill>
-                <a:effectLst/>
-                <a:latin typeface="Segoe UI" panose="020B0502040204020203" pitchFamily="34" charset="0"/>
-                <a:ea typeface="+mn-ea"/>
-                <a:cs typeface="+mn-cs"/>
-              </a:rPr>
-              <a:t>There are many ways that we can align the organization, the recommendations below are based on what we see with other customers and will start with the principle of a minimal viable product (MVP) and then evolve as Contoso progresses with the adoption.</a:t>
-            </a:r>
-          </a:p>
-          <a:p>
-            <a:r>
-              <a:rPr lang="en-US" sz="882" kern="1200" dirty="0">
-                <a:solidFill>
-                  <a:schemeClr val="tx1"/>
-                </a:solidFill>
-                <a:effectLst/>
-                <a:latin typeface="Segoe UI" panose="020B0502040204020203" pitchFamily="34" charset="0"/>
-                <a:ea typeface="+mn-ea"/>
-                <a:cs typeface="+mn-cs"/>
-              </a:rPr>
-              <a:t>Our guidance is to start with 2 teams, a </a:t>
-            </a:r>
-            <a:r>
-              <a:rPr lang="en-US" sz="882" b="1" kern="1200" dirty="0">
-                <a:solidFill>
-                  <a:schemeClr val="tx1"/>
-                </a:solidFill>
-                <a:effectLst/>
-                <a:latin typeface="Segoe UI" panose="020B0502040204020203" pitchFamily="34" charset="0"/>
-                <a:ea typeface="+mn-ea"/>
-                <a:cs typeface="+mn-cs"/>
-              </a:rPr>
-              <a:t>Cloud Strategy Team</a:t>
-            </a:r>
-            <a:r>
-              <a:rPr lang="en-US" sz="882" kern="1200" dirty="0">
-                <a:solidFill>
-                  <a:schemeClr val="tx1"/>
-                </a:solidFill>
-                <a:effectLst/>
-                <a:latin typeface="Segoe UI" panose="020B0502040204020203" pitchFamily="34" charset="0"/>
-                <a:ea typeface="+mn-ea"/>
-                <a:cs typeface="+mn-cs"/>
-              </a:rPr>
-              <a:t> and a </a:t>
-            </a:r>
-            <a:r>
-              <a:rPr lang="en-US" sz="882" b="1" kern="1200" dirty="0">
-                <a:solidFill>
-                  <a:schemeClr val="tx1"/>
-                </a:solidFill>
-                <a:effectLst/>
-                <a:latin typeface="Segoe UI" panose="020B0502040204020203" pitchFamily="34" charset="0"/>
-                <a:ea typeface="+mn-ea"/>
-                <a:cs typeface="+mn-cs"/>
-              </a:rPr>
-              <a:t>Cloud Governance Team</a:t>
-            </a:r>
-            <a:endParaRPr lang="en-US" sz="882" kern="1200" dirty="0">
-              <a:solidFill>
-                <a:schemeClr val="tx1"/>
-              </a:solidFill>
-              <a:effectLst/>
-              <a:latin typeface="Segoe UI" panose="020B0502040204020203" pitchFamily="34" charset="0"/>
-              <a:ea typeface="+mn-ea"/>
-              <a:cs typeface="+mn-cs"/>
-            </a:endParaRPr>
-          </a:p>
-          <a:p>
-            <a:r>
-              <a:rPr lang="en-US" sz="882" kern="1200" dirty="0">
-                <a:solidFill>
-                  <a:schemeClr val="tx1"/>
-                </a:solidFill>
-                <a:effectLst/>
-                <a:latin typeface="Segoe UI" panose="020B0502040204020203" pitchFamily="34" charset="0"/>
-                <a:ea typeface="+mn-ea"/>
-                <a:cs typeface="+mn-cs"/>
-              </a:rPr>
-              <a:t>The </a:t>
-            </a:r>
-            <a:r>
-              <a:rPr lang="en-US" sz="882" b="1" kern="1200" dirty="0">
-                <a:solidFill>
-                  <a:schemeClr val="tx1"/>
-                </a:solidFill>
-                <a:effectLst/>
-                <a:latin typeface="Segoe UI" panose="020B0502040204020203" pitchFamily="34" charset="0"/>
-                <a:ea typeface="+mn-ea"/>
-                <a:cs typeface="+mn-cs"/>
-              </a:rPr>
-              <a:t>Cloud Strategy Team</a:t>
-            </a:r>
-            <a:r>
-              <a:rPr lang="en-US" sz="882" kern="1200" dirty="0">
-                <a:solidFill>
-                  <a:schemeClr val="tx1"/>
-                </a:solidFill>
-                <a:effectLst/>
-                <a:latin typeface="Segoe UI" panose="020B0502040204020203" pitchFamily="34" charset="0"/>
-                <a:ea typeface="+mn-ea"/>
-                <a:cs typeface="+mn-cs"/>
-              </a:rPr>
-              <a:t> is responsible for leading the cloud adoption within your organization, supporting all business outcomes, people and processes changes and technical projects identified within this plan. The types of roles typically found in the strategy team are:</a:t>
-            </a:r>
-          </a:p>
-          <a:p>
-            <a:pPr lvl="0"/>
-            <a:r>
-              <a:rPr lang="en-US" sz="882" kern="1200" dirty="0">
-                <a:solidFill>
-                  <a:schemeClr val="tx1"/>
-                </a:solidFill>
-                <a:effectLst/>
-                <a:latin typeface="Segoe UI" panose="020B0502040204020203" pitchFamily="34" charset="0"/>
-                <a:ea typeface="+mn-ea"/>
-                <a:cs typeface="+mn-cs"/>
-              </a:rPr>
-              <a:t>Finance</a:t>
-            </a:r>
-          </a:p>
-          <a:p>
-            <a:pPr lvl="0"/>
-            <a:r>
-              <a:rPr lang="en-US" sz="882" kern="1200" dirty="0">
-                <a:solidFill>
-                  <a:schemeClr val="tx1"/>
-                </a:solidFill>
-                <a:effectLst/>
-                <a:latin typeface="Segoe UI" panose="020B0502040204020203" pitchFamily="34" charset="0"/>
-                <a:ea typeface="+mn-ea"/>
-                <a:cs typeface="+mn-cs"/>
-              </a:rPr>
-              <a:t>Line of business</a:t>
-            </a:r>
-          </a:p>
-          <a:p>
-            <a:pPr lvl="0"/>
-            <a:r>
-              <a:rPr lang="en-US" sz="882" kern="1200" dirty="0">
-                <a:solidFill>
-                  <a:schemeClr val="tx1"/>
-                </a:solidFill>
-                <a:effectLst/>
-                <a:latin typeface="Segoe UI" panose="020B0502040204020203" pitchFamily="34" charset="0"/>
-                <a:ea typeface="+mn-ea"/>
-                <a:cs typeface="+mn-cs"/>
-              </a:rPr>
-              <a:t>Human resources</a:t>
-            </a:r>
-          </a:p>
-          <a:p>
-            <a:pPr lvl="0"/>
-            <a:r>
-              <a:rPr lang="en-US" sz="882" kern="1200" dirty="0">
-                <a:solidFill>
-                  <a:schemeClr val="tx1"/>
-                </a:solidFill>
-                <a:effectLst/>
-                <a:latin typeface="Segoe UI" panose="020B0502040204020203" pitchFamily="34" charset="0"/>
-                <a:ea typeface="+mn-ea"/>
-                <a:cs typeface="+mn-cs"/>
-              </a:rPr>
-              <a:t>Operations</a:t>
-            </a:r>
-          </a:p>
-          <a:p>
-            <a:pPr lvl="0"/>
-            <a:r>
-              <a:rPr lang="en-US" sz="882" kern="1200" dirty="0">
-                <a:solidFill>
-                  <a:schemeClr val="tx1"/>
-                </a:solidFill>
-                <a:effectLst/>
-                <a:latin typeface="Segoe UI" panose="020B0502040204020203" pitchFamily="34" charset="0"/>
-                <a:ea typeface="+mn-ea"/>
-                <a:cs typeface="+mn-cs"/>
-              </a:rPr>
-              <a:t>Enterprise architecture</a:t>
-            </a:r>
-          </a:p>
-          <a:p>
-            <a:pPr lvl="0"/>
-            <a:r>
-              <a:rPr lang="en-US" sz="882" kern="1200" dirty="0">
-                <a:solidFill>
-                  <a:schemeClr val="tx1"/>
-                </a:solidFill>
-                <a:effectLst/>
-                <a:latin typeface="Segoe UI" panose="020B0502040204020203" pitchFamily="34" charset="0"/>
-                <a:ea typeface="+mn-ea"/>
-                <a:cs typeface="+mn-cs"/>
-              </a:rPr>
-              <a:t>IT infrastructure</a:t>
-            </a:r>
-          </a:p>
-          <a:p>
-            <a:pPr lvl="0"/>
-            <a:r>
-              <a:rPr lang="en-US" sz="882" kern="1200" dirty="0">
-                <a:solidFill>
-                  <a:schemeClr val="tx1"/>
-                </a:solidFill>
-                <a:effectLst/>
-                <a:latin typeface="Segoe UI" panose="020B0502040204020203" pitchFamily="34" charset="0"/>
-                <a:ea typeface="+mn-ea"/>
-                <a:cs typeface="+mn-cs"/>
-              </a:rPr>
-              <a:t>Application groups</a:t>
-            </a:r>
-          </a:p>
-          <a:p>
-            <a:pPr lvl="0"/>
-            <a:r>
-              <a:rPr lang="en-US" sz="882" kern="1200" dirty="0">
-                <a:solidFill>
-                  <a:schemeClr val="tx1"/>
-                </a:solidFill>
-                <a:effectLst/>
-                <a:latin typeface="Segoe UI" panose="020B0502040204020203" pitchFamily="34" charset="0"/>
-                <a:ea typeface="+mn-ea"/>
-                <a:cs typeface="+mn-cs"/>
-              </a:rPr>
-              <a:t>Project managers (Often with Agile project management experience)</a:t>
-            </a:r>
-          </a:p>
-          <a:p>
-            <a:r>
-              <a:rPr lang="en-US" sz="882" kern="1200" dirty="0">
-                <a:solidFill>
-                  <a:schemeClr val="tx1"/>
-                </a:solidFill>
-                <a:effectLst/>
-                <a:latin typeface="Segoe UI" panose="020B0502040204020203" pitchFamily="34" charset="0"/>
-                <a:ea typeface="+mn-ea"/>
-                <a:cs typeface="+mn-cs"/>
-              </a:rPr>
-              <a:t> </a:t>
-            </a:r>
-          </a:p>
-          <a:p>
-            <a:r>
-              <a:rPr lang="en-US" sz="882" kern="1200" dirty="0">
-                <a:solidFill>
-                  <a:schemeClr val="tx1"/>
-                </a:solidFill>
-                <a:effectLst/>
-                <a:latin typeface="Segoe UI" panose="020B0502040204020203" pitchFamily="34" charset="0"/>
-                <a:ea typeface="+mn-ea"/>
-                <a:cs typeface="+mn-cs"/>
-              </a:rPr>
-              <a:t>The </a:t>
-            </a:r>
-            <a:r>
-              <a:rPr lang="en-US" sz="882" b="1" kern="1200" dirty="0">
-                <a:solidFill>
-                  <a:schemeClr val="tx1"/>
-                </a:solidFill>
-                <a:effectLst/>
-                <a:latin typeface="Segoe UI" panose="020B0502040204020203" pitchFamily="34" charset="0"/>
-                <a:ea typeface="+mn-ea"/>
-                <a:cs typeface="+mn-cs"/>
-              </a:rPr>
-              <a:t>Cloud Governance Team</a:t>
-            </a:r>
-            <a:r>
-              <a:rPr lang="en-US" sz="882" kern="1200" dirty="0">
-                <a:solidFill>
-                  <a:schemeClr val="tx1"/>
-                </a:solidFill>
-                <a:effectLst/>
-                <a:latin typeface="Segoe UI" panose="020B0502040204020203" pitchFamily="34" charset="0"/>
-                <a:ea typeface="+mn-ea"/>
-                <a:cs typeface="+mn-cs"/>
-              </a:rPr>
-              <a:t> ensures that risks and risk tolerance are properly evaluated and managed. This capability ensures the proper identification of risks that can't be tolerated by the business have the correct governing corporate policies. Here are some of the roles which we believe form part of your Governance team:</a:t>
-            </a:r>
-          </a:p>
-          <a:p>
-            <a:pPr lvl="0"/>
-            <a:r>
-              <a:rPr lang="en-US" sz="882" kern="1200" dirty="0">
-                <a:solidFill>
-                  <a:schemeClr val="tx1"/>
-                </a:solidFill>
-                <a:effectLst/>
-                <a:latin typeface="Segoe UI" panose="020B0502040204020203" pitchFamily="34" charset="0"/>
-                <a:ea typeface="+mn-ea"/>
-                <a:cs typeface="+mn-cs"/>
-              </a:rPr>
-              <a:t>IT governance</a:t>
-            </a:r>
-          </a:p>
-          <a:p>
-            <a:pPr lvl="0"/>
-            <a:r>
-              <a:rPr lang="en-US" sz="882" kern="1200" dirty="0">
-                <a:solidFill>
-                  <a:schemeClr val="tx1"/>
-                </a:solidFill>
-                <a:effectLst/>
-                <a:latin typeface="Segoe UI" panose="020B0502040204020203" pitchFamily="34" charset="0"/>
-                <a:ea typeface="+mn-ea"/>
-                <a:cs typeface="+mn-cs"/>
-              </a:rPr>
-              <a:t>Enterprise architecture</a:t>
-            </a:r>
-          </a:p>
-          <a:p>
-            <a:pPr lvl="0"/>
-            <a:r>
-              <a:rPr lang="en-US" sz="882" kern="1200" dirty="0">
-                <a:solidFill>
-                  <a:schemeClr val="tx1"/>
-                </a:solidFill>
-                <a:effectLst/>
-                <a:latin typeface="Segoe UI" panose="020B0502040204020203" pitchFamily="34" charset="0"/>
-                <a:ea typeface="+mn-ea"/>
-                <a:cs typeface="+mn-cs"/>
-              </a:rPr>
-              <a:t>Security</a:t>
-            </a:r>
-          </a:p>
-          <a:p>
-            <a:pPr lvl="0"/>
-            <a:r>
-              <a:rPr lang="en-US" sz="882" kern="1200" dirty="0">
-                <a:solidFill>
-                  <a:schemeClr val="tx1"/>
-                </a:solidFill>
-                <a:effectLst/>
-                <a:latin typeface="Segoe UI" panose="020B0502040204020203" pitchFamily="34" charset="0"/>
-                <a:ea typeface="+mn-ea"/>
-                <a:cs typeface="+mn-cs"/>
-              </a:rPr>
-              <a:t>IT operations</a:t>
-            </a:r>
-          </a:p>
-          <a:p>
-            <a:pPr lvl="0"/>
-            <a:r>
-              <a:rPr lang="en-US" sz="882" kern="1200" dirty="0">
-                <a:solidFill>
-                  <a:schemeClr val="tx1"/>
-                </a:solidFill>
-                <a:effectLst/>
-                <a:latin typeface="Segoe UI" panose="020B0502040204020203" pitchFamily="34" charset="0"/>
-                <a:ea typeface="+mn-ea"/>
-                <a:cs typeface="+mn-cs"/>
-              </a:rPr>
-              <a:t>IT infrastructure</a:t>
-            </a:r>
-          </a:p>
-          <a:p>
-            <a:pPr lvl="0"/>
-            <a:r>
-              <a:rPr lang="en-US" sz="882" kern="1200" dirty="0">
-                <a:solidFill>
-                  <a:schemeClr val="tx1"/>
-                </a:solidFill>
-                <a:effectLst/>
-                <a:latin typeface="Segoe UI" panose="020B0502040204020203" pitchFamily="34" charset="0"/>
-                <a:ea typeface="+mn-ea"/>
-                <a:cs typeface="+mn-cs"/>
-              </a:rPr>
-              <a:t>Networking</a:t>
-            </a:r>
-          </a:p>
-          <a:p>
-            <a:pPr lvl="0"/>
-            <a:r>
-              <a:rPr lang="en-US" sz="882" kern="1200" dirty="0">
-                <a:solidFill>
-                  <a:schemeClr val="tx1"/>
-                </a:solidFill>
-                <a:effectLst/>
-                <a:latin typeface="Segoe UI" panose="020B0502040204020203" pitchFamily="34" charset="0"/>
-                <a:ea typeface="+mn-ea"/>
-                <a:cs typeface="+mn-cs"/>
-              </a:rPr>
-              <a:t>Identity</a:t>
-            </a:r>
-          </a:p>
-          <a:p>
-            <a:pPr lvl="0"/>
-            <a:r>
-              <a:rPr lang="en-US" sz="882" kern="1200" dirty="0">
-                <a:solidFill>
-                  <a:schemeClr val="tx1"/>
-                </a:solidFill>
-                <a:effectLst/>
-                <a:latin typeface="Segoe UI" panose="020B0502040204020203" pitchFamily="34" charset="0"/>
-                <a:ea typeface="+mn-ea"/>
-                <a:cs typeface="+mn-cs"/>
-              </a:rPr>
-              <a:t>Virtualization</a:t>
-            </a:r>
-          </a:p>
-          <a:p>
-            <a:pPr lvl="0"/>
-            <a:r>
-              <a:rPr lang="en-US" sz="882" kern="1200" dirty="0">
-                <a:solidFill>
-                  <a:schemeClr val="tx1"/>
-                </a:solidFill>
-                <a:effectLst/>
-                <a:latin typeface="Segoe UI" panose="020B0502040204020203" pitchFamily="34" charset="0"/>
-                <a:ea typeface="+mn-ea"/>
-                <a:cs typeface="+mn-cs"/>
-              </a:rPr>
-              <a:t>Business continuity and disaster recovery</a:t>
-            </a:r>
-          </a:p>
-          <a:p>
-            <a:pPr lvl="0"/>
-            <a:r>
-              <a:rPr lang="en-US" sz="882" kern="1200" dirty="0">
-                <a:solidFill>
-                  <a:schemeClr val="tx1"/>
-                </a:solidFill>
-                <a:effectLst/>
-                <a:latin typeface="Segoe UI" panose="020B0502040204020203" pitchFamily="34" charset="0"/>
-                <a:ea typeface="+mn-ea"/>
-                <a:cs typeface="+mn-cs"/>
-              </a:rPr>
-              <a:t>Application owners within IT</a:t>
-            </a:r>
-          </a:p>
-          <a:p>
-            <a:pPr lvl="0"/>
-            <a:r>
-              <a:rPr lang="en-US" sz="882" kern="1200" dirty="0">
-                <a:solidFill>
-                  <a:schemeClr val="tx1"/>
-                </a:solidFill>
-                <a:effectLst/>
-                <a:latin typeface="Segoe UI" panose="020B0502040204020203" pitchFamily="34" charset="0"/>
-                <a:ea typeface="+mn-ea"/>
-                <a:cs typeface="+mn-cs"/>
-              </a:rPr>
-              <a:t>Finance owners</a:t>
-            </a:r>
-          </a:p>
-          <a:p>
             <a:endParaRPr lang="en-US" dirty="0"/>
           </a:p>
         </p:txBody>
@@ -2337,7 +1966,7 @@
     </p:spTree>
     <p:extLst>
       <p:ext uri="{BB962C8B-B14F-4D97-AF65-F5344CB8AC3E}">
-        <p14:creationId xmlns:p14="http://schemas.microsoft.com/office/powerpoint/2010/main" val="3834638776"/>
+        <p14:creationId xmlns:p14="http://schemas.microsoft.com/office/powerpoint/2010/main" val="1848614692"/>
       </p:ext>
     </p:extLst>
   </p:cSld>
@@ -2391,34 +2020,469 @@
           <a:bodyPr/>
           <a:lstStyle/>
           <a:p>
-            <a:pPr>
-              <a:lnSpc>
-                <a:spcPct val="107000"/>
-              </a:lnSpc>
-              <a:spcAft>
-                <a:spcPts val="800"/>
-              </a:spcAft>
-            </a:pPr>
-            <a:r>
-              <a:rPr lang="en-US" sz="2000" dirty="0">
+            <a:r>
+              <a:rPr lang="en-US" sz="882" kern="1200" dirty="0">
                 <a:solidFill>
-                  <a:schemeClr val="bg1"/>
+                  <a:schemeClr val="tx1"/>
                 </a:solidFill>
+                <a:effectLst/>
                 <a:latin typeface="Segoe UI" panose="020B0502040204020203" pitchFamily="34" charset="0"/>
-                <a:ea typeface="Calibri" panose="020F0502020204030204" pitchFamily="34" charset="0"/>
-                <a:cs typeface="Segoe UI" panose="020B0502040204020203" pitchFamily="34" charset="0"/>
+                <a:ea typeface="+mn-ea"/>
+                <a:cs typeface="+mn-cs"/>
               </a:rPr>
-              <a:t>Trey Research has three business units: Industrial and Consumer, Electronics, and Life Sciences. Each of the Business Units has the same subunits: Product development, Marketing, and Sales and Support. Sales and Support is further divided into region subunits (US/EU/Asia).</a:t>
-            </a:r>
-            <a:endParaRPr lang="en-US" sz="2000" dirty="0">
+              <a:t>It is essential that as we adopt cloud we think about the individuals and roles that they will play in the future service delivery model. As iterated before “Cloud is a model, not just a place”. This will mean that we need to thing about how we leverage teams to be more agile and respond to ever changing demands. We need to ensure that the teams can help drive alignment and accountability.</a:t>
+            </a:r>
+          </a:p>
+          <a:p>
+            <a:r>
+              <a:rPr lang="en-US" sz="882" kern="1200" dirty="0">
+                <a:solidFill>
+                  <a:schemeClr val="tx1"/>
+                </a:solidFill>
+                <a:effectLst/>
+                <a:latin typeface="Segoe UI" panose="020B0502040204020203" pitchFamily="34" charset="0"/>
+                <a:ea typeface="+mn-ea"/>
+                <a:cs typeface="+mn-cs"/>
+              </a:rPr>
+              <a:t>There are many ways that we can align the organization, the recommendations below are based on what we see with other customers and will start with the principle of a minimal viable product (MVP) and then evolve as Contoso progresses with the adoption.</a:t>
+            </a:r>
+          </a:p>
+          <a:p>
+            <a:r>
+              <a:rPr lang="en-US" sz="882" kern="1200" dirty="0">
+                <a:solidFill>
+                  <a:schemeClr val="tx1"/>
+                </a:solidFill>
+                <a:effectLst/>
+                <a:latin typeface="Segoe UI" panose="020B0502040204020203" pitchFamily="34" charset="0"/>
+                <a:ea typeface="+mn-ea"/>
+                <a:cs typeface="+mn-cs"/>
+              </a:rPr>
+              <a:t>Our guidance is to start with 2 teams, a </a:t>
+            </a:r>
+            <a:r>
+              <a:rPr lang="en-US" sz="882" b="1" kern="1200" dirty="0">
+                <a:solidFill>
+                  <a:schemeClr val="tx1"/>
+                </a:solidFill>
+                <a:effectLst/>
+                <a:latin typeface="Segoe UI" panose="020B0502040204020203" pitchFamily="34" charset="0"/>
+                <a:ea typeface="+mn-ea"/>
+                <a:cs typeface="+mn-cs"/>
+              </a:rPr>
+              <a:t>Cloud Strategy Team</a:t>
+            </a:r>
+            <a:r>
+              <a:rPr lang="en-US" sz="882" kern="1200" dirty="0">
+                <a:solidFill>
+                  <a:schemeClr val="tx1"/>
+                </a:solidFill>
+                <a:effectLst/>
+                <a:latin typeface="Segoe UI" panose="020B0502040204020203" pitchFamily="34" charset="0"/>
+                <a:ea typeface="+mn-ea"/>
+                <a:cs typeface="+mn-cs"/>
+              </a:rPr>
+              <a:t> and a </a:t>
+            </a:r>
+            <a:r>
+              <a:rPr lang="en-US" sz="882" b="1" kern="1200" dirty="0">
+                <a:solidFill>
+                  <a:schemeClr val="tx1"/>
+                </a:solidFill>
+                <a:effectLst/>
+                <a:latin typeface="Segoe UI" panose="020B0502040204020203" pitchFamily="34" charset="0"/>
+                <a:ea typeface="+mn-ea"/>
+                <a:cs typeface="+mn-cs"/>
+              </a:rPr>
+              <a:t>Cloud Governance Team</a:t>
+            </a:r>
+            <a:endParaRPr lang="en-US" sz="882" kern="1200" dirty="0">
               <a:solidFill>
-                <a:schemeClr val="bg1"/>
+                <a:schemeClr val="tx1"/>
               </a:solidFill>
               <a:effectLst/>
               <a:latin typeface="Segoe UI" panose="020B0502040204020203" pitchFamily="34" charset="0"/>
-              <a:ea typeface="Calibri" panose="020F0502020204030204" pitchFamily="34" charset="0"/>
-              <a:cs typeface="Times New Roman" panose="02020603050405020304" pitchFamily="18" charset="0"/>
+              <a:ea typeface="+mn-ea"/>
+              <a:cs typeface="+mn-cs"/>
             </a:endParaRPr>
+          </a:p>
+          <a:p>
+            <a:r>
+              <a:rPr lang="en-US" sz="882" kern="1200" dirty="0">
+                <a:solidFill>
+                  <a:schemeClr val="tx1"/>
+                </a:solidFill>
+                <a:effectLst/>
+                <a:latin typeface="Segoe UI" panose="020B0502040204020203" pitchFamily="34" charset="0"/>
+                <a:ea typeface="+mn-ea"/>
+                <a:cs typeface="+mn-cs"/>
+              </a:rPr>
+              <a:t>The </a:t>
+            </a:r>
+            <a:r>
+              <a:rPr lang="en-US" sz="882" b="1" kern="1200" dirty="0">
+                <a:solidFill>
+                  <a:schemeClr val="tx1"/>
+                </a:solidFill>
+                <a:effectLst/>
+                <a:latin typeface="Segoe UI" panose="020B0502040204020203" pitchFamily="34" charset="0"/>
+                <a:ea typeface="+mn-ea"/>
+                <a:cs typeface="+mn-cs"/>
+              </a:rPr>
+              <a:t>Cloud Strategy Team</a:t>
+            </a:r>
+            <a:r>
+              <a:rPr lang="en-US" sz="882" kern="1200" dirty="0">
+                <a:solidFill>
+                  <a:schemeClr val="tx1"/>
+                </a:solidFill>
+                <a:effectLst/>
+                <a:latin typeface="Segoe UI" panose="020B0502040204020203" pitchFamily="34" charset="0"/>
+                <a:ea typeface="+mn-ea"/>
+                <a:cs typeface="+mn-cs"/>
+              </a:rPr>
+              <a:t> is responsible for leading the cloud adoption within your organization, supporting all business outcomes, people and processes changes and technical projects identified within this plan. The types of roles typically found in the strategy team are:</a:t>
+            </a:r>
+          </a:p>
+          <a:p>
+            <a:pPr lvl="0"/>
+            <a:r>
+              <a:rPr lang="en-US" sz="882" kern="1200" dirty="0">
+                <a:solidFill>
+                  <a:schemeClr val="tx1"/>
+                </a:solidFill>
+                <a:effectLst/>
+                <a:latin typeface="Segoe UI" panose="020B0502040204020203" pitchFamily="34" charset="0"/>
+                <a:ea typeface="+mn-ea"/>
+                <a:cs typeface="+mn-cs"/>
+              </a:rPr>
+              <a:t>Finance</a:t>
+            </a:r>
+          </a:p>
+          <a:p>
+            <a:pPr lvl="0"/>
+            <a:r>
+              <a:rPr lang="en-US" sz="882" kern="1200" dirty="0">
+                <a:solidFill>
+                  <a:schemeClr val="tx1"/>
+                </a:solidFill>
+                <a:effectLst/>
+                <a:latin typeface="Segoe UI" panose="020B0502040204020203" pitchFamily="34" charset="0"/>
+                <a:ea typeface="+mn-ea"/>
+                <a:cs typeface="+mn-cs"/>
+              </a:rPr>
+              <a:t>Line of business</a:t>
+            </a:r>
+          </a:p>
+          <a:p>
+            <a:pPr lvl="0"/>
+            <a:r>
+              <a:rPr lang="en-US" sz="882" kern="1200" dirty="0">
+                <a:solidFill>
+                  <a:schemeClr val="tx1"/>
+                </a:solidFill>
+                <a:effectLst/>
+                <a:latin typeface="Segoe UI" panose="020B0502040204020203" pitchFamily="34" charset="0"/>
+                <a:ea typeface="+mn-ea"/>
+                <a:cs typeface="+mn-cs"/>
+              </a:rPr>
+              <a:t>Human resources</a:t>
+            </a:r>
+          </a:p>
+          <a:p>
+            <a:pPr lvl="0"/>
+            <a:r>
+              <a:rPr lang="en-US" sz="882" kern="1200" dirty="0">
+                <a:solidFill>
+                  <a:schemeClr val="tx1"/>
+                </a:solidFill>
+                <a:effectLst/>
+                <a:latin typeface="Segoe UI" panose="020B0502040204020203" pitchFamily="34" charset="0"/>
+                <a:ea typeface="+mn-ea"/>
+                <a:cs typeface="+mn-cs"/>
+              </a:rPr>
+              <a:t>Operations</a:t>
+            </a:r>
+          </a:p>
+          <a:p>
+            <a:pPr lvl="0"/>
+            <a:r>
+              <a:rPr lang="en-US" sz="882" kern="1200" dirty="0">
+                <a:solidFill>
+                  <a:schemeClr val="tx1"/>
+                </a:solidFill>
+                <a:effectLst/>
+                <a:latin typeface="Segoe UI" panose="020B0502040204020203" pitchFamily="34" charset="0"/>
+                <a:ea typeface="+mn-ea"/>
+                <a:cs typeface="+mn-cs"/>
+              </a:rPr>
+              <a:t>Enterprise architecture</a:t>
+            </a:r>
+          </a:p>
+          <a:p>
+            <a:pPr lvl="0"/>
+            <a:r>
+              <a:rPr lang="en-US" sz="882" kern="1200" dirty="0">
+                <a:solidFill>
+                  <a:schemeClr val="tx1"/>
+                </a:solidFill>
+                <a:effectLst/>
+                <a:latin typeface="Segoe UI" panose="020B0502040204020203" pitchFamily="34" charset="0"/>
+                <a:ea typeface="+mn-ea"/>
+                <a:cs typeface="+mn-cs"/>
+              </a:rPr>
+              <a:t>IT infrastructure</a:t>
+            </a:r>
+          </a:p>
+          <a:p>
+            <a:pPr lvl="0"/>
+            <a:r>
+              <a:rPr lang="en-US" sz="882" kern="1200" dirty="0">
+                <a:solidFill>
+                  <a:schemeClr val="tx1"/>
+                </a:solidFill>
+                <a:effectLst/>
+                <a:latin typeface="Segoe UI" panose="020B0502040204020203" pitchFamily="34" charset="0"/>
+                <a:ea typeface="+mn-ea"/>
+                <a:cs typeface="+mn-cs"/>
+              </a:rPr>
+              <a:t>Application groups</a:t>
+            </a:r>
+          </a:p>
+          <a:p>
+            <a:pPr lvl="0"/>
+            <a:r>
+              <a:rPr lang="en-US" sz="882" kern="1200" dirty="0">
+                <a:solidFill>
+                  <a:schemeClr val="tx1"/>
+                </a:solidFill>
+                <a:effectLst/>
+                <a:latin typeface="Segoe UI" panose="020B0502040204020203" pitchFamily="34" charset="0"/>
+                <a:ea typeface="+mn-ea"/>
+                <a:cs typeface="+mn-cs"/>
+              </a:rPr>
+              <a:t>Project managers (Often with Agile project management experience)</a:t>
+            </a:r>
+          </a:p>
+          <a:p>
+            <a:r>
+              <a:rPr lang="en-US" sz="882" kern="1200" dirty="0">
+                <a:solidFill>
+                  <a:schemeClr val="tx1"/>
+                </a:solidFill>
+                <a:effectLst/>
+                <a:latin typeface="Segoe UI" panose="020B0502040204020203" pitchFamily="34" charset="0"/>
+                <a:ea typeface="+mn-ea"/>
+                <a:cs typeface="+mn-cs"/>
+              </a:rPr>
+              <a:t> </a:t>
+            </a:r>
+          </a:p>
+          <a:p>
+            <a:r>
+              <a:rPr lang="en-US" sz="882" kern="1200" dirty="0">
+                <a:solidFill>
+                  <a:schemeClr val="tx1"/>
+                </a:solidFill>
+                <a:effectLst/>
+                <a:latin typeface="Segoe UI" panose="020B0502040204020203" pitchFamily="34" charset="0"/>
+                <a:ea typeface="+mn-ea"/>
+                <a:cs typeface="+mn-cs"/>
+              </a:rPr>
+              <a:t>The </a:t>
+            </a:r>
+            <a:r>
+              <a:rPr lang="en-US" sz="882" b="1" kern="1200" dirty="0">
+                <a:solidFill>
+                  <a:schemeClr val="tx1"/>
+                </a:solidFill>
+                <a:effectLst/>
+                <a:latin typeface="Segoe UI" panose="020B0502040204020203" pitchFamily="34" charset="0"/>
+                <a:ea typeface="+mn-ea"/>
+                <a:cs typeface="+mn-cs"/>
+              </a:rPr>
+              <a:t>Cloud Governance Team</a:t>
+            </a:r>
+            <a:r>
+              <a:rPr lang="en-US" sz="882" kern="1200" dirty="0">
+                <a:solidFill>
+                  <a:schemeClr val="tx1"/>
+                </a:solidFill>
+                <a:effectLst/>
+                <a:latin typeface="Segoe UI" panose="020B0502040204020203" pitchFamily="34" charset="0"/>
+                <a:ea typeface="+mn-ea"/>
+                <a:cs typeface="+mn-cs"/>
+              </a:rPr>
+              <a:t> ensures that risks and risk tolerance are properly evaluated and managed. This capability ensures the proper identification of risks that can't be tolerated by the business have the correct governing corporate policies. Here are some of the roles which we believe form part of your Governance team:</a:t>
+            </a:r>
+          </a:p>
+          <a:p>
+            <a:pPr lvl="0"/>
+            <a:r>
+              <a:rPr lang="en-US" sz="882" kern="1200" dirty="0">
+                <a:solidFill>
+                  <a:schemeClr val="tx1"/>
+                </a:solidFill>
+                <a:effectLst/>
+                <a:latin typeface="Segoe UI" panose="020B0502040204020203" pitchFamily="34" charset="0"/>
+                <a:ea typeface="+mn-ea"/>
+                <a:cs typeface="+mn-cs"/>
+              </a:rPr>
+              <a:t>IT governance</a:t>
+            </a:r>
+          </a:p>
+          <a:p>
+            <a:pPr lvl="0"/>
+            <a:r>
+              <a:rPr lang="en-US" sz="882" kern="1200" dirty="0">
+                <a:solidFill>
+                  <a:schemeClr val="tx1"/>
+                </a:solidFill>
+                <a:effectLst/>
+                <a:latin typeface="Segoe UI" panose="020B0502040204020203" pitchFamily="34" charset="0"/>
+                <a:ea typeface="+mn-ea"/>
+                <a:cs typeface="+mn-cs"/>
+              </a:rPr>
+              <a:t>Enterprise architecture</a:t>
+            </a:r>
+          </a:p>
+          <a:p>
+            <a:pPr lvl="0"/>
+            <a:r>
+              <a:rPr lang="en-US" sz="882" kern="1200" dirty="0">
+                <a:solidFill>
+                  <a:schemeClr val="tx1"/>
+                </a:solidFill>
+                <a:effectLst/>
+                <a:latin typeface="Segoe UI" panose="020B0502040204020203" pitchFamily="34" charset="0"/>
+                <a:ea typeface="+mn-ea"/>
+                <a:cs typeface="+mn-cs"/>
+              </a:rPr>
+              <a:t>Security</a:t>
+            </a:r>
+          </a:p>
+          <a:p>
+            <a:pPr lvl="0"/>
+            <a:r>
+              <a:rPr lang="en-US" sz="882" kern="1200" dirty="0">
+                <a:solidFill>
+                  <a:schemeClr val="tx1"/>
+                </a:solidFill>
+                <a:effectLst/>
+                <a:latin typeface="Segoe UI" panose="020B0502040204020203" pitchFamily="34" charset="0"/>
+                <a:ea typeface="+mn-ea"/>
+                <a:cs typeface="+mn-cs"/>
+              </a:rPr>
+              <a:t>IT operations</a:t>
+            </a:r>
+          </a:p>
+          <a:p>
+            <a:pPr lvl="0"/>
+            <a:r>
+              <a:rPr lang="en-US" sz="882" kern="1200" dirty="0">
+                <a:solidFill>
+                  <a:schemeClr val="tx1"/>
+                </a:solidFill>
+                <a:effectLst/>
+                <a:latin typeface="Segoe UI" panose="020B0502040204020203" pitchFamily="34" charset="0"/>
+                <a:ea typeface="+mn-ea"/>
+                <a:cs typeface="+mn-cs"/>
+              </a:rPr>
+              <a:t>IT infrastructure</a:t>
+            </a:r>
+          </a:p>
+          <a:p>
+            <a:pPr lvl="0"/>
+            <a:r>
+              <a:rPr lang="en-US" sz="882" kern="1200" dirty="0">
+                <a:solidFill>
+                  <a:schemeClr val="tx1"/>
+                </a:solidFill>
+                <a:effectLst/>
+                <a:latin typeface="Segoe UI" panose="020B0502040204020203" pitchFamily="34" charset="0"/>
+                <a:ea typeface="+mn-ea"/>
+                <a:cs typeface="+mn-cs"/>
+              </a:rPr>
+              <a:t>Networking</a:t>
+            </a:r>
+          </a:p>
+          <a:p>
+            <a:pPr lvl="0"/>
+            <a:r>
+              <a:rPr lang="en-US" sz="882" kern="1200" dirty="0">
+                <a:solidFill>
+                  <a:schemeClr val="tx1"/>
+                </a:solidFill>
+                <a:effectLst/>
+                <a:latin typeface="Segoe UI" panose="020B0502040204020203" pitchFamily="34" charset="0"/>
+                <a:ea typeface="+mn-ea"/>
+                <a:cs typeface="+mn-cs"/>
+              </a:rPr>
+              <a:t>Identity</a:t>
+            </a:r>
+          </a:p>
+          <a:p>
+            <a:pPr lvl="0"/>
+            <a:r>
+              <a:rPr lang="en-US" sz="882" kern="1200" dirty="0">
+                <a:solidFill>
+                  <a:schemeClr val="tx1"/>
+                </a:solidFill>
+                <a:effectLst/>
+                <a:latin typeface="Segoe UI" panose="020B0502040204020203" pitchFamily="34" charset="0"/>
+                <a:ea typeface="+mn-ea"/>
+                <a:cs typeface="+mn-cs"/>
+              </a:rPr>
+              <a:t>Virtualization</a:t>
+            </a:r>
+          </a:p>
+          <a:p>
+            <a:pPr lvl="0"/>
+            <a:r>
+              <a:rPr lang="en-US" sz="882" kern="1200" dirty="0">
+                <a:solidFill>
+                  <a:schemeClr val="tx1"/>
+                </a:solidFill>
+                <a:effectLst/>
+                <a:latin typeface="Segoe UI" panose="020B0502040204020203" pitchFamily="34" charset="0"/>
+                <a:ea typeface="+mn-ea"/>
+                <a:cs typeface="+mn-cs"/>
+              </a:rPr>
+              <a:t>Business continuity and disaster recovery</a:t>
+            </a:r>
+          </a:p>
+          <a:p>
+            <a:pPr lvl="0"/>
+            <a:r>
+              <a:rPr lang="en-US" sz="882" kern="1200" dirty="0">
+                <a:solidFill>
+                  <a:schemeClr val="tx1"/>
+                </a:solidFill>
+                <a:effectLst/>
+                <a:latin typeface="Segoe UI" panose="020B0502040204020203" pitchFamily="34" charset="0"/>
+                <a:ea typeface="+mn-ea"/>
+                <a:cs typeface="+mn-cs"/>
+              </a:rPr>
+              <a:t>Application owners within IT</a:t>
+            </a:r>
+          </a:p>
+          <a:p>
+            <a:pPr lvl="0"/>
+            <a:r>
+              <a:rPr lang="en-US" sz="882" kern="1200" dirty="0">
+                <a:solidFill>
+                  <a:schemeClr val="tx1"/>
+                </a:solidFill>
+                <a:effectLst/>
+                <a:latin typeface="Segoe UI" panose="020B0502040204020203" pitchFamily="34" charset="0"/>
+                <a:ea typeface="+mn-ea"/>
+                <a:cs typeface="+mn-cs"/>
+              </a:rPr>
+              <a:t>Finance owners</a:t>
+            </a:r>
+          </a:p>
+          <a:p>
+            <a:endParaRPr lang="en-US" dirty="0"/>
           </a:p>
         </p:txBody>
       </p:sp>
@@ -2448,7 +2512,7 @@
     </p:spTree>
     <p:extLst>
       <p:ext uri="{BB962C8B-B14F-4D97-AF65-F5344CB8AC3E}">
-        <p14:creationId xmlns:p14="http://schemas.microsoft.com/office/powerpoint/2010/main" val="838421240"/>
+        <p14:creationId xmlns:p14="http://schemas.microsoft.com/office/powerpoint/2010/main" val="3834638776"/>
       </p:ext>
     </p:extLst>
   </p:cSld>
@@ -2502,121 +2566,34 @@
           <a:bodyPr/>
           <a:lstStyle/>
           <a:p>
-            <a:r>
-              <a:rPr lang="en-US" sz="1200" b="0" kern="1200" dirty="0">
+            <a:pPr>
+              <a:lnSpc>
+                <a:spcPct val="107000"/>
+              </a:lnSpc>
+              <a:spcAft>
+                <a:spcPts val="800"/>
+              </a:spcAft>
+            </a:pPr>
+            <a:r>
+              <a:rPr lang="en-US" sz="2000" dirty="0">
                 <a:solidFill>
-                  <a:schemeClr val="tx1"/>
+                  <a:schemeClr val="bg1"/>
                 </a:solidFill>
-                <a:effectLst/>
-                <a:latin typeface="+mn-lt"/>
-                <a:ea typeface="+mn-ea"/>
-                <a:cs typeface="+mn-cs"/>
+                <a:latin typeface="Segoe UI" panose="020B0502040204020203" pitchFamily="34" charset="0"/>
+                <a:ea typeface="Calibri" panose="020F0502020204030204" pitchFamily="34" charset="0"/>
+                <a:cs typeface="Segoe UI" panose="020B0502040204020203" pitchFamily="34" charset="0"/>
               </a:rPr>
-              <a:t>The CTO </a:t>
-            </a:r>
-            <a:r>
-              <a:rPr lang="en-US" sz="1200" dirty="0">
-                <a:latin typeface="Segoe UI Semibold" panose="020B0702040204020203" pitchFamily="34" charset="0"/>
-                <a:cs typeface="Segoe UI Semibold" panose="020B0702040204020203" pitchFamily="34" charset="0"/>
-              </a:rPr>
-              <a:t>Ken Greenwald</a:t>
-            </a:r>
-            <a:r>
-              <a:rPr lang="en-US" sz="1200" b="0" kern="1200" dirty="0">
-                <a:solidFill>
-                  <a:schemeClr val="tx1"/>
-                </a:solidFill>
-                <a:effectLst/>
-                <a:latin typeface="+mn-lt"/>
-                <a:ea typeface="+mn-ea"/>
-                <a:cs typeface="+mn-cs"/>
-              </a:rPr>
-              <a:t>, was hired 6 months ago from outside the company, with a mandate to address ever-increasing IT costs. He has identified a sprawling IT estate, including a substantial legacy server footprint. New servers and services have been accumulated over time, without consolidating existing infrastructure. This includes:</a:t>
-            </a:r>
-          </a:p>
-          <a:p>
-            <a:r>
-              <a:rPr lang="en-US" sz="1200" b="0" kern="1200" dirty="0">
-                <a:solidFill>
-                  <a:schemeClr val="tx1"/>
-                </a:solidFill>
-                <a:effectLst/>
-                <a:latin typeface="+mn-lt"/>
-                <a:ea typeface="+mn-ea"/>
-                <a:cs typeface="+mn-cs"/>
-              </a:rPr>
-              <a:t>- Windows servers including both x32 and x64 hardware running Windows Server 2003 through to 2016</a:t>
-            </a:r>
-          </a:p>
-          <a:p>
-            <a:r>
-              <a:rPr lang="en-US" sz="1200" b="0" kern="1200" dirty="0">
-                <a:solidFill>
-                  <a:schemeClr val="tx1"/>
-                </a:solidFill>
-                <a:effectLst/>
-                <a:latin typeface="+mn-lt"/>
-                <a:ea typeface="+mn-ea"/>
-                <a:cs typeface="+mn-cs"/>
-              </a:rPr>
-              <a:t>- Linux servers running a mix of RHEL 6.10 and 7 series (7.2 through 7.6) and Ubuntu 16.04</a:t>
-            </a:r>
-          </a:p>
-          <a:p>
-            <a:r>
-              <a:rPr lang="en-US" sz="1200" b="0" kern="1200" dirty="0">
-                <a:solidFill>
-                  <a:schemeClr val="tx1"/>
-                </a:solidFill>
-                <a:effectLst/>
-                <a:latin typeface="+mn-lt"/>
-                <a:ea typeface="+mn-ea"/>
-                <a:cs typeface="+mn-cs"/>
-              </a:rPr>
-              <a:t>- The above servers comprise both physical machines as well as VMs hosted on VMware infrastructure managed by vCenter 6.5</a:t>
-            </a:r>
-          </a:p>
-          <a:p>
-            <a:r>
-              <a:rPr lang="en-US" sz="1200" b="0" kern="1200" dirty="0">
-                <a:solidFill>
-                  <a:schemeClr val="tx1"/>
-                </a:solidFill>
-                <a:effectLst/>
-                <a:latin typeface="+mn-lt"/>
-                <a:ea typeface="+mn-ea"/>
-                <a:cs typeface="+mn-cs"/>
-              </a:rPr>
-              <a:t>- Multiple database engines, including Microsoft SQL Server, PostgreSQL, and Cassandra</a:t>
-            </a:r>
-          </a:p>
-          <a:p>
-            <a:br>
-              <a:rPr lang="en-US" sz="1200" b="0" kern="1200" dirty="0">
-                <a:solidFill>
-                  <a:schemeClr val="tx1"/>
-                </a:solidFill>
-                <a:effectLst/>
-                <a:latin typeface="+mn-lt"/>
-                <a:ea typeface="+mn-ea"/>
-                <a:cs typeface="+mn-cs"/>
-              </a:rPr>
-            </a:br>
-            <a:r>
-              <a:rPr lang="en-US" sz="1200" b="0" kern="1200" dirty="0">
-                <a:solidFill>
-                  <a:schemeClr val="tx1"/>
-                </a:solidFill>
-                <a:effectLst/>
-                <a:latin typeface="+mn-lt"/>
-                <a:ea typeface="+mn-ea"/>
-                <a:cs typeface="+mn-cs"/>
-              </a:rPr>
-              <a:t>In total, 448 servers and VMs have been identified to date, distributed across 5 main locations, all in the US. There is a complex web of dependencies between servers and no-one has a clear view of the entire estate. Fear of breaking an existing system has been one of the drivers of server count and sprawl.</a:t>
-            </a:r>
-          </a:p>
-          <a:p>
-            <a:endParaRPr lang="en-US" dirty="0"/>
+              <a:t>Trey Research has three business units: Industrial and Consumer, Electronics, and Life Sciences. Each of the Business Units has the same subunits: Product development, Marketing, and Sales and Support. Sales and Support is further divided into region subunits (US/EU/Asia).</a:t>
+            </a:r>
+            <a:endParaRPr lang="en-US" sz="2000" dirty="0">
+              <a:solidFill>
+                <a:schemeClr val="bg1"/>
+              </a:solidFill>
+              <a:effectLst/>
+              <a:latin typeface="Segoe UI" panose="020B0502040204020203" pitchFamily="34" charset="0"/>
+              <a:ea typeface="Calibri" panose="020F0502020204030204" pitchFamily="34" charset="0"/>
+              <a:cs typeface="Times New Roman" panose="02020603050405020304" pitchFamily="18" charset="0"/>
+            </a:endParaRPr>
           </a:p>
         </p:txBody>
       </p:sp>
@@ -2646,7 +2623,7 @@
     </p:spTree>
     <p:extLst>
       <p:ext uri="{BB962C8B-B14F-4D97-AF65-F5344CB8AC3E}">
-        <p14:creationId xmlns:p14="http://schemas.microsoft.com/office/powerpoint/2010/main" val="3292433888"/>
+        <p14:creationId xmlns:p14="http://schemas.microsoft.com/office/powerpoint/2010/main" val="838421240"/>
       </p:ext>
     </p:extLst>
   </p:cSld>
@@ -2710,7 +2687,82 @@
                 <a:ea typeface="+mn-ea"/>
                 <a:cs typeface="+mn-cs"/>
               </a:rPr>
-              <a:t>Each business unit and subunit is allocated an Azure quota/budget and is responsible for tracking their expenditure within that budget. Within a business unit, each new project should track its consumption using a specific tag for its IO code within the business unit.</a:t>
+              <a:t>The CTO </a:t>
+            </a:r>
+            <a:r>
+              <a:rPr lang="en-US" sz="1200" dirty="0">
+                <a:latin typeface="Segoe UI Semibold" panose="020B0702040204020203" pitchFamily="34" charset="0"/>
+                <a:cs typeface="Segoe UI Semibold" panose="020B0702040204020203" pitchFamily="34" charset="0"/>
+              </a:rPr>
+              <a:t>Ken Greenwald</a:t>
+            </a:r>
+            <a:r>
+              <a:rPr lang="en-US" sz="1200" b="0" kern="1200" dirty="0">
+                <a:solidFill>
+                  <a:schemeClr val="tx1"/>
+                </a:solidFill>
+                <a:effectLst/>
+                <a:latin typeface="+mn-lt"/>
+                <a:ea typeface="+mn-ea"/>
+                <a:cs typeface="+mn-cs"/>
+              </a:rPr>
+              <a:t>, was hired 6 months ago from outside the company, with a mandate to address ever-increasing IT costs. He has identified a sprawling IT estate, including a substantial legacy server footprint. New servers and services have been accumulated over time, without consolidating existing infrastructure. This includes:</a:t>
+            </a:r>
+          </a:p>
+          <a:p>
+            <a:r>
+              <a:rPr lang="en-US" sz="1200" b="0" kern="1200" dirty="0">
+                <a:solidFill>
+                  <a:schemeClr val="tx1"/>
+                </a:solidFill>
+                <a:effectLst/>
+                <a:latin typeface="+mn-lt"/>
+                <a:ea typeface="+mn-ea"/>
+                <a:cs typeface="+mn-cs"/>
+              </a:rPr>
+              <a:t>- Windows servers including both x32 and x64 hardware running Windows Server 2003 through to 2016</a:t>
+            </a:r>
+          </a:p>
+          <a:p>
+            <a:r>
+              <a:rPr lang="en-US" sz="1200" b="0" kern="1200" dirty="0">
+                <a:solidFill>
+                  <a:schemeClr val="tx1"/>
+                </a:solidFill>
+                <a:effectLst/>
+                <a:latin typeface="+mn-lt"/>
+                <a:ea typeface="+mn-ea"/>
+                <a:cs typeface="+mn-cs"/>
+              </a:rPr>
+              <a:t>- Linux servers running a mix of RHEL 6.10 and 7 series (7.2 through 7.6) and Ubuntu 16.04</a:t>
+            </a:r>
+          </a:p>
+          <a:p>
+            <a:r>
+              <a:rPr lang="en-US" sz="1200" b="0" kern="1200" dirty="0">
+                <a:solidFill>
+                  <a:schemeClr val="tx1"/>
+                </a:solidFill>
+                <a:effectLst/>
+                <a:latin typeface="+mn-lt"/>
+                <a:ea typeface="+mn-ea"/>
+                <a:cs typeface="+mn-cs"/>
+              </a:rPr>
+              <a:t>- The above servers comprise both physical machines as well as VMs hosted on VMware infrastructure managed by vCenter 6.5</a:t>
+            </a:r>
+          </a:p>
+          <a:p>
+            <a:r>
+              <a:rPr lang="en-US" sz="1200" b="0" kern="1200" dirty="0">
+                <a:solidFill>
+                  <a:schemeClr val="tx1"/>
+                </a:solidFill>
+                <a:effectLst/>
+                <a:latin typeface="+mn-lt"/>
+                <a:ea typeface="+mn-ea"/>
+                <a:cs typeface="+mn-cs"/>
+              </a:rPr>
+              <a:t>- Multiple database engines, including Microsoft SQL Server, PostgreSQL, and Cassandra</a:t>
             </a:r>
           </a:p>
           <a:p>
@@ -2735,128 +2787,11 @@
                 <a:ea typeface="+mn-ea"/>
                 <a:cs typeface="+mn-cs"/>
               </a:rPr>
-              <a:t>In addition, each business unit has a requirement to break down their costs into the following categories. Accurate allocation of costs between this categories is essential, since this data feeds into gross margin and net profit figures collated by the central finance team and published quarterly to investors.</a:t>
-            </a:r>
-          </a:p>
-          <a:p>
-            <a:br>
-              <a:rPr lang="en-US" sz="1200" b="0" kern="1200" dirty="0">
-                <a:solidFill>
-                  <a:schemeClr val="tx1"/>
-                </a:solidFill>
-                <a:effectLst/>
-                <a:latin typeface="+mn-lt"/>
-                <a:ea typeface="+mn-ea"/>
-                <a:cs typeface="+mn-cs"/>
-              </a:rPr>
-            </a:br>
-            <a:r>
-              <a:rPr lang="en-US" sz="1200" b="0" kern="1200" dirty="0">
-                <a:solidFill>
-                  <a:schemeClr val="tx1"/>
-                </a:solidFill>
-                <a:effectLst/>
-                <a:latin typeface="+mn-lt"/>
-                <a:ea typeface="+mn-ea"/>
-                <a:cs typeface="+mn-cs"/>
-              </a:rPr>
-              <a:t>- Development and Test</a:t>
-            </a:r>
-          </a:p>
-          <a:p>
-            <a:r>
-              <a:rPr lang="en-US" sz="1200" b="0" kern="1200" dirty="0">
-                <a:solidFill>
-                  <a:schemeClr val="tx1"/>
-                </a:solidFill>
-                <a:effectLst/>
-                <a:latin typeface="+mn-lt"/>
-                <a:ea typeface="+mn-ea"/>
-                <a:cs typeface="+mn-cs"/>
-              </a:rPr>
-              <a:t>- Production</a:t>
-            </a:r>
-          </a:p>
-          <a:p>
-            <a:r>
-              <a:rPr lang="en-US" sz="1200" b="0" kern="1200" dirty="0">
-                <a:solidFill>
-                  <a:schemeClr val="tx1"/>
-                </a:solidFill>
-                <a:effectLst/>
-                <a:latin typeface="+mn-lt"/>
-                <a:ea typeface="+mn-ea"/>
-                <a:cs typeface="+mn-cs"/>
-              </a:rPr>
-              <a:t>- Support Services</a:t>
-            </a:r>
-          </a:p>
-          <a:p>
-            <a:r>
-              <a:rPr lang="en-US" sz="1200" b="0" kern="1200" dirty="0">
-                <a:solidFill>
-                  <a:schemeClr val="tx1"/>
-                </a:solidFill>
-                <a:effectLst/>
-                <a:latin typeface="+mn-lt"/>
-                <a:ea typeface="+mn-ea"/>
-                <a:cs typeface="+mn-cs"/>
-              </a:rPr>
-              <a:t>- Infrastructure</a:t>
-            </a:r>
-          </a:p>
-          <a:p>
-            <a:br>
-              <a:rPr lang="en-US" sz="1200" b="0" kern="1200" dirty="0">
-                <a:solidFill>
-                  <a:schemeClr val="tx1"/>
-                </a:solidFill>
-                <a:effectLst/>
-                <a:latin typeface="+mn-lt"/>
-                <a:ea typeface="+mn-ea"/>
-                <a:cs typeface="+mn-cs"/>
-              </a:rPr>
-            </a:br>
-            <a:r>
-              <a:rPr lang="en-US" sz="1200" b="0" kern="1200" dirty="0">
-                <a:solidFill>
-                  <a:schemeClr val="tx1"/>
-                </a:solidFill>
-                <a:effectLst/>
-                <a:latin typeface="+mn-lt"/>
-                <a:ea typeface="+mn-ea"/>
-                <a:cs typeface="+mn-cs"/>
-              </a:rPr>
-              <a:t>Business units and the finance department need tools to accurately and reliably track all Azure costs, including a cost management dashboard and reports to understand current costs and projected future costs. Alerts when budgets are approached or exceeded are required.</a:t>
-            </a:r>
-          </a:p>
-          <a:p>
-            <a:br>
-              <a:rPr lang="en-US" sz="1200" b="0" kern="1200" dirty="0">
-                <a:solidFill>
-                  <a:schemeClr val="tx1"/>
-                </a:solidFill>
-                <a:effectLst/>
-                <a:latin typeface="+mn-lt"/>
-                <a:ea typeface="+mn-ea"/>
-                <a:cs typeface="+mn-cs"/>
-              </a:rPr>
-            </a:br>
-            <a:r>
-              <a:rPr lang="en-US" sz="1200" b="0" kern="1200" dirty="0">
-                <a:solidFill>
-                  <a:schemeClr val="tx1"/>
-                </a:solidFill>
-                <a:effectLst/>
-                <a:latin typeface="+mn-lt"/>
-                <a:ea typeface="+mn-ea"/>
-                <a:cs typeface="+mn-cs"/>
-              </a:rPr>
-              <a:t>In addition, the Cloud Governance team's charter includes company-wide monitoring and reporting of all Azure spend, including reviewing usage to identify cost-saving opportunities and identifying and investigating anomalous spending.</a:t>
-            </a:r>
-          </a:p>
-          <a:p>
-            <a:endParaRPr lang="en-IE" dirty="0"/>
+              <a:t>In total, 448 servers and VMs have been identified to date, distributed across 5 main locations, all in the US. There is a complex web of dependencies between servers and no-one has a clear view of the entire estate. Fear of breaking an existing system has been one of the drivers of server count and sprawl.</a:t>
+            </a:r>
+          </a:p>
+          <a:p>
+            <a:endParaRPr lang="en-US" dirty="0"/>
           </a:p>
         </p:txBody>
       </p:sp>
@@ -2867,7 +2802,7 @@
             <a:spLocks noGrp="1"/>
           </p:cNvSpPr>
           <p:nvPr>
-            <p:ph type="sldNum" sz="quarter" idx="5"/>
+            <p:ph type="sldNum" sz="quarter" idx="10"/>
           </p:nvPr>
         </p:nvSpPr>
         <p:spPr/>
@@ -2886,7 +2821,7 @@
     </p:spTree>
     <p:extLst>
       <p:ext uri="{BB962C8B-B14F-4D97-AF65-F5344CB8AC3E}">
-        <p14:creationId xmlns:p14="http://schemas.microsoft.com/office/powerpoint/2010/main" val="888023919"/>
+        <p14:creationId xmlns:p14="http://schemas.microsoft.com/office/powerpoint/2010/main" val="3292433888"/>
       </p:ext>
     </p:extLst>
   </p:cSld>
@@ -3126,7 +3061,7 @@
     </p:spTree>
     <p:extLst>
       <p:ext uri="{BB962C8B-B14F-4D97-AF65-F5344CB8AC3E}">
-        <p14:creationId xmlns:p14="http://schemas.microsoft.com/office/powerpoint/2010/main" val="3473528985"/>
+        <p14:creationId xmlns:p14="http://schemas.microsoft.com/office/powerpoint/2010/main" val="888023919"/>
       </p:ext>
     </p:extLst>
   </p:cSld>
@@ -3190,7 +3125,7 @@
                 <a:ea typeface="+mn-ea"/>
                 <a:cs typeface="+mn-cs"/>
               </a:rPr>
-              <a:t>The IT security team have advised a precautionary approach to cloud adoption. The Cloud Governance team are keen to adopt a strong set of best practices to make sure the IT security and business teams feel comfortable to avoid security becoming an adoption blocker.</a:t>
+              <a:t>Each business unit and subunit is allocated an Azure quota/budget and is responsible for tracking their expenditure within that budget. Within a business unit, each new project should track its consumption using a specific tag for its IO code within the business unit.</a:t>
             </a:r>
           </a:p>
           <a:p>
@@ -3215,7 +3150,7 @@
                 <a:ea typeface="+mn-ea"/>
                 <a:cs typeface="+mn-cs"/>
               </a:rPr>
-              <a:t>If a service has an outage, it is important to know the chain of events that led up to the outage and who (if anyone) caused it.</a:t>
+              <a:t>In addition, each business unit has a requirement to break down their costs into the following categories. Accurate allocation of costs between this categories is essential, since this data feeds into gross margin and net profit figures collated by the central finance team and published quarterly to investors.</a:t>
             </a:r>
           </a:p>
           <a:p>
@@ -3240,7 +3175,99 @@
                 <a:ea typeface="+mn-ea"/>
                 <a:cs typeface="+mn-cs"/>
               </a:rPr>
-              <a:t>IT security require that all Azure VMs (Windows and Linux) meet their password complexity requirements. They also require that only approved OS images are used as the baseline for any VM.</a:t>
+              <a:t>- Development and Test</a:t>
+            </a:r>
+          </a:p>
+          <a:p>
+            <a:r>
+              <a:rPr lang="en-US" sz="1200" b="0" kern="1200" dirty="0">
+                <a:solidFill>
+                  <a:schemeClr val="tx1"/>
+                </a:solidFill>
+                <a:effectLst/>
+                <a:latin typeface="+mn-lt"/>
+                <a:ea typeface="+mn-ea"/>
+                <a:cs typeface="+mn-cs"/>
+              </a:rPr>
+              <a:t>- Production</a:t>
+            </a:r>
+          </a:p>
+          <a:p>
+            <a:r>
+              <a:rPr lang="en-US" sz="1200" b="0" kern="1200" dirty="0">
+                <a:solidFill>
+                  <a:schemeClr val="tx1"/>
+                </a:solidFill>
+                <a:effectLst/>
+                <a:latin typeface="+mn-lt"/>
+                <a:ea typeface="+mn-ea"/>
+                <a:cs typeface="+mn-cs"/>
+              </a:rPr>
+              <a:t>- Support Services</a:t>
+            </a:r>
+          </a:p>
+          <a:p>
+            <a:r>
+              <a:rPr lang="en-US" sz="1200" b="0" kern="1200" dirty="0">
+                <a:solidFill>
+                  <a:schemeClr val="tx1"/>
+                </a:solidFill>
+                <a:effectLst/>
+                <a:latin typeface="+mn-lt"/>
+                <a:ea typeface="+mn-ea"/>
+                <a:cs typeface="+mn-cs"/>
+              </a:rPr>
+              <a:t>- Infrastructure</a:t>
+            </a:r>
+          </a:p>
+          <a:p>
+            <a:br>
+              <a:rPr lang="en-US" sz="1200" b="0" kern="1200" dirty="0">
+                <a:solidFill>
+                  <a:schemeClr val="tx1"/>
+                </a:solidFill>
+                <a:effectLst/>
+                <a:latin typeface="+mn-lt"/>
+                <a:ea typeface="+mn-ea"/>
+                <a:cs typeface="+mn-cs"/>
+              </a:rPr>
+            </a:br>
+            <a:r>
+              <a:rPr lang="en-US" sz="1200" b="0" kern="1200" dirty="0">
+                <a:solidFill>
+                  <a:schemeClr val="tx1"/>
+                </a:solidFill>
+                <a:effectLst/>
+                <a:latin typeface="+mn-lt"/>
+                <a:ea typeface="+mn-ea"/>
+                <a:cs typeface="+mn-cs"/>
+              </a:rPr>
+              <a:t>Business units and the finance department need tools to accurately and reliably track all Azure costs, including a cost management dashboard and reports to understand current costs and projected future costs. Alerts when budgets are approached or exceeded are required.</a:t>
+            </a:r>
+          </a:p>
+          <a:p>
+            <a:br>
+              <a:rPr lang="en-US" sz="1200" b="0" kern="1200" dirty="0">
+                <a:solidFill>
+                  <a:schemeClr val="tx1"/>
+                </a:solidFill>
+                <a:effectLst/>
+                <a:latin typeface="+mn-lt"/>
+                <a:ea typeface="+mn-ea"/>
+                <a:cs typeface="+mn-cs"/>
+              </a:rPr>
+            </a:br>
+            <a:r>
+              <a:rPr lang="en-US" sz="1200" b="0" kern="1200" dirty="0">
+                <a:solidFill>
+                  <a:schemeClr val="tx1"/>
+                </a:solidFill>
+                <a:effectLst/>
+                <a:latin typeface="+mn-lt"/>
+                <a:ea typeface="+mn-ea"/>
+                <a:cs typeface="+mn-cs"/>
+              </a:rPr>
+              <a:t>In addition, the Cloud Governance team's charter includes company-wide monitoring and reporting of all Azure spend, including reviewing usage to identify cost-saving opportunities and identifying and investigating anomalous spending.</a:t>
             </a:r>
           </a:p>
           <a:p>
@@ -3274,7 +3301,7 @@
     </p:spTree>
     <p:extLst>
       <p:ext uri="{BB962C8B-B14F-4D97-AF65-F5344CB8AC3E}">
-        <p14:creationId xmlns:p14="http://schemas.microsoft.com/office/powerpoint/2010/main" val="2808578071"/>
+        <p14:creationId xmlns:p14="http://schemas.microsoft.com/office/powerpoint/2010/main" val="3473528985"/>
       </p:ext>
     </p:extLst>
   </p:cSld>
@@ -3422,7 +3449,7 @@
     </p:spTree>
     <p:extLst>
       <p:ext uri="{BB962C8B-B14F-4D97-AF65-F5344CB8AC3E}">
-        <p14:creationId xmlns:p14="http://schemas.microsoft.com/office/powerpoint/2010/main" val="3628956631"/>
+        <p14:creationId xmlns:p14="http://schemas.microsoft.com/office/powerpoint/2010/main" val="2808578071"/>
       </p:ext>
     </p:extLst>
   </p:cSld>
@@ -3476,139 +3503,18 @@
           <a:bodyPr/>
           <a:lstStyle/>
           <a:p>
-            <a:r>
-              <a:rPr lang="en-US" sz="882" b="0" i="0" kern="1200" dirty="0">
-                <a:solidFill>
-                  <a:schemeClr val="tx1"/>
-                </a:solidFill>
-                <a:effectLst/>
-                <a:latin typeface="Segoe UI" panose="020B0502040204020203" pitchFamily="34" charset="0"/>
-                <a:ea typeface="+mn-ea"/>
-                <a:cs typeface="+mn-cs"/>
-              </a:rPr>
-              <a:t>This questionnaire is designed to help you identify gaps in your organization across six key domains as defined in the Microsoft Cloud Adoption Framework. It provides a personalized report that outlines the difference between your current state and business priorities, and tailored resources to help you get started.</a:t>
-            </a:r>
             <a:endParaRPr lang="en-US" dirty="0"/>
           </a:p>
         </p:txBody>
       </p:sp>
       <p:sp>
         <p:nvSpPr>
-          <p:cNvPr id="4" name="Header Placeholder 3"/>
+          <p:cNvPr id="4" name="Slide Number Placeholder 3"/>
           <p:cNvSpPr>
             <a:spLocks noGrp="1"/>
           </p:cNvSpPr>
           <p:nvPr>
-            <p:ph type="hdr" sz="quarter"/>
-          </p:nvPr>
-        </p:nvSpPr>
-        <p:spPr/>
-        <p:txBody>
-          <a:bodyPr/>
-          <a:lstStyle/>
-          <a:p>
-            <a:pPr marL="0" marR="0" lvl="0" indent="0" algn="l" defTabSz="914367" rtl="0" eaLnBrk="1" fontAlgn="auto" latinLnBrk="0" hangingPunct="1">
-              <a:lnSpc>
-                <a:spcPct val="100000"/>
-              </a:lnSpc>
-              <a:spcBef>
-                <a:spcPts val="0"/>
-              </a:spcBef>
-              <a:spcAft>
-                <a:spcPts val="0"/>
-              </a:spcAft>
-              <a:buClrTx/>
-              <a:buSzTx/>
-              <a:buFontTx/>
-              <a:buNone/>
-              <a:tabLst/>
-              <a:defRPr/>
-            </a:pPr>
-            <a:endParaRPr kumimoji="0" lang="en-US" sz="1200" b="0" i="0" u="none" strike="noStrike" kern="1200" cap="none" spc="0" normalizeH="0" baseline="0" noProof="0">
-              <a:ln>
-                <a:noFill/>
-              </a:ln>
-              <a:solidFill>
-                <a:prstClr val="black"/>
-              </a:solidFill>
-              <a:effectLst/>
-              <a:uLnTx/>
-              <a:uFillTx/>
-              <a:latin typeface="Segoe UI" pitchFamily="34" charset="0"/>
-              <a:ea typeface="+mn-ea"/>
-              <a:cs typeface="+mn-cs"/>
-            </a:endParaRPr>
-          </a:p>
-        </p:txBody>
-      </p:sp>
-      <p:sp>
-        <p:nvSpPr>
-          <p:cNvPr id="5" name="Footer Placeholder 4"/>
-          <p:cNvSpPr>
-            <a:spLocks noGrp="1"/>
-          </p:cNvSpPr>
-          <p:nvPr>
-            <p:ph type="ftr" sz="quarter" idx="4"/>
-          </p:nvPr>
-        </p:nvSpPr>
-        <p:spPr/>
-        <p:txBody>
-          <a:bodyPr/>
-          <a:lstStyle/>
-          <a:p>
-            <a:pPr marL="571500" marR="0" lvl="0" indent="0" algn="l" defTabSz="914099" rtl="0" eaLnBrk="0" fontAlgn="auto" latinLnBrk="0" hangingPunct="0">
-              <a:lnSpc>
-                <a:spcPct val="100000"/>
-              </a:lnSpc>
-              <a:spcBef>
-                <a:spcPts val="0"/>
-              </a:spcBef>
-              <a:spcAft>
-                <a:spcPts val="0"/>
-              </a:spcAft>
-              <a:buClrTx/>
-              <a:buSzTx/>
-              <a:buFontTx/>
-              <a:buNone/>
-              <a:tabLst/>
-              <a:defRPr/>
-            </a:pPr>
-            <a:r>
-              <a:rPr kumimoji="0" lang="en-US" sz="400" b="0" i="0" u="none" strike="noStrike" kern="1200" cap="none" spc="0" normalizeH="0" baseline="0" noProof="0">
-                <a:ln>
-                  <a:noFill/>
-                </a:ln>
-                <a:gradFill>
-                  <a:gsLst>
-                    <a:gs pos="0">
-                      <a:prstClr val="black"/>
-                    </a:gs>
-                    <a:gs pos="100000">
-                      <a:prstClr val="black"/>
-                    </a:gs>
-                  </a:gsLst>
-                  <a:lin ang="5400000" scaled="0"/>
-                </a:gradFill>
-                <a:effectLst/>
-                <a:uLnTx/>
-                <a:uFillTx/>
-                <a:latin typeface="Segoe UI" pitchFamily="34" charset="0"/>
-                <a:ea typeface="Segoe UI" pitchFamily="34" charset="0"/>
-                <a:cs typeface="Segoe UI" pitchFamily="34" charset="0"/>
-              </a:rPr>
-              <a:t>© Microsoft Corporation. All rights reserved. MICROSOFT MAKES NO WARRANTIES, EXPRESS, IMPLIED OR STATUTORY, AS TO THE INFORMATION IN THIS PRESENTATION.</a:t>
-            </a:r>
-          </a:p>
-        </p:txBody>
-      </p:sp>
-      <p:sp>
-        <p:nvSpPr>
-          <p:cNvPr id="6" name="Date Placeholder 5"/>
-          <p:cNvSpPr>
-            <a:spLocks noGrp="1"/>
-          </p:cNvSpPr>
-          <p:nvPr>
-            <p:ph type="dt" idx="1"/>
+            <p:ph type="sldNum" sz="quarter" idx="10"/>
           </p:nvPr>
         </p:nvSpPr>
         <p:spPr/>
@@ -3633,90 +3539,7 @@
               <a:tabLst/>
               <a:defRPr/>
             </a:pPr>
-            <a:fld id="{386CE63F-9E7F-4C04-9D0D-FCA25A8E9E86}" type="datetime8">
-              <a:rPr kumimoji="0" lang="en-US" sz="1200" b="0" i="0" u="none" strike="noStrike" kern="1200" cap="none" spc="0" normalizeH="0" baseline="0" noProof="0" smtClean="0">
-                <a:ln>
-                  <a:noFill/>
-                </a:ln>
-                <a:solidFill>
-                  <a:prstClr val="black"/>
-                </a:solidFill>
-                <a:effectLst/>
-                <a:uLnTx/>
-                <a:uFillTx/>
-                <a:latin typeface="Segoe UI" pitchFamily="34" charset="0"/>
-                <a:ea typeface="+mn-ea"/>
-                <a:cs typeface="+mn-cs"/>
-              </a:rPr>
-              <a:pPr marL="0" marR="0" lvl="0" indent="0" algn="r" defTabSz="914367" rtl="0" eaLnBrk="1" fontAlgn="auto" latinLnBrk="0" hangingPunct="1">
-                <a:lnSpc>
-                  <a:spcPct val="100000"/>
-                </a:lnSpc>
-                <a:spcBef>
-                  <a:spcPts val="0"/>
-                </a:spcBef>
-                <a:spcAft>
-                  <a:spcPts val="0"/>
-                </a:spcAft>
-                <a:buClrTx/>
-                <a:buSzTx/>
-                <a:buFontTx/>
-                <a:buNone/>
-                <a:tabLst/>
-                <a:defRPr/>
-              </a:pPr>
-              <a:t>2/18/2020 9:15 AM</a:t>
-            </a:fld>
-            <a:endParaRPr kumimoji="0" lang="en-US" sz="1200" b="0" i="0" u="none" strike="noStrike" kern="1200" cap="none" spc="0" normalizeH="0" baseline="0" noProof="0">
-              <a:ln>
-                <a:noFill/>
-              </a:ln>
-              <a:solidFill>
-                <a:prstClr val="black"/>
-              </a:solidFill>
-              <a:effectLst/>
-              <a:uLnTx/>
-              <a:uFillTx/>
-              <a:latin typeface="Segoe UI" pitchFamily="34" charset="0"/>
-              <a:ea typeface="+mn-ea"/>
-              <a:cs typeface="+mn-cs"/>
-            </a:endParaRPr>
-          </a:p>
-        </p:txBody>
-      </p:sp>
-      <p:sp>
-        <p:nvSpPr>
-          <p:cNvPr id="7" name="Slide Number Placeholder 6"/>
-          <p:cNvSpPr>
-            <a:spLocks noGrp="1"/>
-          </p:cNvSpPr>
-          <p:nvPr>
-            <p:ph type="sldNum" sz="quarter" idx="5"/>
-          </p:nvPr>
-        </p:nvSpPr>
-        <p:spPr/>
-        <p:txBody>
-          <a:bodyPr/>
-          <a:lstStyle/>
-          <a:p>
-            <a:pPr marL="0" marR="0" lvl="0" indent="0" algn="r" defTabSz="914367" rtl="0" eaLnBrk="1" fontAlgn="auto" latinLnBrk="0" hangingPunct="1">
-              <a:lnSpc>
-                <a:spcPct val="100000"/>
-              </a:lnSpc>
-              <a:spcBef>
-                <a:spcPts val="0"/>
-              </a:spcBef>
-              <a:spcAft>
-                <a:spcPts val="0"/>
-              </a:spcAft>
-              <a:buClrTx/>
-              <a:buSzTx/>
-              <a:buFontTx/>
-              <a:buNone/>
-              <a:tabLst/>
-              <a:defRPr/>
-            </a:pPr>
-            <a:fld id="{B4008EB6-D09E-4580-8CD6-DDB14511944F}" type="slidenum">
+            <a:fld id="{0998D5BB-B127-481F-BC0A-2F77C576BB34}" type="slidenum">
               <a:rPr kumimoji="0" lang="en-US" sz="1200" b="0" i="0" u="none" strike="noStrike" kern="1200" cap="none" spc="0" normalizeH="0" baseline="0" noProof="0" smtClean="0">
                 <a:ln>
                   <a:noFill/>
@@ -3750,7 +3573,7 @@
               </a:pPr>
               <a:t>2</a:t>
             </a:fld>
-            <a:endParaRPr kumimoji="0" lang="en-US" sz="1200" b="0" i="0" u="none" strike="noStrike" kern="1200" cap="none" spc="0" normalizeH="0" baseline="0" noProof="0">
+            <a:endParaRPr kumimoji="0" lang="en-US" sz="1200" b="0" i="0" u="none" strike="noStrike" kern="1200" cap="none" spc="0" normalizeH="0" baseline="0" noProof="0" dirty="0">
               <a:ln>
                 <a:noFill/>
               </a:ln>
@@ -3770,7 +3593,7 @@
     </p:spTree>
     <p:extLst>
       <p:ext uri="{BB962C8B-B14F-4D97-AF65-F5344CB8AC3E}">
-        <p14:creationId xmlns:p14="http://schemas.microsoft.com/office/powerpoint/2010/main" val="179922505"/>
+        <p14:creationId xmlns:p14="http://schemas.microsoft.com/office/powerpoint/2010/main" val="3520104298"/>
       </p:ext>
     </p:extLst>
   </p:cSld>
@@ -3834,7 +3657,7 @@
                 <a:ea typeface="+mn-ea"/>
                 <a:cs typeface="+mn-cs"/>
               </a:rPr>
-              <a:t>Trey Research has deployed Office 365 and it is configured with federated access to their ADFS servers. Trey's EA has been created within the same organization.</a:t>
+              <a:t>The IT security team have advised a precautionary approach to cloud adoption. The Cloud Governance team are keen to adopt a strong set of best practices to make sure the IT security and business teams feel comfortable to avoid security becoming an adoption blocker.</a:t>
             </a:r>
           </a:p>
           <a:p>
@@ -3859,7 +3682,7 @@
                 <a:ea typeface="+mn-ea"/>
                 <a:cs typeface="+mn-cs"/>
               </a:rPr>
-              <a:t>Providing the ability to delegate permissions to different administrators at the business unit and subunit level is critical. However, for an organization the size of Trey Research, it is not possible for the Cloud Governance team to manage all user permissions centrally. Instead, for each new project, an administrator in the business unit should be able to manage access for his or her team. The business unit administrator must not be able to override or circumnavigate governance rules defined by the Cloud Governance team. Team members must be provide the access they need, to the resources they need, but no more. To maintain consistency and to enable Cloud Governance team audit, Azure access should be controlled using built-in roles only, not custom roles.</a:t>
+              <a:t>If a service has an outage, it is important to know the chain of events that led up to the outage and who (if anyone) caused it.</a:t>
             </a:r>
           </a:p>
           <a:p>
@@ -3884,7 +3707,7 @@
                 <a:ea typeface="+mn-ea"/>
                 <a:cs typeface="+mn-cs"/>
               </a:rPr>
-              <a:t>The Trey e-commerce team make significant use of contingent staff. At present, these staff are granted identities in the existing Trey directory, and are required to work on-site to gain access to Trey development and test environments. Trey would like to streamline this process and enable remote working. </a:t>
+              <a:t>IT security require that all Azure VMs (Windows and Linux) meet their password complexity requirements. They also require that only approved OS images are used as the baseline for any VM.</a:t>
             </a:r>
           </a:p>
           <a:p>
@@ -3918,7 +3741,7 @@
     </p:spTree>
     <p:extLst>
       <p:ext uri="{BB962C8B-B14F-4D97-AF65-F5344CB8AC3E}">
-        <p14:creationId xmlns:p14="http://schemas.microsoft.com/office/powerpoint/2010/main" val="4068077815"/>
+        <p14:creationId xmlns:p14="http://schemas.microsoft.com/office/powerpoint/2010/main" val="3628956631"/>
       </p:ext>
     </p:extLst>
   </p:cSld>
@@ -3982,7 +3805,7 @@
                 <a:ea typeface="+mn-ea"/>
                 <a:cs typeface="+mn-cs"/>
               </a:rPr>
-              <a:t>While the Cloud Governance team is not yet familiar with the full range of Azure services available. They want to limit Trey's Azure adoption to an initial set of core services and locations, which will be expanded over time. These should be centrally enforced, with the ability to grant exceptions where required (for example, for teams piloting new technologies, or one-off deployments of a shared resource such as an ExpressRoute circuit).</a:t>
+              <a:t>Trey Research has deployed Office 365 and it is configured with federated access to their ADFS servers. Trey's EA has been created within the same organization.</a:t>
             </a:r>
           </a:p>
           <a:p>
@@ -4007,7 +3830,7 @@
                 <a:ea typeface="+mn-ea"/>
                 <a:cs typeface="+mn-cs"/>
               </a:rPr>
-              <a:t>The IT Security team is particularly concerned about production environments. These require additional controls to ensure that resources cannot be accidentally modified or deleted by administrators getting confused between a test workload versus production.</a:t>
+              <a:t>Providing the ability to delegate permissions to different administrators at the business unit and subunit level is critical. However, for an organization the size of Trey Research, it is not possible for the Cloud Governance team to manage all user permissions centrally. Instead, for each new project, an administrator in the business unit should be able to manage access for his or her team. The business unit administrator must not be able to override or circumnavigate governance rules defined by the Cloud Governance team. Team members must be provide the access they need, to the resources they need, but no more. To maintain consistency and to enable Cloud Governance team audit, Azure access should be controlled using built-in roles only, not custom roles.</a:t>
             </a:r>
           </a:p>
           <a:p>
@@ -4032,8 +3855,11 @@
                 <a:ea typeface="+mn-ea"/>
                 <a:cs typeface="+mn-cs"/>
               </a:rPr>
-              <a:t>To maintain consistency, the Cloud Governance team is developing a set of naming conventions. These names will apply to subscriptions, resource groups and resources. Trey require the ability to enforce this naming convention consistently across their Azure subscriptions.</a:t>
-            </a:r>
+              <a:t>The Trey e-commerce team make significant use of contingent staff. At present, these staff are granted identities in the existing Trey directory, and are required to work on-site to gain access to Trey development and test environments. Trey would like to streamline this process and enable remote working. </a:t>
+            </a:r>
+          </a:p>
+          <a:p>
+            <a:endParaRPr lang="en-IE" dirty="0"/>
           </a:p>
         </p:txBody>
       </p:sp>
@@ -4063,7 +3889,7 @@
     </p:spTree>
     <p:extLst>
       <p:ext uri="{BB962C8B-B14F-4D97-AF65-F5344CB8AC3E}">
-        <p14:creationId xmlns:p14="http://schemas.microsoft.com/office/powerpoint/2010/main" val="3488448299"/>
+        <p14:creationId xmlns:p14="http://schemas.microsoft.com/office/powerpoint/2010/main" val="4068077815"/>
       </p:ext>
     </p:extLst>
   </p:cSld>
@@ -4208,7 +4034,7 @@
     </p:spTree>
     <p:extLst>
       <p:ext uri="{BB962C8B-B14F-4D97-AF65-F5344CB8AC3E}">
-        <p14:creationId xmlns:p14="http://schemas.microsoft.com/office/powerpoint/2010/main" val="1970909612"/>
+        <p14:creationId xmlns:p14="http://schemas.microsoft.com/office/powerpoint/2010/main" val="3488448299"/>
       </p:ext>
     </p:extLst>
   </p:cSld>
@@ -4272,7 +4098,7 @@
                 <a:ea typeface="+mn-ea"/>
                 <a:cs typeface="+mn-cs"/>
               </a:rPr>
-              <a:t>Trey Research has deployed Office 365 and it is configured with federated access to their ADFS servers. Trey's EA has been created within the same organization.</a:t>
+              <a:t>While the Cloud Governance team is not yet familiar with the full range of Azure services available. They want to limit Trey's Azure adoption to an initial set of core services and locations, which will be expanded over time. These should be centrally enforced, with the ability to grant exceptions where required (for example, for teams piloting new technologies, or one-off deployments of a shared resource such as an ExpressRoute circuit).</a:t>
             </a:r>
           </a:p>
           <a:p>
@@ -4297,7 +4123,7 @@
                 <a:ea typeface="+mn-ea"/>
                 <a:cs typeface="+mn-cs"/>
               </a:rPr>
-              <a:t>Providing the ability to delegate permissions to different administrators at the business unit and subunit level is critical. However, for an organization the size of Trey Research, it is not possible for the Cloud Governance team to manage all user permissions centrally. Instead, for each new project, an administrator in the business unit should be able to manage access for his or her team. The business unit administrator must not be able to override or circumnavigate governance rules defined by the Cloud Governance team. Team members must be provide the access they need, to the resources they need, but no more. To maintain consistency and to enable Cloud Governance team audit, Azure access should be controlled using built-in roles only, not custom roles.</a:t>
+              <a:t>The IT Security team is particularly concerned about production environments. These require additional controls to ensure that resources cannot be accidentally modified or deleted by administrators getting confused between a test workload versus production.</a:t>
             </a:r>
           </a:p>
           <a:p>
@@ -4322,11 +4148,8 @@
                 <a:ea typeface="+mn-ea"/>
                 <a:cs typeface="+mn-cs"/>
               </a:rPr>
-              <a:t>The Trey e-commerce team make significant use of contingent staff. At present, these staff are granted identities in the existing Trey directory, and are required to work on-site to gain access to Trey development and test environments. Trey would like to streamline this process and enable remote working. </a:t>
-            </a:r>
-          </a:p>
-          <a:p>
-            <a:endParaRPr lang="en-IE" dirty="0"/>
+              <a:t>To maintain consistency, the Cloud Governance team is developing a set of naming conventions. These names will apply to subscriptions, resource groups and resources. Trey require the ability to enforce this naming convention consistently across their Azure subscriptions.</a:t>
+            </a:r>
           </a:p>
         </p:txBody>
       </p:sp>
@@ -4356,7 +4179,7 @@
     </p:spTree>
     <p:extLst>
       <p:ext uri="{BB962C8B-B14F-4D97-AF65-F5344CB8AC3E}">
-        <p14:creationId xmlns:p14="http://schemas.microsoft.com/office/powerpoint/2010/main" val="890539479"/>
+        <p14:creationId xmlns:p14="http://schemas.microsoft.com/office/powerpoint/2010/main" val="1970909612"/>
       </p:ext>
     </p:extLst>
   </p:cSld>
@@ -4504,7 +4327,7 @@
     </p:spTree>
     <p:extLst>
       <p:ext uri="{BB962C8B-B14F-4D97-AF65-F5344CB8AC3E}">
-        <p14:creationId xmlns:p14="http://schemas.microsoft.com/office/powerpoint/2010/main" val="2494294814"/>
+        <p14:creationId xmlns:p14="http://schemas.microsoft.com/office/powerpoint/2010/main" val="890539479"/>
       </p:ext>
     </p:extLst>
   </p:cSld>
@@ -4568,7 +4391,7 @@
                 <a:ea typeface="+mn-ea"/>
                 <a:cs typeface="+mn-cs"/>
               </a:rPr>
-              <a:t>Increased agility is one of Trey's primary motivation for adopting the cloud. They are keen to take full advantage of deployment automation to enable agile processes that will enable them to update their services more frequently and easily.</a:t>
+              <a:t>Trey Research has deployed Office 365 and it is configured with federated access to their ADFS servers. Trey's EA has been created within the same organization.</a:t>
             </a:r>
           </a:p>
           <a:p>
@@ -4593,7 +4416,7 @@
                 <a:ea typeface="+mn-ea"/>
                 <a:cs typeface="+mn-cs"/>
               </a:rPr>
-              <a:t>However, they are also concerned about how to maintain consistency and control across environments. They are concerned that production and test environments may diverge over time. However, they can't use identical automation in both environments, since test environments are often scaled differently to production to save costs.</a:t>
+              <a:t>Providing the ability to delegate permissions to different administrators at the business unit and subunit level is critical. However, for an organization the size of Trey Research, it is not possible for the Cloud Governance team to manage all user permissions centrally. Instead, for each new project, an administrator in the business unit should be able to manage access for his or her team. The business unit administrator must not be able to override or circumnavigate governance rules defined by the Cloud Governance team. Team members must be provide the access they need, to the resources they need, but no more. To maintain consistency and to enable Cloud Governance team audit, Azure access should be controlled using built-in roles only, not custom roles.</a:t>
             </a:r>
           </a:p>
           <a:p>
@@ -4618,7 +4441,7 @@
                 <a:ea typeface="+mn-ea"/>
                 <a:cs typeface="+mn-cs"/>
               </a:rPr>
-              <a:t>The Cloud Governance team has developed best-practice reference implementations for commonly-deployed services, such as a DMZ network or a pair of web servers. They are looking for a way to automate these deployments. They recognize that these best practices will evolve over time, and so are also looking for a way to track existing deployments to ensure updates are rolled out consistently. In addition, where resources are deployed following Cloud Governance team best practices, individual business units should not be able to modify the configuration of those resources.</a:t>
+              <a:t>The Trey e-commerce team make significant use of contingent staff. At present, these staff are granted identities in the existing Trey directory, and are required to work on-site to gain access to Trey development and test environments. Trey would like to streamline this process and enable remote working. </a:t>
             </a:r>
           </a:p>
           <a:p>
@@ -4652,7 +4475,7 @@
     </p:spTree>
     <p:extLst>
       <p:ext uri="{BB962C8B-B14F-4D97-AF65-F5344CB8AC3E}">
-        <p14:creationId xmlns:p14="http://schemas.microsoft.com/office/powerpoint/2010/main" val="1446545291"/>
+        <p14:creationId xmlns:p14="http://schemas.microsoft.com/office/powerpoint/2010/main" val="2494294814"/>
       </p:ext>
     </p:extLst>
   </p:cSld>
@@ -4800,7 +4623,7 @@
     </p:spTree>
     <p:extLst>
       <p:ext uri="{BB962C8B-B14F-4D97-AF65-F5344CB8AC3E}">
-        <p14:creationId xmlns:p14="http://schemas.microsoft.com/office/powerpoint/2010/main" val="2861457159"/>
+        <p14:creationId xmlns:p14="http://schemas.microsoft.com/office/powerpoint/2010/main" val="1446545291"/>
       </p:ext>
     </p:extLst>
   </p:cSld>
@@ -4854,7 +4677,71 @@
           <a:bodyPr/>
           <a:lstStyle/>
           <a:p>
-            <a:endParaRPr lang="en-US" dirty="0"/>
+            <a:r>
+              <a:rPr lang="en-US" sz="1200" b="0" kern="1200" dirty="0">
+                <a:solidFill>
+                  <a:schemeClr val="tx1"/>
+                </a:solidFill>
+                <a:effectLst/>
+                <a:latin typeface="+mn-lt"/>
+                <a:ea typeface="+mn-ea"/>
+                <a:cs typeface="+mn-cs"/>
+              </a:rPr>
+              <a:t>Increased agility is one of Trey's primary motivation for adopting the cloud. They are keen to take full advantage of deployment automation to enable agile processes that will enable them to update their services more frequently and easily.</a:t>
+            </a:r>
+          </a:p>
+          <a:p>
+            <a:br>
+              <a:rPr lang="en-US" sz="1200" b="0" kern="1200" dirty="0">
+                <a:solidFill>
+                  <a:schemeClr val="tx1"/>
+                </a:solidFill>
+                <a:effectLst/>
+                <a:latin typeface="+mn-lt"/>
+                <a:ea typeface="+mn-ea"/>
+                <a:cs typeface="+mn-cs"/>
+              </a:rPr>
+            </a:br>
+            <a:r>
+              <a:rPr lang="en-US" sz="1200" b="0" kern="1200" dirty="0">
+                <a:solidFill>
+                  <a:schemeClr val="tx1"/>
+                </a:solidFill>
+                <a:effectLst/>
+                <a:latin typeface="+mn-lt"/>
+                <a:ea typeface="+mn-ea"/>
+                <a:cs typeface="+mn-cs"/>
+              </a:rPr>
+              <a:t>However, they are also concerned about how to maintain consistency and control across environments. They are concerned that production and test environments may diverge over time. However, they can't use identical automation in both environments, since test environments are often scaled differently to production to save costs.</a:t>
+            </a:r>
+          </a:p>
+          <a:p>
+            <a:br>
+              <a:rPr lang="en-US" sz="1200" b="0" kern="1200" dirty="0">
+                <a:solidFill>
+                  <a:schemeClr val="tx1"/>
+                </a:solidFill>
+                <a:effectLst/>
+                <a:latin typeface="+mn-lt"/>
+                <a:ea typeface="+mn-ea"/>
+                <a:cs typeface="+mn-cs"/>
+              </a:rPr>
+            </a:br>
+            <a:r>
+              <a:rPr lang="en-US" sz="1200" b="0" kern="1200" dirty="0">
+                <a:solidFill>
+                  <a:schemeClr val="tx1"/>
+                </a:solidFill>
+                <a:effectLst/>
+                <a:latin typeface="+mn-lt"/>
+                <a:ea typeface="+mn-ea"/>
+                <a:cs typeface="+mn-cs"/>
+              </a:rPr>
+              <a:t>The Cloud Governance team has developed best-practice reference implementations for commonly-deployed services, such as a DMZ network or a pair of web servers. They are looking for a way to automate these deployments. They recognize that these best practices will evolve over time, and so are also looking for a way to track existing deployments to ensure updates are rolled out consistently. In addition, where resources are deployed following Cloud Governance team best practices, individual business units should not be able to modify the configuration of those resources.</a:t>
+            </a:r>
+          </a:p>
+          <a:p>
+            <a:endParaRPr lang="en-IE" dirty="0"/>
           </a:p>
         </p:txBody>
       </p:sp>
@@ -4865,7 +4752,7 @@
             <a:spLocks noGrp="1"/>
           </p:cNvSpPr>
           <p:nvPr>
-            <p:ph type="sldNum" sz="quarter" idx="10"/>
+            <p:ph type="sldNum" sz="quarter" idx="5"/>
           </p:nvPr>
         </p:nvSpPr>
         <p:spPr/>
@@ -4884,7 +4771,7 @@
     </p:spTree>
     <p:extLst>
       <p:ext uri="{BB962C8B-B14F-4D97-AF65-F5344CB8AC3E}">
-        <p14:creationId xmlns:p14="http://schemas.microsoft.com/office/powerpoint/2010/main" val="1267405105"/>
+        <p14:creationId xmlns:p14="http://schemas.microsoft.com/office/powerpoint/2010/main" val="2861457159"/>
       </p:ext>
     </p:extLst>
   </p:cSld>
@@ -4960,6 +4847,90 @@
             <a:fld id="{0998D5BB-B127-481F-BC0A-2F77C576BB34}" type="slidenum">
               <a:rPr lang="en-US" smtClean="0"/>
               <a:t>28</a:t>
+            </a:fld>
+            <a:endParaRPr lang="en-US" dirty="0"/>
+          </a:p>
+        </p:txBody>
+      </p:sp>
+    </p:spTree>
+    <p:extLst>
+      <p:ext uri="{BB962C8B-B14F-4D97-AF65-F5344CB8AC3E}">
+        <p14:creationId xmlns:p14="http://schemas.microsoft.com/office/powerpoint/2010/main" val="1267405105"/>
+      </p:ext>
+    </p:extLst>
+  </p:cSld>
+  <p:clrMapOvr>
+    <a:masterClrMapping/>
+  </p:clrMapOvr>
+</p:notes>
+</file>
+
+<file path=ppt/notesSlides/notesSlide29.xml><?xml version="1.0" encoding="utf-8"?>
+<p:notes xmlns:a="http://schemas.openxmlformats.org/drawingml/2006/main" xmlns:r="http://schemas.openxmlformats.org/officeDocument/2006/relationships" xmlns:p="http://schemas.openxmlformats.org/presentationml/2006/main">
+  <p:cSld>
+    <p:spTree>
+      <p:nvGrpSpPr>
+        <p:cNvPr id="1" name=""/>
+        <p:cNvGrpSpPr/>
+        <p:nvPr/>
+      </p:nvGrpSpPr>
+      <p:grpSpPr>
+        <a:xfrm>
+          <a:off x="0" y="0"/>
+          <a:ext cx="0" cy="0"/>
+          <a:chOff x="0" y="0"/>
+          <a:chExt cx="0" cy="0"/>
+        </a:xfrm>
+      </p:grpSpPr>
+      <p:sp>
+        <p:nvSpPr>
+          <p:cNvPr id="2" name="Slide Image Placeholder 1"/>
+          <p:cNvSpPr>
+            <a:spLocks noGrp="1" noRot="1" noChangeAspect="1"/>
+          </p:cNvSpPr>
+          <p:nvPr>
+            <p:ph type="sldImg"/>
+          </p:nvPr>
+        </p:nvSpPr>
+        <p:spPr/>
+      </p:sp>
+      <p:sp>
+        <p:nvSpPr>
+          <p:cNvPr id="3" name="Notes Placeholder 2"/>
+          <p:cNvSpPr>
+            <a:spLocks noGrp="1"/>
+          </p:cNvSpPr>
+          <p:nvPr>
+            <p:ph type="body" idx="1"/>
+          </p:nvPr>
+        </p:nvSpPr>
+        <p:spPr/>
+        <p:txBody>
+          <a:bodyPr/>
+          <a:lstStyle/>
+          <a:p>
+            <a:endParaRPr lang="en-US" dirty="0"/>
+          </a:p>
+        </p:txBody>
+      </p:sp>
+      <p:sp>
+        <p:nvSpPr>
+          <p:cNvPr id="4" name="Slide Number Placeholder 3"/>
+          <p:cNvSpPr>
+            <a:spLocks noGrp="1"/>
+          </p:cNvSpPr>
+          <p:nvPr>
+            <p:ph type="sldNum" sz="quarter" idx="10"/>
+          </p:nvPr>
+        </p:nvSpPr>
+        <p:spPr/>
+        <p:txBody>
+          <a:bodyPr/>
+          <a:lstStyle/>
+          <a:p>
+            <a:fld id="{0998D5BB-B127-481F-BC0A-2F77C576BB34}" type="slidenum">
+              <a:rPr lang="en-US" smtClean="0"/>
+              <a:t>29</a:t>
             </a:fld>
             <a:endParaRPr lang="en-US" dirty="0"/>
           </a:p>
@@ -5023,23 +4994,17 @@
           <a:lstStyle/>
           <a:p>
             <a:r>
-              <a:rPr lang="en-US" dirty="0">
-                <a:hlinkClick r:id="rId3"/>
+              <a:rPr lang="en-US" sz="882" b="0" i="0" kern="1200" dirty="0">
+                <a:solidFill>
+                  <a:schemeClr val="tx1"/>
+                </a:solidFill>
+                <a:effectLst/>
+                <a:latin typeface="Segoe UI" panose="020B0502040204020203" pitchFamily="34" charset="0"/>
+                <a:ea typeface="+mn-ea"/>
+                <a:cs typeface="+mn-cs"/>
               </a:rPr>
-              <a:t>https://docs.microsoft.com/en-us/azure/architecture/reference-architectures/dmz/secure-vnet-dmz</a:t>
-            </a:r>
-            <a:endParaRPr lang="en-US" dirty="0"/>
-          </a:p>
-          <a:p>
-            <a:endParaRPr lang="en-US" dirty="0"/>
-          </a:p>
-          <a:p>
-            <a:endParaRPr lang="en-US" dirty="0"/>
-          </a:p>
-          <a:p>
-            <a:endParaRPr lang="en-US" dirty="0"/>
-          </a:p>
-          <a:p>
+              <a:t>This questionnaire is designed to help you identify gaps in your organization across six key domains as defined in the Microsoft Cloud Adoption Framework. It provides a personalized report that outlines the difference between your current state and business priorities, and tailored resources to help you get started.</a:t>
+            </a:r>
             <a:endParaRPr lang="en-US" dirty="0"/>
           </a:p>
         </p:txBody>
@@ -5217,7 +5182,7 @@
                 <a:tabLst/>
                 <a:defRPr/>
               </a:pPr>
-              <a:t>2/18/2020 9:17 AM</a:t>
+              <a:t>2/18/2020 7:26 PM</a:t>
             </a:fld>
             <a:endParaRPr kumimoji="0" lang="en-US" sz="1200" b="0" i="0" u="none" strike="noStrike" kern="1200" cap="none" spc="0" normalizeH="0" baseline="0" noProof="0">
               <a:ln>
@@ -5322,7 +5287,7 @@
     </p:spTree>
     <p:extLst>
       <p:ext uri="{BB962C8B-B14F-4D97-AF65-F5344CB8AC3E}">
-        <p14:creationId xmlns:p14="http://schemas.microsoft.com/office/powerpoint/2010/main" val="2089415169"/>
+        <p14:creationId xmlns:p14="http://schemas.microsoft.com/office/powerpoint/2010/main" val="179922505"/>
       </p:ext>
     </p:extLst>
   </p:cSld>
@@ -5377,17 +5342,23 @@
           <a:lstStyle/>
           <a:p>
             <a:r>
-              <a:rPr lang="en-US" sz="882" b="0" i="0" kern="1200" dirty="0">
-                <a:solidFill>
-                  <a:schemeClr val="tx1"/>
-                </a:solidFill>
-                <a:effectLst/>
-                <a:latin typeface="Segoe UI" panose="020B0502040204020203" pitchFamily="34" charset="0"/>
-                <a:ea typeface="+mn-ea"/>
-                <a:cs typeface="+mn-cs"/>
+              <a:rPr lang="en-US" dirty="0">
+                <a:hlinkClick r:id="rId3"/>
               </a:rPr>
-              <a:t>This questionnaire is designed to help you identify gaps in your organization across six key domains as defined in the Microsoft Cloud Adoption Framework. It provides a personalized report that outlines the difference between your current state and business priorities, and tailored resources to help you get started.</a:t>
-            </a:r>
+              <a:t>https://docs.microsoft.com/en-us/azure/architecture/reference-architectures/dmz/secure-vnet-dmz</a:t>
+            </a:r>
+            <a:endParaRPr lang="en-US" dirty="0"/>
+          </a:p>
+          <a:p>
+            <a:endParaRPr lang="en-US" dirty="0"/>
+          </a:p>
+          <a:p>
+            <a:endParaRPr lang="en-US" dirty="0"/>
+          </a:p>
+          <a:p>
+            <a:endParaRPr lang="en-US" dirty="0"/>
+          </a:p>
+          <a:p>
             <a:endParaRPr lang="en-US" dirty="0"/>
           </a:p>
         </p:txBody>
@@ -5565,7 +5536,7 @@
                 <a:tabLst/>
                 <a:defRPr/>
               </a:pPr>
-              <a:t>2/18/2020 9:15 AM</a:t>
+              <a:t>2/18/2020 7:26 PM</a:t>
             </a:fld>
             <a:endParaRPr kumimoji="0" lang="en-US" sz="1200" b="0" i="0" u="none" strike="noStrike" kern="1200" cap="none" spc="0" normalizeH="0" baseline="0" noProof="0">
               <a:ln>
@@ -5670,7 +5641,7 @@
     </p:spTree>
     <p:extLst>
       <p:ext uri="{BB962C8B-B14F-4D97-AF65-F5344CB8AC3E}">
-        <p14:creationId xmlns:p14="http://schemas.microsoft.com/office/powerpoint/2010/main" val="1347392529"/>
+        <p14:creationId xmlns:p14="http://schemas.microsoft.com/office/powerpoint/2010/main" val="2089415169"/>
       </p:ext>
     </p:extLst>
   </p:cSld>
@@ -5724,6 +5695,18 @@
           <a:bodyPr/>
           <a:lstStyle/>
           <a:p>
+            <a:r>
+              <a:rPr lang="en-US" sz="882" b="0" i="0" kern="1200" dirty="0">
+                <a:solidFill>
+                  <a:schemeClr val="tx1"/>
+                </a:solidFill>
+                <a:effectLst/>
+                <a:latin typeface="Segoe UI" panose="020B0502040204020203" pitchFamily="34" charset="0"/>
+                <a:ea typeface="+mn-ea"/>
+                <a:cs typeface="+mn-cs"/>
+              </a:rPr>
+              <a:t>This questionnaire is designed to help you identify gaps in your organization across six key domains as defined in the Microsoft Cloud Adoption Framework. It provides a personalized report that outlines the difference between your current state and business priorities, and tailored resources to help you get started.</a:t>
+            </a:r>
             <a:endParaRPr lang="en-US" dirty="0"/>
           </a:p>
         </p:txBody>
@@ -5901,7 +5884,7 @@
                 <a:tabLst/>
                 <a:defRPr/>
               </a:pPr>
-              <a:t>2/18/2020 9:15 AM</a:t>
+              <a:t>2/18/2020 7:26 PM</a:t>
             </a:fld>
             <a:endParaRPr kumimoji="0" lang="en-US" sz="1200" b="0" i="0" u="none" strike="noStrike" kern="1200" cap="none" spc="0" normalizeH="0" baseline="0" noProof="0">
               <a:ln>
@@ -6006,7 +5989,7 @@
     </p:spTree>
     <p:extLst>
       <p:ext uri="{BB962C8B-B14F-4D97-AF65-F5344CB8AC3E}">
-        <p14:creationId xmlns:p14="http://schemas.microsoft.com/office/powerpoint/2010/main" val="1064269340"/>
+        <p14:creationId xmlns:p14="http://schemas.microsoft.com/office/powerpoint/2010/main" val="1347392529"/>
       </p:ext>
     </p:extLst>
   </p:cSld>
@@ -6060,42 +6043,6 @@
           <a:bodyPr/>
           <a:lstStyle/>
           <a:p>
-            <a:r>
-              <a:rPr lang="en-US" sz="882" b="0" i="0" u="none" strike="noStrike" kern="1200" dirty="0">
-                <a:solidFill>
-                  <a:schemeClr val="tx1"/>
-                </a:solidFill>
-                <a:effectLst/>
-                <a:latin typeface="Segoe UI" panose="020B0502040204020203" pitchFamily="34" charset="0"/>
-                <a:ea typeface="+mn-ea"/>
-                <a:cs typeface="+mn-cs"/>
-              </a:rPr>
-              <a:t>Examine your workload through the lenses of resiliency, cost, </a:t>
-            </a:r>
-            <a:r>
-              <a:rPr lang="en-US" sz="882" b="0" i="0" u="none" strike="noStrike" kern="1200" dirty="0" err="1">
-                <a:solidFill>
-                  <a:schemeClr val="tx1"/>
-                </a:solidFill>
-                <a:effectLst/>
-                <a:latin typeface="Segoe UI" panose="020B0502040204020203" pitchFamily="34" charset="0"/>
-                <a:ea typeface="+mn-ea"/>
-                <a:cs typeface="+mn-cs"/>
-              </a:rPr>
-              <a:t>devops</a:t>
-            </a:r>
-            <a:r>
-              <a:rPr lang="en-US" sz="882" b="0" i="0" u="none" strike="noStrike" kern="1200" dirty="0">
-                <a:solidFill>
-                  <a:schemeClr val="tx1"/>
-                </a:solidFill>
-                <a:effectLst/>
-                <a:latin typeface="Segoe UI" panose="020B0502040204020203" pitchFamily="34" charset="0"/>
-                <a:ea typeface="+mn-ea"/>
-                <a:cs typeface="+mn-cs"/>
-              </a:rPr>
-              <a:t> practices, security and scalability</a:t>
-            </a:r>
             <a:endParaRPr lang="en-US" dirty="0"/>
           </a:p>
         </p:txBody>
@@ -6273,7 +6220,7 @@
                 <a:tabLst/>
                 <a:defRPr/>
               </a:pPr>
-              <a:t>2/18/2020 9:15 AM</a:t>
+              <a:t>2/18/2020 7:26 PM</a:t>
             </a:fld>
             <a:endParaRPr kumimoji="0" lang="en-US" sz="1200" b="0" i="0" u="none" strike="noStrike" kern="1200" cap="none" spc="0" normalizeH="0" baseline="0" noProof="0">
               <a:ln>
@@ -6378,7 +6325,7 @@
     </p:spTree>
     <p:extLst>
       <p:ext uri="{BB962C8B-B14F-4D97-AF65-F5344CB8AC3E}">
-        <p14:creationId xmlns:p14="http://schemas.microsoft.com/office/powerpoint/2010/main" val="2106185367"/>
+        <p14:creationId xmlns:p14="http://schemas.microsoft.com/office/powerpoint/2010/main" val="1064269340"/>
       </p:ext>
     </p:extLst>
   </p:cSld>
@@ -6432,6 +6379,42 @@
           <a:bodyPr/>
           <a:lstStyle/>
           <a:p>
+            <a:r>
+              <a:rPr lang="en-US" sz="882" b="0" i="0" u="none" strike="noStrike" kern="1200" dirty="0">
+                <a:solidFill>
+                  <a:schemeClr val="tx1"/>
+                </a:solidFill>
+                <a:effectLst/>
+                <a:latin typeface="Segoe UI" panose="020B0502040204020203" pitchFamily="34" charset="0"/>
+                <a:ea typeface="+mn-ea"/>
+                <a:cs typeface="+mn-cs"/>
+              </a:rPr>
+              <a:t>Examine your workload through the lenses of resiliency, cost, </a:t>
+            </a:r>
+            <a:r>
+              <a:rPr lang="en-US" sz="882" b="0" i="0" u="none" strike="noStrike" kern="1200" dirty="0" err="1">
+                <a:solidFill>
+                  <a:schemeClr val="tx1"/>
+                </a:solidFill>
+                <a:effectLst/>
+                <a:latin typeface="Segoe UI" panose="020B0502040204020203" pitchFamily="34" charset="0"/>
+                <a:ea typeface="+mn-ea"/>
+                <a:cs typeface="+mn-cs"/>
+              </a:rPr>
+              <a:t>devops</a:t>
+            </a:r>
+            <a:r>
+              <a:rPr lang="en-US" sz="882" b="0" i="0" u="none" strike="noStrike" kern="1200" dirty="0">
+                <a:solidFill>
+                  <a:schemeClr val="tx1"/>
+                </a:solidFill>
+                <a:effectLst/>
+                <a:latin typeface="Segoe UI" panose="020B0502040204020203" pitchFamily="34" charset="0"/>
+                <a:ea typeface="+mn-ea"/>
+                <a:cs typeface="+mn-cs"/>
+              </a:rPr>
+              <a:t> practices, security and scalability</a:t>
+            </a:r>
             <a:endParaRPr lang="en-US" dirty="0"/>
           </a:p>
         </p:txBody>
@@ -6609,7 +6592,7 @@
                 <a:tabLst/>
                 <a:defRPr/>
               </a:pPr>
-              <a:t>2/18/2020 9:15 AM</a:t>
+              <a:t>2/18/2020 7:26 PM</a:t>
             </a:fld>
             <a:endParaRPr kumimoji="0" lang="en-US" sz="1200" b="0" i="0" u="none" strike="noStrike" kern="1200" cap="none" spc="0" normalizeH="0" baseline="0" noProof="0">
               <a:ln>
@@ -6714,7 +6697,7 @@
     </p:spTree>
     <p:extLst>
       <p:ext uri="{BB962C8B-B14F-4D97-AF65-F5344CB8AC3E}">
-        <p14:creationId xmlns:p14="http://schemas.microsoft.com/office/powerpoint/2010/main" val="2574963126"/>
+        <p14:creationId xmlns:p14="http://schemas.microsoft.com/office/powerpoint/2010/main" val="2106185367"/>
       </p:ext>
     </p:extLst>
   </p:cSld>
@@ -6768,18 +6751,6 @@
           <a:bodyPr/>
           <a:lstStyle/>
           <a:p>
-            <a:r>
-              <a:rPr lang="en-US" sz="882" b="0" i="0" kern="1200" dirty="0">
-                <a:solidFill>
-                  <a:schemeClr val="tx1"/>
-                </a:solidFill>
-                <a:effectLst/>
-                <a:latin typeface="Segoe UI" panose="020B0502040204020203" pitchFamily="34" charset="0"/>
-                <a:ea typeface="+mn-ea"/>
-                <a:cs typeface="+mn-cs"/>
-              </a:rPr>
-              <a:t>This questionnaire is designed to help you identify gaps in your organization across six key domains as defined in the Microsoft Cloud Adoption Framework. It provides a personalized report that outlines the difference between your current state and business priorities, and tailored resources to help you get started.</a:t>
-            </a:r>
             <a:endParaRPr lang="en-US" dirty="0"/>
           </a:p>
         </p:txBody>
@@ -6957,7 +6928,7 @@
                 <a:tabLst/>
                 <a:defRPr/>
               </a:pPr>
-              <a:t>2/18/2020 9:15 AM</a:t>
+              <a:t>2/18/2020 7:26 PM</a:t>
             </a:fld>
             <a:endParaRPr kumimoji="0" lang="en-US" sz="1200" b="0" i="0" u="none" strike="noStrike" kern="1200" cap="none" spc="0" normalizeH="0" baseline="0" noProof="0">
               <a:ln>
@@ -7062,7 +7033,7 @@
     </p:spTree>
     <p:extLst>
       <p:ext uri="{BB962C8B-B14F-4D97-AF65-F5344CB8AC3E}">
-        <p14:creationId xmlns:p14="http://schemas.microsoft.com/office/powerpoint/2010/main" val="2303022196"/>
+        <p14:creationId xmlns:p14="http://schemas.microsoft.com/office/powerpoint/2010/main" val="2574963126"/>
       </p:ext>
     </p:extLst>
   </p:cSld>
@@ -7117,106 +7088,29 @@
           <a:lstStyle/>
           <a:p>
             <a:r>
-              <a:rPr lang="en-US" sz="1200" b="0" kern="1200" dirty="0">
+              <a:rPr lang="en-US" sz="882" b="0" i="0" kern="1200" dirty="0">
                 <a:solidFill>
                   <a:schemeClr val="tx1"/>
                 </a:solidFill>
                 <a:effectLst/>
-                <a:latin typeface="+mn-lt"/>
+                <a:latin typeface="Segoe UI" panose="020B0502040204020203" pitchFamily="34" charset="0"/>
                 <a:ea typeface="+mn-ea"/>
                 <a:cs typeface="+mn-cs"/>
               </a:rPr>
-              <a:t>Trey Research is a manufacturing company that builds consumer products with 29.6 billion USD in annual revenue. Trey's headquarters are in New Jersey, but they have data centers and branch offices scattered across the United States with several major offices in the United Kingdom, France, and Japan.</a:t>
-            </a:r>
-          </a:p>
-          <a:p>
-            <a:br>
-              <a:rPr lang="en-US" sz="1200" b="0" kern="1200" dirty="0">
-                <a:solidFill>
-                  <a:schemeClr val="tx1"/>
-                </a:solidFill>
-                <a:effectLst/>
-                <a:latin typeface="+mn-lt"/>
-                <a:ea typeface="+mn-ea"/>
-                <a:cs typeface="+mn-cs"/>
-              </a:rPr>
-            </a:br>
-            <a:r>
-              <a:rPr lang="en-US" sz="1200" b="0" kern="1200" dirty="0">
-                <a:solidFill>
-                  <a:schemeClr val="tx1"/>
-                </a:solidFill>
-                <a:effectLst/>
-                <a:latin typeface="+mn-lt"/>
-                <a:ea typeface="+mn-ea"/>
-                <a:cs typeface="+mn-cs"/>
-              </a:rPr>
-              <a:t>Even as large as it is, Trey seeks to maximize the cost-effectiveness and flexibility of its IT, especially in new projects and business units. With a dizzying number of existing business units, each with its own unique requirements from IT and ballooning costs from internal hardware and data center investment, Trey is looking to the cloud.</a:t>
-            </a:r>
-          </a:p>
-          <a:p>
-            <a:br>
-              <a:rPr lang="en-US" sz="1200" b="0" kern="1200" dirty="0">
-                <a:solidFill>
-                  <a:schemeClr val="tx1"/>
-                </a:solidFill>
-                <a:effectLst/>
-                <a:latin typeface="+mn-lt"/>
-                <a:ea typeface="+mn-ea"/>
-                <a:cs typeface="+mn-cs"/>
-              </a:rPr>
-            </a:br>
-            <a:r>
-              <a:rPr lang="en-US" sz="1200" b="0" kern="1200" dirty="0">
-                <a:solidFill>
-                  <a:schemeClr val="tx1"/>
-                </a:solidFill>
-                <a:effectLst/>
-                <a:latin typeface="+mn-lt"/>
-                <a:ea typeface="+mn-ea"/>
-                <a:cs typeface="+mn-cs"/>
-              </a:rPr>
-              <a:t>Trey is interested in a large-scale solution that will help mitigate creeping costs and start the transition to a modern cloud-based enterprise architecture.</a:t>
-            </a:r>
-          </a:p>
-          <a:p>
-            <a:br>
-              <a:rPr lang="en-US" sz="1200" b="0" kern="1200" dirty="0">
-                <a:solidFill>
-                  <a:schemeClr val="tx1"/>
-                </a:solidFill>
-                <a:effectLst/>
-                <a:latin typeface="+mn-lt"/>
-                <a:ea typeface="+mn-ea"/>
-                <a:cs typeface="+mn-cs"/>
-              </a:rPr>
-            </a:br>
-            <a:r>
-              <a:rPr lang="en-US" sz="1200" b="0" kern="1200" dirty="0">
-                <a:solidFill>
-                  <a:schemeClr val="tx1"/>
-                </a:solidFill>
-                <a:effectLst/>
-                <a:latin typeface="+mn-lt"/>
-                <a:ea typeface="+mn-ea"/>
-                <a:cs typeface="+mn-cs"/>
-              </a:rPr>
-              <a:t>Trey's technical leadership has decided to move forward with a Microsoft enterprise agreement (EA) with a heavy commitment in Microsoft Azure.</a:t>
-            </a:r>
-          </a:p>
-          <a:p>
+              <a:t>This questionnaire is designed to help you identify gaps in your organization across six key domains as defined in the Microsoft Cloud Adoption Framework. It provides a personalized report that outlines the difference between your current state and business priorities, and tailored resources to help you get started.</a:t>
+            </a:r>
             <a:endParaRPr lang="en-US" dirty="0"/>
           </a:p>
         </p:txBody>
       </p:sp>
       <p:sp>
         <p:nvSpPr>
-          <p:cNvPr id="4" name="Slide Number Placeholder 3"/>
+          <p:cNvPr id="4" name="Header Placeholder 3"/>
           <p:cNvSpPr>
             <a:spLocks noGrp="1"/>
           </p:cNvSpPr>
           <p:nvPr>
-            <p:ph type="sldNum" sz="quarter" idx="10"/>
+            <p:ph type="hdr" sz="quarter"/>
           </p:nvPr>
         </p:nvSpPr>
         <p:spPr/>
@@ -7224,18 +7118,270 @@
           <a:bodyPr/>
           <a:lstStyle/>
           <a:p>
-            <a:fld id="{0998D5BB-B127-481F-BC0A-2F77C576BB34}" type="slidenum">
-              <a:rPr lang="en-US" smtClean="0"/>
+            <a:pPr marL="0" marR="0" lvl="0" indent="0" algn="l" defTabSz="914367" rtl="0" eaLnBrk="1" fontAlgn="auto" latinLnBrk="0" hangingPunct="1">
+              <a:lnSpc>
+                <a:spcPct val="100000"/>
+              </a:lnSpc>
+              <a:spcBef>
+                <a:spcPts val="0"/>
+              </a:spcBef>
+              <a:spcAft>
+                <a:spcPts val="0"/>
+              </a:spcAft>
+              <a:buClrTx/>
+              <a:buSzTx/>
+              <a:buFontTx/>
+              <a:buNone/>
+              <a:tabLst/>
+              <a:defRPr/>
+            </a:pPr>
+            <a:endParaRPr kumimoji="0" lang="en-US" sz="1200" b="0" i="0" u="none" strike="noStrike" kern="1200" cap="none" spc="0" normalizeH="0" baseline="0" noProof="0">
+              <a:ln>
+                <a:noFill/>
+              </a:ln>
+              <a:solidFill>
+                <a:prstClr val="black"/>
+              </a:solidFill>
+              <a:effectLst/>
+              <a:uLnTx/>
+              <a:uFillTx/>
+              <a:latin typeface="Segoe UI" pitchFamily="34" charset="0"/>
+              <a:ea typeface="+mn-ea"/>
+              <a:cs typeface="+mn-cs"/>
+            </a:endParaRPr>
+          </a:p>
+        </p:txBody>
+      </p:sp>
+      <p:sp>
+        <p:nvSpPr>
+          <p:cNvPr id="5" name="Footer Placeholder 4"/>
+          <p:cNvSpPr>
+            <a:spLocks noGrp="1"/>
+          </p:cNvSpPr>
+          <p:nvPr>
+            <p:ph type="ftr" sz="quarter" idx="4"/>
+          </p:nvPr>
+        </p:nvSpPr>
+        <p:spPr/>
+        <p:txBody>
+          <a:bodyPr/>
+          <a:lstStyle/>
+          <a:p>
+            <a:pPr marL="571500" marR="0" lvl="0" indent="0" algn="l" defTabSz="914099" rtl="0" eaLnBrk="0" fontAlgn="auto" latinLnBrk="0" hangingPunct="0">
+              <a:lnSpc>
+                <a:spcPct val="100000"/>
+              </a:lnSpc>
+              <a:spcBef>
+                <a:spcPts val="0"/>
+              </a:spcBef>
+              <a:spcAft>
+                <a:spcPts val="0"/>
+              </a:spcAft>
+              <a:buClrTx/>
+              <a:buSzTx/>
+              <a:buFontTx/>
+              <a:buNone/>
+              <a:tabLst/>
+              <a:defRPr/>
+            </a:pPr>
+            <a:r>
+              <a:rPr kumimoji="0" lang="en-US" sz="400" b="0" i="0" u="none" strike="noStrike" kern="1200" cap="none" spc="0" normalizeH="0" baseline="0" noProof="0">
+                <a:ln>
+                  <a:noFill/>
+                </a:ln>
+                <a:gradFill>
+                  <a:gsLst>
+                    <a:gs pos="0">
+                      <a:prstClr val="black"/>
+                    </a:gs>
+                    <a:gs pos="100000">
+                      <a:prstClr val="black"/>
+                    </a:gs>
+                  </a:gsLst>
+                  <a:lin ang="5400000" scaled="0"/>
+                </a:gradFill>
+                <a:effectLst/>
+                <a:uLnTx/>
+                <a:uFillTx/>
+                <a:latin typeface="Segoe UI" pitchFamily="34" charset="0"/>
+                <a:ea typeface="Segoe UI" pitchFamily="34" charset="0"/>
+                <a:cs typeface="Segoe UI" pitchFamily="34" charset="0"/>
+              </a:rPr>
+              <a:t>© Microsoft Corporation. All rights reserved. MICROSOFT MAKES NO WARRANTIES, EXPRESS, IMPLIED OR STATUTORY, AS TO THE INFORMATION IN THIS PRESENTATION.</a:t>
+            </a:r>
+          </a:p>
+        </p:txBody>
+      </p:sp>
+      <p:sp>
+        <p:nvSpPr>
+          <p:cNvPr id="6" name="Date Placeholder 5"/>
+          <p:cNvSpPr>
+            <a:spLocks noGrp="1"/>
+          </p:cNvSpPr>
+          <p:nvPr>
+            <p:ph type="dt" idx="1"/>
+          </p:nvPr>
+        </p:nvSpPr>
+        <p:spPr/>
+        <p:txBody>
+          <a:bodyPr/>
+          <a:lstStyle/>
+          <a:p>
+            <a:pPr marL="0" marR="0" lvl="0" indent="0" algn="r" defTabSz="914367" rtl="0" eaLnBrk="1" fontAlgn="auto" latinLnBrk="0" hangingPunct="1">
+              <a:lnSpc>
+                <a:spcPct val="100000"/>
+              </a:lnSpc>
+              <a:spcBef>
+                <a:spcPts val="0"/>
+              </a:spcBef>
+              <a:spcAft>
+                <a:spcPts val="0"/>
+              </a:spcAft>
+              <a:buClrTx/>
+              <a:buSzTx/>
+              <a:buFontTx/>
+              <a:buNone/>
+              <a:tabLst/>
+              <a:defRPr/>
+            </a:pPr>
+            <a:fld id="{386CE63F-9E7F-4C04-9D0D-FCA25A8E9E86}" type="datetime8">
+              <a:rPr kumimoji="0" lang="en-US" sz="1200" b="0" i="0" u="none" strike="noStrike" kern="1200" cap="none" spc="0" normalizeH="0" baseline="0" noProof="0" smtClean="0">
+                <a:ln>
+                  <a:noFill/>
+                </a:ln>
+                <a:solidFill>
+                  <a:prstClr val="black"/>
+                </a:solidFill>
+                <a:effectLst/>
+                <a:uLnTx/>
+                <a:uFillTx/>
+                <a:latin typeface="Segoe UI" pitchFamily="34" charset="0"/>
+                <a:ea typeface="+mn-ea"/>
+                <a:cs typeface="+mn-cs"/>
+              </a:rPr>
+              <a:pPr marL="0" marR="0" lvl="0" indent="0" algn="r" defTabSz="914367" rtl="0" eaLnBrk="1" fontAlgn="auto" latinLnBrk="0" hangingPunct="1">
+                <a:lnSpc>
+                  <a:spcPct val="100000"/>
+                </a:lnSpc>
+                <a:spcBef>
+                  <a:spcPts val="0"/>
+                </a:spcBef>
+                <a:spcAft>
+                  <a:spcPts val="0"/>
+                </a:spcAft>
+                <a:buClrTx/>
+                <a:buSzTx/>
+                <a:buFontTx/>
+                <a:buNone/>
+                <a:tabLst/>
+                <a:defRPr/>
+              </a:pPr>
+              <a:t>2/18/2020 7:26 PM</a:t>
+            </a:fld>
+            <a:endParaRPr kumimoji="0" lang="en-US" sz="1200" b="0" i="0" u="none" strike="noStrike" kern="1200" cap="none" spc="0" normalizeH="0" baseline="0" noProof="0">
+              <a:ln>
+                <a:noFill/>
+              </a:ln>
+              <a:solidFill>
+                <a:prstClr val="black"/>
+              </a:solidFill>
+              <a:effectLst/>
+              <a:uLnTx/>
+              <a:uFillTx/>
+              <a:latin typeface="Segoe UI" pitchFamily="34" charset="0"/>
+              <a:ea typeface="+mn-ea"/>
+              <a:cs typeface="+mn-cs"/>
+            </a:endParaRPr>
+          </a:p>
+        </p:txBody>
+      </p:sp>
+      <p:sp>
+        <p:nvSpPr>
+          <p:cNvPr id="7" name="Slide Number Placeholder 6"/>
+          <p:cNvSpPr>
+            <a:spLocks noGrp="1"/>
+          </p:cNvSpPr>
+          <p:nvPr>
+            <p:ph type="sldNum" sz="quarter" idx="5"/>
+          </p:nvPr>
+        </p:nvSpPr>
+        <p:spPr/>
+        <p:txBody>
+          <a:bodyPr/>
+          <a:lstStyle/>
+          <a:p>
+            <a:pPr marL="0" marR="0" lvl="0" indent="0" algn="r" defTabSz="914367" rtl="0" eaLnBrk="1" fontAlgn="auto" latinLnBrk="0" hangingPunct="1">
+              <a:lnSpc>
+                <a:spcPct val="100000"/>
+              </a:lnSpc>
+              <a:spcBef>
+                <a:spcPts val="0"/>
+              </a:spcBef>
+              <a:spcAft>
+                <a:spcPts val="0"/>
+              </a:spcAft>
+              <a:buClrTx/>
+              <a:buSzTx/>
+              <a:buFontTx/>
+              <a:buNone/>
+              <a:tabLst/>
+              <a:defRPr/>
+            </a:pPr>
+            <a:fld id="{B4008EB6-D09E-4580-8CD6-DDB14511944F}" type="slidenum">
+              <a:rPr kumimoji="0" lang="en-US" sz="1200" b="0" i="0" u="none" strike="noStrike" kern="1200" cap="none" spc="0" normalizeH="0" baseline="0" noProof="0" smtClean="0">
+                <a:ln>
+                  <a:noFill/>
+                </a:ln>
+                <a:solidFill>
+                  <a:prstClr val="black"/>
+                </a:solidFill>
+                <a:effectLst/>
+                <a:uLnTx/>
+                <a:uFillTx/>
+                <a:latin typeface="Segoe UI" pitchFamily="34" charset="0"/>
+                <a:ea typeface="+mn-ea"/>
+                <a:cs typeface="+mn-cs"/>
+              </a:rPr>
+              <a:pPr marL="0" marR="0" lvl="0" indent="0" algn="r" defTabSz="914367" rtl="0" eaLnBrk="1" fontAlgn="auto" latinLnBrk="0" hangingPunct="1">
+                <a:lnSpc>
+                  <a:spcPct val="100000"/>
+                </a:lnSpc>
+                <a:spcBef>
+                  <a:spcPts val="0"/>
+                </a:spcBef>
+                <a:spcAft>
+                  <a:spcPts val="0"/>
+                </a:spcAft>
+                <a:buClrTx/>
+                <a:buSzTx/>
+                <a:buFontTx/>
+                <a:buNone/>
+                <a:tabLst/>
+                <a:defRPr/>
+              </a:pPr>
               <a:t>9</a:t>
             </a:fld>
-            <a:endParaRPr lang="en-US" dirty="0"/>
+            <a:endParaRPr kumimoji="0" lang="en-US" sz="1200" b="0" i="0" u="none" strike="noStrike" kern="1200" cap="none" spc="0" normalizeH="0" baseline="0" noProof="0">
+              <a:ln>
+                <a:noFill/>
+              </a:ln>
+              <a:solidFill>
+                <a:prstClr val="black"/>
+              </a:solidFill>
+              <a:effectLst/>
+              <a:uLnTx/>
+              <a:uFillTx/>
+              <a:latin typeface="Segoe UI" pitchFamily="34" charset="0"/>
+              <a:ea typeface="+mn-ea"/>
+              <a:cs typeface="+mn-cs"/>
+            </a:endParaRPr>
           </a:p>
         </p:txBody>
       </p:sp>
     </p:spTree>
     <p:extLst>
       <p:ext uri="{BB962C8B-B14F-4D97-AF65-F5344CB8AC3E}">
-        <p14:creationId xmlns:p14="http://schemas.microsoft.com/office/powerpoint/2010/main" val="767710843"/>
+        <p14:creationId xmlns:p14="http://schemas.microsoft.com/office/powerpoint/2010/main" val="2303022196"/>
       </p:ext>
     </p:extLst>
   </p:cSld>
@@ -26280,6 +26426,41 @@
       </p:grpSpPr>
       <p:sp>
         <p:nvSpPr>
+          <p:cNvPr id="2" name="Title 1"/>
+          <p:cNvSpPr>
+            <a:spLocks noGrp="1"/>
+          </p:cNvSpPr>
+          <p:nvPr>
+            <p:ph type="title" idx="4294967295"/>
+          </p:nvPr>
+        </p:nvSpPr>
+        <p:spPr>
+          <a:xfrm>
+            <a:off x="317500" y="307974"/>
+            <a:ext cx="11017250" cy="1169551"/>
+          </a:xfrm>
+        </p:spPr>
+        <p:txBody>
+          <a:bodyPr/>
+          <a:lstStyle/>
+          <a:p>
+            <a:r>
+              <a:rPr lang="en-US" dirty="0"/>
+              <a:t>Customer</a:t>
+            </a:r>
+            <a:r>
+              <a:rPr lang="en-US" sz="4000" dirty="0"/>
+              <a:t> situation</a:t>
+            </a:r>
+            <a:br>
+              <a:rPr lang="en-US" dirty="0"/>
+            </a:br>
+            <a:endParaRPr lang="en-US" dirty="0"/>
+          </a:p>
+        </p:txBody>
+      </p:sp>
+      <p:sp>
+        <p:nvSpPr>
           <p:cNvPr id="3" name="Content Placeholder 2"/>
           <p:cNvSpPr>
             <a:spLocks noGrp="1"/>
@@ -26290,8 +26471,8 @@
         </p:nvSpPr>
         <p:spPr>
           <a:xfrm>
-            <a:off x="331076" y="1220569"/>
-            <a:ext cx="11652250" cy="5497512"/>
+            <a:off x="317500" y="1204803"/>
+            <a:ext cx="11652250" cy="4789003"/>
           </a:xfrm>
         </p:spPr>
         <p:txBody>
@@ -26302,102 +26483,95 @@
               <a:buNone/>
             </a:pPr>
             <a:r>
-              <a:rPr lang="en-US" sz="2800" dirty="0">
+              <a:rPr lang="en-US" dirty="0">
                 <a:latin typeface="Segoe UI Semibold" panose="020B0702040204020203" pitchFamily="34" charset="0"/>
                 <a:cs typeface="Segoe UI Semibold" panose="020B0702040204020203" pitchFamily="34" charset="0"/>
               </a:rPr>
-              <a:t>Ken Greenwald, Trey Research’s CTO </a:t>
-            </a:r>
-          </a:p>
-          <a:p>
-            <a:r>
-              <a:rPr lang="en-US" sz="2800" dirty="0"/>
-              <a:t>Understands the value of the cloud</a:t>
-            </a:r>
-          </a:p>
-          <a:p>
-            <a:r>
-              <a:rPr lang="en-US" sz="2800" dirty="0"/>
-              <a:t>Focus on best practices and controls</a:t>
-            </a:r>
-          </a:p>
-          <a:p>
-            <a:r>
-              <a:rPr lang="en-US" sz="2800" dirty="0"/>
-              <a:t>Wants to avoid mistakes that lead to trouble later on</a:t>
-            </a:r>
-          </a:p>
-          <a:p>
-            <a:pPr marL="0" indent="0">
-              <a:buNone/>
-            </a:pPr>
-            <a:endParaRPr lang="en-US" sz="2800" dirty="0"/>
-          </a:p>
-          <a:p>
-            <a:pPr marL="0" indent="0">
-              <a:buNone/>
-            </a:pPr>
-            <a:r>
-              <a:rPr lang="en-US" sz="2800" dirty="0">
-                <a:latin typeface="Segoe UI Semibold" panose="020B0702040204020203" pitchFamily="34" charset="0"/>
-                <a:cs typeface="Segoe UI Semibold" panose="020B0702040204020203" pitchFamily="34" charset="0"/>
+              <a:t>Trey Research</a:t>
+            </a:r>
+            <a:endParaRPr lang="en-US" dirty="0"/>
+          </a:p>
+          <a:p>
+            <a:pPr lvl="0"/>
+            <a:r>
+              <a:rPr lang="en-US" sz="2400" dirty="0">
+                <a:latin typeface="+mn-lt"/>
               </a:rPr>
-              <a:t>Laura Knight, Head of Cloud Governance team</a:t>
-            </a:r>
-          </a:p>
-          <a:p>
-            <a:r>
-              <a:rPr lang="en-US" sz="2800" dirty="0"/>
-              <a:t>Reports to Ken</a:t>
-            </a:r>
-          </a:p>
-          <a:p>
-            <a:r>
-              <a:rPr lang="en-US" sz="2800" dirty="0"/>
-              <a:t>Responsible for defining, implementing and enforcing Azure governance</a:t>
-            </a:r>
-          </a:p>
-          <a:p>
-            <a:r>
-              <a:rPr lang="en-US" sz="2800" dirty="0"/>
-              <a:t>Works with other teams to ensure best practices are adopted</a:t>
-            </a:r>
-          </a:p>
-          <a:p>
-            <a:r>
-              <a:rPr lang="en-US" sz="2800" dirty="0"/>
-              <a:t>Wants to adopt Microsoft's Cloud Adoption Framework as a baseline for Azure governance</a:t>
+              <a:t>Consumer products manufacturing (</a:t>
+            </a:r>
+            <a:r>
+              <a:rPr lang="en-US" sz="2400" dirty="0"/>
+              <a:t>Manufacturing and Resources) </a:t>
+            </a:r>
+            <a:r>
+              <a:rPr lang="en-US" sz="2400" dirty="0">
+                <a:latin typeface="+mn-lt"/>
+              </a:rPr>
+              <a:t>company </a:t>
+            </a:r>
+          </a:p>
+          <a:p>
+            <a:pPr lvl="0"/>
+            <a:r>
+              <a:rPr lang="en-US" sz="2400" dirty="0">
+                <a:latin typeface="+mn-lt"/>
+              </a:rPr>
+              <a:t>Annual revenues of USD $29.6 billion </a:t>
+            </a:r>
+          </a:p>
+          <a:p>
+            <a:pPr lvl="0"/>
+            <a:r>
+              <a:rPr lang="en-US" sz="2400" dirty="0"/>
+              <a:t>10,000 - 14,999 Employees</a:t>
+            </a:r>
+          </a:p>
+          <a:p>
+            <a:pPr lvl="0"/>
+            <a:r>
+              <a:rPr lang="en-US" sz="2400" dirty="0">
+                <a:latin typeface="+mn-lt"/>
+              </a:rPr>
+              <a:t>Global company</a:t>
             </a:r>
           </a:p>
           <a:p>
             <a:pPr lvl="1"/>
-            <a:endParaRPr lang="en-US" sz="1600" dirty="0"/>
-          </a:p>
-        </p:txBody>
-      </p:sp>
-      <p:sp>
-        <p:nvSpPr>
-          <p:cNvPr id="2" name="Title 1"/>
-          <p:cNvSpPr>
-            <a:spLocks noGrp="1"/>
-          </p:cNvSpPr>
-          <p:nvPr>
-            <p:ph type="title" idx="4294967295"/>
-          </p:nvPr>
-        </p:nvSpPr>
-        <p:spPr>
-          <a:xfrm>
-            <a:off x="331076" y="362607"/>
-            <a:ext cx="11017250" cy="554038"/>
-          </a:xfrm>
-        </p:spPr>
-        <p:txBody>
-          <a:bodyPr/>
-          <a:lstStyle/>
-          <a:p>
-            <a:r>
-              <a:rPr lang="en-US" dirty="0"/>
-              <a:t>Customer situation - Leadership</a:t>
+            <a:r>
+              <a:rPr lang="en-US" sz="2400" dirty="0"/>
+              <a:t>Headquarters in New Jersey</a:t>
+            </a:r>
+          </a:p>
+          <a:p>
+            <a:pPr lvl="1"/>
+            <a:r>
+              <a:rPr lang="en-US" sz="2400" dirty="0"/>
+              <a:t>Major offices in the UK, France, and Japan</a:t>
+            </a:r>
+          </a:p>
+          <a:p>
+            <a:pPr lvl="1"/>
+            <a:r>
+              <a:rPr lang="en-US" sz="2400" dirty="0"/>
+              <a:t>Data centers and branch offices scattered across the United States </a:t>
+            </a:r>
+          </a:p>
+          <a:p>
+            <a:pPr lvl="0"/>
+            <a:r>
+              <a:rPr lang="en-US" sz="2400" dirty="0">
+                <a:latin typeface="+mn-lt"/>
+              </a:rPr>
+              <a:t>Looking to mitigate creeping costs as well as start the transition to a modern cloud enterprise architecture</a:t>
+            </a:r>
+          </a:p>
+          <a:p>
+            <a:pPr lvl="0"/>
+            <a:r>
+              <a:rPr lang="en-US" sz="2400" dirty="0">
+                <a:latin typeface="+mn-lt"/>
+              </a:rPr>
+              <a:t>Large EA commitment to Azure</a:t>
             </a:r>
           </a:p>
         </p:txBody>
@@ -26405,7 +26579,7 @@
     </p:spTree>
     <p:extLst>
       <p:ext uri="{BB962C8B-B14F-4D97-AF65-F5344CB8AC3E}">
-        <p14:creationId xmlns:p14="http://schemas.microsoft.com/office/powerpoint/2010/main" val="4147701167"/>
+        <p14:creationId xmlns:p14="http://schemas.microsoft.com/office/powerpoint/2010/main" val="3463405493"/>
       </p:ext>
     </p:extLst>
   </p:cSld>
@@ -26453,99 +26627,87 @@
         <p:spPr>
           <a:xfrm>
             <a:off x="331076" y="1220569"/>
-            <a:ext cx="11652250" cy="3988784"/>
+            <a:ext cx="11652250" cy="5497512"/>
           </a:xfrm>
         </p:spPr>
         <p:txBody>
           <a:bodyPr/>
           <a:lstStyle/>
           <a:p>
-            <a:r>
-              <a:rPr lang="en-US" b="1" dirty="0"/>
-              <a:t>Short-term (Horizon 1)</a:t>
-            </a:r>
-            <a:endParaRPr lang="en-US" dirty="0"/>
+            <a:pPr marL="0" lvl="0" indent="0">
+              <a:buNone/>
+            </a:pPr>
+            <a:r>
+              <a:rPr lang="en-US" sz="2800" dirty="0">
+                <a:latin typeface="Segoe UI Semibold" panose="020B0702040204020203" pitchFamily="34" charset="0"/>
+                <a:cs typeface="Segoe UI Semibold" panose="020B0702040204020203" pitchFamily="34" charset="0"/>
+              </a:rPr>
+              <a:t>Ken Greenwald, Trey Research’s CTO </a:t>
+            </a:r>
+          </a:p>
+          <a:p>
+            <a:r>
+              <a:rPr lang="en-US" sz="2800" dirty="0"/>
+              <a:t>Understands the value of the cloud</a:t>
+            </a:r>
+          </a:p>
+          <a:p>
+            <a:r>
+              <a:rPr lang="en-US" sz="2800" dirty="0"/>
+              <a:t>Focus on best practices and controls</a:t>
+            </a:r>
+          </a:p>
+          <a:p>
+            <a:r>
+              <a:rPr lang="en-US" sz="2800" dirty="0"/>
+              <a:t>Wants to avoid mistakes that lead to trouble later on</a:t>
+            </a:r>
+          </a:p>
+          <a:p>
+            <a:pPr marL="0" indent="0">
+              <a:buNone/>
+            </a:pPr>
+            <a:endParaRPr lang="en-US" sz="2800" dirty="0"/>
+          </a:p>
+          <a:p>
+            <a:pPr marL="0" indent="0">
+              <a:buNone/>
+            </a:pPr>
+            <a:r>
+              <a:rPr lang="en-US" sz="2800" dirty="0">
+                <a:latin typeface="Segoe UI Semibold" panose="020B0702040204020203" pitchFamily="34" charset="0"/>
+                <a:cs typeface="Segoe UI Semibold" panose="020B0702040204020203" pitchFamily="34" charset="0"/>
+              </a:rPr>
+              <a:t>Laura Knight, Head of Cloud Governance team</a:t>
+            </a:r>
+          </a:p>
+          <a:p>
+            <a:r>
+              <a:rPr lang="en-US" sz="2800" dirty="0"/>
+              <a:t>Reports to Ken</a:t>
+            </a:r>
+          </a:p>
+          <a:p>
+            <a:r>
+              <a:rPr lang="en-US" sz="2800" dirty="0"/>
+              <a:t>Responsible for defining, implementing and enforcing Azure governance</a:t>
+            </a:r>
+          </a:p>
+          <a:p>
+            <a:r>
+              <a:rPr lang="en-US" sz="2800" dirty="0"/>
+              <a:t>Works with other teams to ensure best practices are adopted</a:t>
+            </a:r>
+          </a:p>
+          <a:p>
+            <a:r>
+              <a:rPr lang="en-US" sz="2800" dirty="0"/>
+              <a:t>Wants to adopt Microsoft's Cloud Adoption Framework as a baseline for Azure governance</a:t>
+            </a:r>
           </a:p>
           <a:p>
             <a:pPr lvl="1"/>
-            <a:r>
-              <a:rPr lang="en-US" b="1" i="1" dirty="0"/>
-              <a:t>Reliability, Scalability, Agility, Security</a:t>
-            </a:r>
-            <a:r>
-              <a:rPr lang="en-US" dirty="0"/>
-              <a:t> - Datacenter exit Q2</a:t>
-            </a:r>
-          </a:p>
-          <a:p>
-            <a:pPr lvl="1"/>
-            <a:r>
-              <a:rPr lang="en-US" b="1" i="1" dirty="0"/>
-              <a:t>Profitability </a:t>
-            </a:r>
-            <a:r>
-              <a:rPr lang="en-US" dirty="0"/>
-              <a:t>- Ability to provide cost of acquisition/operations for partners  </a:t>
-            </a:r>
-          </a:p>
-          <a:p>
-            <a:pPr lvl="1"/>
-            <a:r>
-              <a:rPr lang="en-US" b="1" i="1" dirty="0"/>
-              <a:t>Business Value Realization </a:t>
-            </a:r>
-            <a:r>
-              <a:rPr lang="en-US" dirty="0"/>
-              <a:t>- Financial justification </a:t>
-            </a:r>
-          </a:p>
-          <a:p>
-            <a:r>
-              <a:rPr lang="en-US" b="1" dirty="0"/>
-              <a:t>Medium-term (Horizon 2)</a:t>
-            </a:r>
-            <a:endParaRPr lang="en-US" dirty="0"/>
-          </a:p>
-          <a:p>
-            <a:pPr lvl="1"/>
-            <a:r>
-              <a:rPr lang="en-US" b="1" i="1" dirty="0"/>
-              <a:t>Optimize Operations</a:t>
-            </a:r>
-            <a:r>
-              <a:rPr lang="en-US" dirty="0"/>
-              <a:t> - Data segmentation for business partners</a:t>
-            </a:r>
-          </a:p>
-          <a:p>
-            <a:pPr lvl="1"/>
-            <a:r>
-              <a:rPr lang="en-US" b="1" i="1" dirty="0"/>
-              <a:t>Innovation</a:t>
-            </a:r>
-            <a:r>
-              <a:rPr lang="en-US" dirty="0"/>
-              <a:t> - Enable developers and business units to rapidly build new services</a:t>
-            </a:r>
-          </a:p>
-          <a:p>
-            <a:r>
-              <a:rPr lang="en-US" b="1" dirty="0"/>
-              <a:t>Long-term (Horizon 3)</a:t>
-            </a:r>
-            <a:endParaRPr lang="en-US" dirty="0"/>
-          </a:p>
-          <a:p>
-            <a:pPr lvl="1"/>
-            <a:r>
-              <a:rPr lang="en-US" b="1" i="1" dirty="0"/>
-              <a:t>Enable Business Agility</a:t>
-            </a:r>
-            <a:r>
-              <a:rPr lang="en-US" dirty="0"/>
-              <a:t> - Move existing assets to micro services as a means of driving greater efficiency </a:t>
-            </a:r>
-            <a:endParaRPr lang="en-US" sz="3200" dirty="0"/>
+            <a:endParaRPr lang="en-US" sz="1600" dirty="0"/>
           </a:p>
         </p:txBody>
       </p:sp>
@@ -26562,7 +26724,7 @@
         <p:spPr>
           <a:xfrm>
             <a:off x="331076" y="362607"/>
-            <a:ext cx="11017250" cy="1107996"/>
+            <a:ext cx="11017250" cy="554038"/>
           </a:xfrm>
         </p:spPr>
         <p:txBody>
@@ -26571,19 +26733,15 @@
           <a:p>
             <a:r>
               <a:rPr lang="en-US" dirty="0"/>
-              <a:t>Customer situation - Business strategy and focus</a:t>
-            </a:r>
-            <a:br>
-              <a:rPr lang="en-US" dirty="0"/>
-            </a:br>
-            <a:endParaRPr lang="en-US" dirty="0"/>
+              <a:t>Customer situation - Leadership</a:t>
+            </a:r>
           </a:p>
         </p:txBody>
       </p:sp>
     </p:spTree>
     <p:extLst>
       <p:ext uri="{BB962C8B-B14F-4D97-AF65-F5344CB8AC3E}">
-        <p14:creationId xmlns:p14="http://schemas.microsoft.com/office/powerpoint/2010/main" val="40126595"/>
+        <p14:creationId xmlns:p14="http://schemas.microsoft.com/office/powerpoint/2010/main" val="4147701167"/>
       </p:ext>
     </p:extLst>
   </p:cSld>
@@ -26630,19 +26788,100 @@
         </p:nvSpPr>
         <p:spPr>
           <a:xfrm>
-            <a:off x="331076" y="1891525"/>
-            <a:ext cx="11652250" cy="2585323"/>
+            <a:off x="331076" y="1220569"/>
+            <a:ext cx="11652250" cy="3988784"/>
           </a:xfrm>
         </p:spPr>
         <p:txBody>
           <a:bodyPr/>
           <a:lstStyle/>
           <a:p>
-            <a:pPr lvl="0"/>
+            <a:r>
+              <a:rPr lang="en-US" b="1" dirty="0"/>
+              <a:t>Short-term (Horizon 1)</a:t>
+            </a:r>
+            <a:endParaRPr lang="en-US" dirty="0"/>
+          </a:p>
+          <a:p>
+            <a:pPr lvl="1"/>
+            <a:r>
+              <a:rPr lang="en-US" b="1" i="1" dirty="0"/>
+              <a:t>Reliability, Scalability, Agility, Security</a:t>
+            </a:r>
             <a:r>
               <a:rPr lang="en-US" dirty="0"/>
-              <a:t>Trey Research seeks to create a financial model to showcase the long-term cash savings of the migration. In addition, provide deeper analytics for the fully burdened cost by partner enabling the ability to increase profitability. Microsoft can partner with Trey Research financial teams to build out a financial modelling to support the onboarding of new partners.</a:t>
-            </a:r>
+              <a:t> - Datacenter exit Q2</a:t>
+            </a:r>
+          </a:p>
+          <a:p>
+            <a:pPr lvl="1"/>
+            <a:r>
+              <a:rPr lang="en-US" b="1" i="1" dirty="0"/>
+              <a:t>Profitability </a:t>
+            </a:r>
+            <a:r>
+              <a:rPr lang="en-US" dirty="0"/>
+              <a:t>- Ability to provide cost of acquisition/operations for partners  </a:t>
+            </a:r>
+          </a:p>
+          <a:p>
+            <a:pPr lvl="1"/>
+            <a:r>
+              <a:rPr lang="en-US" b="1" i="1" dirty="0"/>
+              <a:t>Business Value Realization </a:t>
+            </a:r>
+            <a:r>
+              <a:rPr lang="en-US" dirty="0"/>
+              <a:t>- Financial justification </a:t>
+            </a:r>
+          </a:p>
+          <a:p>
+            <a:r>
+              <a:rPr lang="en-US" b="1" dirty="0"/>
+              <a:t>Medium-term (Horizon 2)</a:t>
+            </a:r>
+            <a:endParaRPr lang="en-US" dirty="0"/>
+          </a:p>
+          <a:p>
+            <a:pPr lvl="1"/>
+            <a:r>
+              <a:rPr lang="en-US" b="1" i="1" dirty="0"/>
+              <a:t>Optimize Operations</a:t>
+            </a:r>
+            <a:r>
+              <a:rPr lang="en-US" dirty="0"/>
+              <a:t> - Data segmentation for business partners</a:t>
+            </a:r>
+          </a:p>
+          <a:p>
+            <a:pPr lvl="1"/>
+            <a:r>
+              <a:rPr lang="en-US" b="1" i="1" dirty="0"/>
+              <a:t>Innovation</a:t>
+            </a:r>
+            <a:r>
+              <a:rPr lang="en-US" dirty="0"/>
+              <a:t> - Enable developers and business units to rapidly build new services</a:t>
+            </a:r>
+          </a:p>
+          <a:p>
+            <a:r>
+              <a:rPr lang="en-US" b="1" dirty="0"/>
+              <a:t>Long-term (Horizon 3)</a:t>
+            </a:r>
+            <a:endParaRPr lang="en-US" dirty="0"/>
+          </a:p>
+          <a:p>
+            <a:pPr lvl="1"/>
+            <a:r>
+              <a:rPr lang="en-US" b="1" i="1" dirty="0"/>
+              <a:t>Enable Business Agility</a:t>
+            </a:r>
+            <a:r>
+              <a:rPr lang="en-US" dirty="0"/>
+              <a:t> - Move existing assets to micro services as a means of driving greater efficiency </a:t>
+            </a:r>
+            <a:endParaRPr lang="en-US" sz="3200" dirty="0"/>
           </a:p>
         </p:txBody>
       </p:sp>
@@ -26668,7 +26907,7 @@
           <a:p>
             <a:r>
               <a:rPr lang="en-US" dirty="0"/>
-              <a:t>Customer situation - Business justification</a:t>
+              <a:t>Customer situation - Business strategy and focus</a:t>
             </a:r>
             <a:br>
               <a:rPr lang="en-US" dirty="0"/>
@@ -26680,7 +26919,7 @@
     </p:spTree>
     <p:extLst>
       <p:ext uri="{BB962C8B-B14F-4D97-AF65-F5344CB8AC3E}">
-        <p14:creationId xmlns:p14="http://schemas.microsoft.com/office/powerpoint/2010/main" val="3664875922"/>
+        <p14:creationId xmlns:p14="http://schemas.microsoft.com/office/powerpoint/2010/main" val="40126595"/>
       </p:ext>
     </p:extLst>
   </p:cSld>
@@ -26717,6 +26956,103 @@
       </p:grpSpPr>
       <p:sp>
         <p:nvSpPr>
+          <p:cNvPr id="3" name="Content Placeholder 2"/>
+          <p:cNvSpPr>
+            <a:spLocks noGrp="1"/>
+          </p:cNvSpPr>
+          <p:nvPr>
+            <p:ph type="body" sz="quarter" idx="4294967295"/>
+          </p:nvPr>
+        </p:nvSpPr>
+        <p:spPr>
+          <a:xfrm>
+            <a:off x="331076" y="1891525"/>
+            <a:ext cx="11652250" cy="2585323"/>
+          </a:xfrm>
+        </p:spPr>
+        <p:txBody>
+          <a:bodyPr/>
+          <a:lstStyle/>
+          <a:p>
+            <a:pPr lvl="0"/>
+            <a:r>
+              <a:rPr lang="en-US" dirty="0"/>
+              <a:t>Trey Research seeks to create a financial model to showcase the long-term cash savings of the migration. In addition, provide deeper analytics for the fully burdened cost by partner enabling the ability to increase profitability. Microsoft can partner with Trey Research financial teams to build out a financial modelling to support the onboarding of new partners.</a:t>
+            </a:r>
+          </a:p>
+        </p:txBody>
+      </p:sp>
+      <p:sp>
+        <p:nvSpPr>
+          <p:cNvPr id="2" name="Title 1"/>
+          <p:cNvSpPr>
+            <a:spLocks noGrp="1"/>
+          </p:cNvSpPr>
+          <p:nvPr>
+            <p:ph type="title" idx="4294967295"/>
+          </p:nvPr>
+        </p:nvSpPr>
+        <p:spPr>
+          <a:xfrm>
+            <a:off x="331076" y="362607"/>
+            <a:ext cx="11017250" cy="1107996"/>
+          </a:xfrm>
+        </p:spPr>
+        <p:txBody>
+          <a:bodyPr/>
+          <a:lstStyle/>
+          <a:p>
+            <a:r>
+              <a:rPr lang="en-US" dirty="0"/>
+              <a:t>Customer situation - Business justification</a:t>
+            </a:r>
+            <a:br>
+              <a:rPr lang="en-US" dirty="0"/>
+            </a:br>
+            <a:endParaRPr lang="en-US" dirty="0"/>
+          </a:p>
+        </p:txBody>
+      </p:sp>
+    </p:spTree>
+    <p:extLst>
+      <p:ext uri="{BB962C8B-B14F-4D97-AF65-F5344CB8AC3E}">
+        <p14:creationId xmlns:p14="http://schemas.microsoft.com/office/powerpoint/2010/main" val="3664875922"/>
+      </p:ext>
+    </p:extLst>
+  </p:cSld>
+  <p:clrMapOvr>
+    <a:masterClrMapping/>
+  </p:clrMapOvr>
+  <mc:AlternateContent xmlns:mc="http://schemas.openxmlformats.org/markup-compatibility/2006" xmlns:p14="http://schemas.microsoft.com/office/powerpoint/2010/main">
+    <mc:Choice Requires="p14">
+      <p:transition p14:dur="0"/>
+    </mc:Choice>
+    <mc:Fallback xmlns="">
+      <p:transition/>
+    </mc:Fallback>
+  </mc:AlternateContent>
+</p:sld>
+</file>
+
+<file path=ppt/slides/slide14.xml><?xml version="1.0" encoding="utf-8"?>
+<p:sld xmlns:a="http://schemas.openxmlformats.org/drawingml/2006/main" xmlns:r="http://schemas.openxmlformats.org/officeDocument/2006/relationships" xmlns:p="http://schemas.openxmlformats.org/presentationml/2006/main">
+  <p:cSld>
+    <p:spTree>
+      <p:nvGrpSpPr>
+        <p:cNvPr id="1" name=""/>
+        <p:cNvGrpSpPr/>
+        <p:nvPr/>
+      </p:nvGrpSpPr>
+      <p:grpSpPr>
+        <a:xfrm>
+          <a:off x="0" y="0"/>
+          <a:ext cx="0" cy="0"/>
+          <a:chOff x="0" y="0"/>
+          <a:chExt cx="0" cy="0"/>
+        </a:xfrm>
+      </p:grpSpPr>
+      <p:sp>
+        <p:nvSpPr>
           <p:cNvPr id="2" name="Title 1"/>
           <p:cNvSpPr>
             <a:spLocks noGrp="1"/>
@@ -27052,7 +27388,7 @@
 </p:sld>
 </file>
 
-<file path=ppt/slides/slide14.xml><?xml version="1.0" encoding="utf-8"?>
+<file path=ppt/slides/slide15.xml><?xml version="1.0" encoding="utf-8"?>
 <p:sld xmlns:a="http://schemas.openxmlformats.org/drawingml/2006/main" xmlns:r="http://schemas.openxmlformats.org/officeDocument/2006/relationships" xmlns:p="http://schemas.openxmlformats.org/presentationml/2006/main">
   <p:cSld>
     <p:spTree>
@@ -29758,7 +30094,7 @@
 </p:sld>
 </file>
 
-<file path=ppt/slides/slide15.xml><?xml version="1.0" encoding="utf-8"?>
+<file path=ppt/slides/slide16.xml><?xml version="1.0" encoding="utf-8"?>
 <p:sld xmlns:a="http://schemas.openxmlformats.org/drawingml/2006/main" xmlns:r="http://schemas.openxmlformats.org/officeDocument/2006/relationships" xmlns:p="http://schemas.openxmlformats.org/presentationml/2006/main">
   <p:cSld>
     <p:spTree>
@@ -29935,7 +30271,7 @@
 </p:sld>
 </file>
 
-<file path=ppt/slides/slide16.xml><?xml version="1.0" encoding="utf-8"?>
+<file path=ppt/slides/slide17.xml><?xml version="1.0" encoding="utf-8"?>
 <p:sld xmlns:a="http://schemas.openxmlformats.org/drawingml/2006/main" xmlns:r="http://schemas.openxmlformats.org/officeDocument/2006/relationships" xmlns:p="http://schemas.openxmlformats.org/presentationml/2006/main">
   <p:cSld>
     <p:spTree>
@@ -30059,118 +30395,6 @@
     <p:extLst>
       <p:ext uri="{BB962C8B-B14F-4D97-AF65-F5344CB8AC3E}">
         <p14:creationId xmlns:p14="http://schemas.microsoft.com/office/powerpoint/2010/main" val="2847516237"/>
-      </p:ext>
-    </p:extLst>
-  </p:cSld>
-  <p:clrMapOvr>
-    <a:masterClrMapping/>
-  </p:clrMapOvr>
-  <p:transition>
-    <p:fade/>
-  </p:transition>
-</p:sld>
-</file>
-
-<file path=ppt/slides/slide17.xml><?xml version="1.0" encoding="utf-8"?>
-<p:sld xmlns:a="http://schemas.openxmlformats.org/drawingml/2006/main" xmlns:r="http://schemas.openxmlformats.org/officeDocument/2006/relationships" xmlns:p="http://schemas.openxmlformats.org/presentationml/2006/main">
-  <p:cSld>
-    <p:spTree>
-      <p:nvGrpSpPr>
-        <p:cNvPr id="1" name=""/>
-        <p:cNvGrpSpPr/>
-        <p:nvPr/>
-      </p:nvGrpSpPr>
-      <p:grpSpPr>
-        <a:xfrm>
-          <a:off x="0" y="0"/>
-          <a:ext cx="0" cy="0"/>
-          <a:chOff x="0" y="0"/>
-          <a:chExt cx="0" cy="0"/>
-        </a:xfrm>
-      </p:grpSpPr>
-      <p:sp>
-        <p:nvSpPr>
-          <p:cNvPr id="2" name="Text Placeholder 1">
-            <a:extLst>
-              <a:ext uri="{FF2B5EF4-FFF2-40B4-BE49-F238E27FC236}">
-                <a16:creationId xmlns:a16="http://schemas.microsoft.com/office/drawing/2014/main" id="{94B1CFD0-EE96-4D8C-9380-EEE6C6A42E87}"/>
-              </a:ext>
-            </a:extLst>
-          </p:cNvPr>
-          <p:cNvSpPr>
-            <a:spLocks noGrp="1"/>
-          </p:cNvSpPr>
-          <p:nvPr>
-            <p:ph type="body" sz="quarter" idx="4294967295"/>
-          </p:nvPr>
-        </p:nvSpPr>
-        <p:spPr>
-          <a:xfrm>
-            <a:off x="317500" y="1055031"/>
-            <a:ext cx="11652250" cy="2015936"/>
-          </a:xfrm>
-        </p:spPr>
-        <p:txBody>
-          <a:bodyPr/>
-          <a:lstStyle/>
-          <a:p>
-            <a:pPr>
-              <a:spcBef>
-                <a:spcPts val="1800"/>
-              </a:spcBef>
-            </a:pPr>
-            <a:r>
-              <a:rPr lang="en-US" dirty="0"/>
-              <a:t>You should associate all assets deployed to the cloud with a billing unit and application/workload. This policy will ensure that future Cost Management efforts will be effective.</a:t>
-            </a:r>
-          </a:p>
-          <a:p>
-            <a:pPr>
-              <a:spcBef>
-                <a:spcPts val="1800"/>
-              </a:spcBef>
-            </a:pPr>
-            <a:endParaRPr lang="en-IE" sz="3200" dirty="0"/>
-          </a:p>
-        </p:txBody>
-      </p:sp>
-      <p:sp>
-        <p:nvSpPr>
-          <p:cNvPr id="3" name="Title 2">
-            <a:extLst>
-              <a:ext uri="{FF2B5EF4-FFF2-40B4-BE49-F238E27FC236}">
-                <a16:creationId xmlns:a16="http://schemas.microsoft.com/office/drawing/2014/main" id="{AB41BA66-A1EC-46C7-833C-D6C0E7B2B745}"/>
-              </a:ext>
-            </a:extLst>
-          </p:cNvPr>
-          <p:cNvSpPr>
-            <a:spLocks noGrp="1"/>
-          </p:cNvSpPr>
-          <p:nvPr>
-            <p:ph type="title" idx="4294967295"/>
-          </p:nvPr>
-        </p:nvSpPr>
-        <p:spPr>
-          <a:xfrm>
-            <a:off x="317500" y="268014"/>
-            <a:ext cx="11017250" cy="492443"/>
-          </a:xfrm>
-        </p:spPr>
-        <p:txBody>
-          <a:bodyPr/>
-          <a:lstStyle/>
-          <a:p>
-            <a:r>
-              <a:rPr lang="en-IE" sz="3200" dirty="0"/>
-              <a:t>Customer Needs—Cost Management Controls Backlog</a:t>
-            </a:r>
-          </a:p>
-        </p:txBody>
-      </p:sp>
-    </p:spTree>
-    <p:extLst>
-      <p:ext uri="{BB962C8B-B14F-4D97-AF65-F5344CB8AC3E}">
-        <p14:creationId xmlns:p14="http://schemas.microsoft.com/office/powerpoint/2010/main" val="2737016984"/>
       </p:ext>
     </p:extLst>
   </p:cSld>
@@ -30218,59 +30442,31 @@
         </p:nvSpPr>
         <p:spPr>
           <a:xfrm>
-            <a:off x="378591" y="1078679"/>
-            <a:ext cx="11652250" cy="6063198"/>
+            <a:off x="317500" y="1055031"/>
+            <a:ext cx="11652250" cy="2015936"/>
           </a:xfrm>
         </p:spPr>
         <p:txBody>
           <a:bodyPr/>
           <a:lstStyle/>
           <a:p>
-            <a:r>
-              <a:rPr lang="en-US" sz="3600" dirty="0"/>
-              <a:t>Enable investigation of changes leading up to any outage</a:t>
-            </a:r>
-          </a:p>
-          <a:p>
-            <a:pPr lvl="1">
+            <a:pPr>
               <a:spcBef>
-                <a:spcPts val="600"/>
+                <a:spcPts val="1800"/>
               </a:spcBef>
             </a:pPr>
             <a:r>
-              <a:rPr lang="en-US" sz="2800" dirty="0">
-                <a:latin typeface="+mj-lt"/>
-              </a:rPr>
-              <a:t>Who, when, what – including before/after state for each Azure resource</a:t>
-            </a:r>
-          </a:p>
-          <a:p>
-            <a:pPr lvl="1">
+              <a:rPr lang="en-US" dirty="0"/>
+              <a:t>You should associate all assets deployed to the cloud with a billing unit and application/workload. This policy will ensure that future Cost Management efforts will be effective.</a:t>
+            </a:r>
+          </a:p>
+          <a:p>
+            <a:pPr>
               <a:spcBef>
-                <a:spcPts val="600"/>
+                <a:spcPts val="1800"/>
               </a:spcBef>
             </a:pPr>
-            <a:r>
-              <a:rPr lang="en-US" sz="2800" dirty="0">
-                <a:latin typeface="+mj-lt"/>
-              </a:rPr>
-              <a:t>Azure resources and in-VM configuration</a:t>
-            </a:r>
-          </a:p>
-          <a:p>
-            <a:r>
-              <a:rPr lang="en-US" sz="3600" dirty="0"/>
-              <a:t>Ensure Windows and Linux VMs meet password complexity requirements</a:t>
-            </a:r>
-          </a:p>
-          <a:p>
-            <a:r>
-              <a:rPr lang="en-US" sz="3600" dirty="0"/>
-              <a:t>Enable logging across all components (identity, virtual network, virtual machine, web, and database) to support an all-encompassing monitoring solution.</a:t>
-            </a:r>
-          </a:p>
-          <a:p>
-            <a:endParaRPr lang="en-IE" dirty="0"/>
+            <a:endParaRPr lang="en-IE" sz="3200" dirty="0"/>
           </a:p>
         </p:txBody>
       </p:sp>
@@ -30292,8 +30488,8 @@
         </p:nvSpPr>
         <p:spPr>
           <a:xfrm>
-            <a:off x="378591" y="331076"/>
-            <a:ext cx="11017250" cy="554038"/>
+            <a:off x="317500" y="268014"/>
+            <a:ext cx="11017250" cy="492443"/>
           </a:xfrm>
         </p:spPr>
         <p:txBody>
@@ -30301,8 +30497,8 @@
           <a:lstStyle/>
           <a:p>
             <a:r>
-              <a:rPr lang="en-IE" dirty="0"/>
-              <a:t>Customer Needs—Security Baseline</a:t>
+              <a:rPr lang="en-IE" sz="3200" dirty="0"/>
+              <a:t>Customer Needs—Cost Management Controls Backlog</a:t>
             </a:r>
           </a:p>
         </p:txBody>
@@ -30310,7 +30506,7 @@
     </p:spTree>
     <p:extLst>
       <p:ext uri="{BB962C8B-B14F-4D97-AF65-F5344CB8AC3E}">
-        <p14:creationId xmlns:p14="http://schemas.microsoft.com/office/powerpoint/2010/main" val="4109276531"/>
+        <p14:creationId xmlns:p14="http://schemas.microsoft.com/office/powerpoint/2010/main" val="2737016984"/>
       </p:ext>
     </p:extLst>
   </p:cSld>
@@ -30359,7 +30555,7 @@
         <p:spPr>
           <a:xfrm>
             <a:off x="378591" y="1078679"/>
-            <a:ext cx="11652250" cy="3791807"/>
+            <a:ext cx="11652250" cy="6063198"/>
           </a:xfrm>
         </p:spPr>
         <p:txBody>
@@ -30367,21 +30563,47 @@
           <a:lstStyle/>
           <a:p>
             <a:r>
-              <a:rPr lang="en-US" dirty="0"/>
-              <a:t>Setup auditing such that software installs are monitored across Azure virtual machine resources.</a:t>
-            </a:r>
-          </a:p>
-          <a:p>
-            <a:r>
-              <a:rPr lang="en-US" dirty="0"/>
-              <a:t>When specific security events are detected (such as a port scan), allow for the execution of actions to remediate, start the investigative process or prevent further information leakage or damage</a:t>
-            </a:r>
-          </a:p>
-          <a:p>
-            <a:endParaRPr lang="en-US" dirty="0"/>
-          </a:p>
-          <a:p>
-            <a:endParaRPr lang="en-US" dirty="0"/>
+              <a:rPr lang="en-US" sz="3600" dirty="0"/>
+              <a:t>Enable investigation of changes leading up to any outage</a:t>
+            </a:r>
+          </a:p>
+          <a:p>
+            <a:pPr lvl="1">
+              <a:spcBef>
+                <a:spcPts val="600"/>
+              </a:spcBef>
+            </a:pPr>
+            <a:r>
+              <a:rPr lang="en-US" sz="2800" dirty="0">
+                <a:latin typeface="+mj-lt"/>
+              </a:rPr>
+              <a:t>Who, when, what – including before/after state for each Azure resource</a:t>
+            </a:r>
+          </a:p>
+          <a:p>
+            <a:pPr lvl="1">
+              <a:spcBef>
+                <a:spcPts val="600"/>
+              </a:spcBef>
+            </a:pPr>
+            <a:r>
+              <a:rPr lang="en-US" sz="2800" dirty="0">
+                <a:latin typeface="+mj-lt"/>
+              </a:rPr>
+              <a:t>Azure resources and in-VM configuration</a:t>
+            </a:r>
+          </a:p>
+          <a:p>
+            <a:r>
+              <a:rPr lang="en-US" sz="3600" dirty="0"/>
+              <a:t>Ensure Windows and Linux VMs meet password complexity requirements</a:t>
+            </a:r>
+          </a:p>
+          <a:p>
+            <a:r>
+              <a:rPr lang="en-US" sz="3600" dirty="0"/>
+              <a:t>Enable logging across all components (identity, virtual network, virtual machine, web, and database) to support an all-encompassing monitoring solution.</a:t>
+            </a:r>
           </a:p>
           <a:p>
             <a:endParaRPr lang="en-IE" dirty="0"/>
@@ -30424,7 +30646,7 @@
     </p:spTree>
     <p:extLst>
       <p:ext uri="{BB962C8B-B14F-4D97-AF65-F5344CB8AC3E}">
-        <p14:creationId xmlns:p14="http://schemas.microsoft.com/office/powerpoint/2010/main" val="561240782"/>
+        <p14:creationId xmlns:p14="http://schemas.microsoft.com/office/powerpoint/2010/main" val="4109276531"/>
       </p:ext>
     </p:extLst>
   </p:cSld>
@@ -30440,17 +30662,6 @@
 <file path=ppt/slides/slide2.xml><?xml version="1.0" encoding="utf-8"?>
 <p:sld xmlns:a="http://schemas.openxmlformats.org/drawingml/2006/main" xmlns:r="http://schemas.openxmlformats.org/officeDocument/2006/relationships" xmlns:p="http://schemas.openxmlformats.org/presentationml/2006/main">
   <p:cSld>
-    <p:bg>
-      <p:bgPr>
-        <a:solidFill>
-          <a:schemeClr val="tx1">
-            <a:lumMod val="65000"/>
-            <a:lumOff val="35000"/>
-          </a:schemeClr>
-        </a:solidFill>
-        <a:effectLst/>
-      </p:bgPr>
-    </p:bg>
     <p:spTree>
       <p:nvGrpSpPr>
         <p:cNvPr id="1" name=""/>
@@ -30467,10 +30678,10 @@
       </p:grpSpPr>
       <p:sp>
         <p:nvSpPr>
-          <p:cNvPr id="2" name="Title 1">
+          <p:cNvPr id="2" name="Text Placeholder 1">
             <a:extLst>
               <a:ext uri="{FF2B5EF4-FFF2-40B4-BE49-F238E27FC236}">
-                <a16:creationId xmlns:a16="http://schemas.microsoft.com/office/drawing/2014/main" id="{BBB84D00-5465-4D6C-8B5A-46D1308CEA53}"/>
+                <a16:creationId xmlns:a16="http://schemas.microsoft.com/office/drawing/2014/main" id="{A21599C3-453B-43AB-B38A-EB5B00A44F50}"/>
               </a:ext>
             </a:extLst>
           </p:cNvPr>
@@ -30478,13 +30689,13 @@
             <a:spLocks noGrp="1"/>
           </p:cNvSpPr>
           <p:nvPr>
-            <p:ph type="title"/>
+            <p:ph type="body" sz="quarter" idx="4294967295"/>
           </p:nvPr>
         </p:nvSpPr>
         <p:spPr>
           <a:xfrm>
-            <a:off x="426114" y="661822"/>
-            <a:ext cx="11018520" cy="1169551"/>
+            <a:off x="394357" y="1923096"/>
+            <a:ext cx="11652250" cy="2831544"/>
           </a:xfrm>
         </p:spPr>
         <p:txBody>
@@ -30493,210 +30704,79 @@
           <a:p>
             <a:pPr>
               <a:spcBef>
-                <a:spcPts val="1200"/>
+                <a:spcPts val="2400"/>
               </a:spcBef>
-              <a:spcAft>
-                <a:spcPts val="600"/>
-              </a:spcAft>
             </a:pPr>
             <a:r>
-              <a:rPr lang="en-US" sz="4400" dirty="0">
-                <a:solidFill>
-                  <a:schemeClr val="bg1"/>
-                </a:solidFill>
+              <a:rPr lang="en-US" sz="3600" dirty="0">
+                <a:hlinkClick r:id="rId3"/>
               </a:rPr>
-              <a:t>Workshop Lab A - Ready</a:t>
-            </a:r>
-            <a:br>
-              <a:rPr lang="en-US" sz="4400" dirty="0">
-                <a:solidFill>
-                  <a:schemeClr val="bg1"/>
-                </a:solidFill>
-              </a:rPr>
-            </a:br>
-            <a:r>
-              <a:rPr lang="en-US" sz="3200" dirty="0">
-                <a:solidFill>
-                  <a:schemeClr val="bg1"/>
-                </a:solidFill>
-              </a:rPr>
-              <a:t>Implement the landing zone</a:t>
-            </a:r>
-            <a:endParaRPr lang="en-US" dirty="0">
-              <a:solidFill>
-                <a:schemeClr val="bg1"/>
-              </a:solidFill>
-            </a:endParaRPr>
+              <a:t>https://github.com/rkuehfus/CAFWorkshop</a:t>
+            </a:r>
+            <a:endParaRPr lang="en-US" sz="3600" dirty="0"/>
+          </a:p>
+          <a:p>
+            <a:pPr>
+              <a:spcBef>
+                <a:spcPts val="2400"/>
+              </a:spcBef>
+            </a:pPr>
+            <a:endParaRPr lang="en-US" sz="3600" dirty="0"/>
+          </a:p>
+          <a:p>
+            <a:pPr>
+              <a:spcBef>
+                <a:spcPts val="2400"/>
+              </a:spcBef>
+            </a:pPr>
+            <a:r>
+              <a:rPr lang="en-US" sz="3600" dirty="0"/>
+              <a:t>Download the repo to your local machine to find starter templates and script to help with each lab.</a:t>
+            </a:r>
           </a:p>
         </p:txBody>
       </p:sp>
       <p:sp>
         <p:nvSpPr>
-          <p:cNvPr id="3" name="TextBox 2">
+          <p:cNvPr id="3" name="Title 2">
             <a:extLst>
               <a:ext uri="{FF2B5EF4-FFF2-40B4-BE49-F238E27FC236}">
-                <a16:creationId xmlns:a16="http://schemas.microsoft.com/office/drawing/2014/main" id="{56116777-CBC1-4CBD-B255-FDDB899FFC61}"/>
+                <a16:creationId xmlns:a16="http://schemas.microsoft.com/office/drawing/2014/main" id="{C76EF5EB-948A-40EE-BE05-582D567A1ADE}"/>
               </a:ext>
             </a:extLst>
           </p:cNvPr>
-          <p:cNvSpPr txBox="1"/>
-          <p:nvPr/>
+          <p:cNvSpPr>
+            <a:spLocks noGrp="1"/>
+          </p:cNvSpPr>
+          <p:nvPr>
+            <p:ph type="title" idx="4294967295"/>
+          </p:nvPr>
         </p:nvSpPr>
         <p:spPr>
           <a:xfrm>
-            <a:off x="426114" y="2549534"/>
-            <a:ext cx="9748528" cy="2585323"/>
+            <a:off x="394357" y="449317"/>
+            <a:ext cx="11017250" cy="1107996"/>
           </a:xfrm>
-          <a:prstGeom prst="rect">
-            <a:avLst/>
-          </a:prstGeom>
-          <a:noFill/>
         </p:spPr>
         <p:txBody>
-          <a:bodyPr wrap="square" lIns="0" tIns="0" rIns="0" bIns="0" rtlCol="0">
-            <a:spAutoFit/>
-          </a:bodyPr>
+          <a:bodyPr/>
           <a:lstStyle/>
           <a:p>
-            <a:pPr marL="457200" marR="0" lvl="0" indent="-457200" algn="l" defTabSz="914400" rtl="0" eaLnBrk="1" fontAlgn="auto" latinLnBrk="0" hangingPunct="1">
-              <a:lnSpc>
-                <a:spcPct val="100000"/>
-              </a:lnSpc>
-              <a:spcBef>
-                <a:spcPts val="0"/>
-              </a:spcBef>
-              <a:spcAft>
-                <a:spcPts val="0"/>
-              </a:spcAft>
-              <a:buClrTx/>
-              <a:buSzTx/>
-              <a:buFont typeface="+mj-lt"/>
-              <a:buAutoNum type="arabicPeriod"/>
-              <a:tabLst/>
-              <a:defRPr/>
-            </a:pPr>
-            <a:r>
-              <a:rPr kumimoji="0" lang="en-US" sz="2800" b="0" i="0" u="none" strike="noStrike" kern="1200" cap="none" spc="0" normalizeH="0" baseline="0" noProof="0" dirty="0">
-                <a:ln>
-                  <a:noFill/>
-                </a:ln>
-                <a:solidFill>
-                  <a:srgbClr val="FFFFFF"/>
-                </a:solidFill>
-                <a:effectLst/>
-                <a:uLnTx/>
-                <a:uFillTx/>
-                <a:latin typeface="Segoe UI"/>
-                <a:ea typeface="+mn-ea"/>
-                <a:cs typeface="+mn-cs"/>
-              </a:rPr>
-              <a:t>Deploy the CAF Migrate landing zone blueprint to your subscription - </a:t>
-            </a:r>
-            <a:r>
-              <a:rPr kumimoji="0" lang="en-US" sz="2800" b="0" i="0" u="none" strike="noStrike" kern="1200" cap="none" spc="0" normalizeH="0" baseline="0" noProof="0" dirty="0">
-                <a:ln>
-                  <a:noFill/>
-                </a:ln>
-                <a:solidFill>
-                  <a:srgbClr val="000000"/>
-                </a:solidFill>
-                <a:effectLst/>
-                <a:uLnTx/>
-                <a:uFillTx/>
-                <a:latin typeface="Segoe UI"/>
-                <a:ea typeface="+mn-ea"/>
-                <a:cs typeface="+mn-cs"/>
-                <a:hlinkClick r:id="rId3"/>
-              </a:rPr>
-              <a:t>https://docs.microsoft.com/en-us/azure/governance/blueprints/samples/caf-migrate-landing-zone/index</a:t>
-            </a:r>
-            <a:endParaRPr kumimoji="0" lang="en-US" sz="2800" b="0" i="0" u="none" strike="noStrike" kern="1200" cap="none" spc="0" normalizeH="0" baseline="0" noProof="0" dirty="0">
-              <a:ln>
-                <a:noFill/>
-              </a:ln>
-              <a:solidFill>
-                <a:srgbClr val="000000"/>
-              </a:solidFill>
-              <a:effectLst/>
-              <a:uLnTx/>
-              <a:uFillTx/>
-              <a:latin typeface="Segoe UI"/>
-              <a:ea typeface="+mn-ea"/>
-              <a:cs typeface="+mn-cs"/>
-            </a:endParaRPr>
-          </a:p>
-          <a:p>
-            <a:pPr marL="0" marR="0" lvl="0" indent="0" algn="l" defTabSz="914400" rtl="0" eaLnBrk="1" fontAlgn="auto" latinLnBrk="0" hangingPunct="1">
-              <a:lnSpc>
-                <a:spcPct val="100000"/>
-              </a:lnSpc>
-              <a:spcBef>
-                <a:spcPts val="0"/>
-              </a:spcBef>
-              <a:spcAft>
-                <a:spcPts val="0"/>
-              </a:spcAft>
-              <a:buClrTx/>
-              <a:buSzTx/>
-              <a:buFontTx/>
-              <a:buNone/>
-              <a:tabLst/>
-              <a:defRPr/>
-            </a:pPr>
-            <a:endParaRPr kumimoji="0" lang="en-US" sz="2800" b="0" i="0" u="none" strike="noStrike" kern="1200" cap="none" spc="0" normalizeH="0" baseline="0" noProof="0" dirty="0">
-              <a:ln>
-                <a:noFill/>
-              </a:ln>
-              <a:solidFill>
-                <a:srgbClr val="FFFFFF"/>
-              </a:solidFill>
-              <a:effectLst/>
-              <a:uLnTx/>
-              <a:uFillTx/>
-              <a:latin typeface="Segoe UI"/>
-              <a:ea typeface="+mn-ea"/>
-              <a:cs typeface="+mn-cs"/>
-            </a:endParaRPr>
-          </a:p>
-          <a:p>
-            <a:pPr marL="457200" marR="0" lvl="0" indent="-457200" algn="l" defTabSz="914400" rtl="0" eaLnBrk="1" fontAlgn="auto" latinLnBrk="0" hangingPunct="1">
-              <a:lnSpc>
-                <a:spcPct val="100000"/>
-              </a:lnSpc>
-              <a:spcBef>
-                <a:spcPts val="0"/>
-              </a:spcBef>
-              <a:spcAft>
-                <a:spcPts val="0"/>
-              </a:spcAft>
-              <a:buClrTx/>
-              <a:buSzTx/>
-              <a:buFont typeface="+mj-lt"/>
-              <a:buAutoNum type="arabicPeriod"/>
-              <a:tabLst/>
-              <a:defRPr/>
-            </a:pPr>
-            <a:endParaRPr kumimoji="0" lang="en-US" sz="2800" b="0" i="0" u="none" strike="noStrike" kern="1200" cap="none" spc="0" normalizeH="0" baseline="0" noProof="0" dirty="0">
-              <a:ln>
-                <a:noFill/>
-              </a:ln>
-              <a:solidFill>
-                <a:srgbClr val="FFFFFF"/>
-              </a:solidFill>
-              <a:effectLst/>
-              <a:uLnTx/>
-              <a:uFillTx/>
-              <a:latin typeface="Segoe UI"/>
-              <a:ea typeface="+mn-ea"/>
-              <a:cs typeface="+mn-cs"/>
-            </a:endParaRPr>
+            <a:r>
+              <a:rPr lang="en-US" dirty="0"/>
+              <a:t>Lab Content</a:t>
+            </a:r>
+            <a:br>
+              <a:rPr lang="en-US" dirty="0"/>
+            </a:br>
+            <a:endParaRPr lang="en-US" dirty="0"/>
           </a:p>
         </p:txBody>
       </p:sp>
     </p:spTree>
     <p:extLst>
       <p:ext uri="{BB962C8B-B14F-4D97-AF65-F5344CB8AC3E}">
-        <p14:creationId xmlns:p14="http://schemas.microsoft.com/office/powerpoint/2010/main" val="529704729"/>
+        <p14:creationId xmlns:p14="http://schemas.microsoft.com/office/powerpoint/2010/main" val="2388213717"/>
       </p:ext>
     </p:extLst>
   </p:cSld>
@@ -30744,8 +30824,8 @@
         </p:nvSpPr>
         <p:spPr>
           <a:xfrm>
-            <a:off x="222250" y="1371302"/>
-            <a:ext cx="11652250" cy="4985980"/>
+            <a:off x="378591" y="1078679"/>
+            <a:ext cx="11652250" cy="3791807"/>
           </a:xfrm>
         </p:spPr>
         <p:txBody>
@@ -30754,78 +30834,23 @@
           <a:p>
             <a:r>
               <a:rPr lang="en-US" dirty="0"/>
-              <a:t>Awareness of VMs in violation of the password strength policy helps you take corrective actions to ensure passwords for all VM user accounts are compliant with policy.</a:t>
-            </a:r>
-          </a:p>
-          <a:p>
-            <a:pPr lvl="1"/>
+              <a:t>Setup auditing such that software installs are monitored across Azure virtual machine resources.</a:t>
+            </a:r>
+          </a:p>
+          <a:p>
             <a:r>
               <a:rPr lang="en-US" dirty="0"/>
-              <a:t>[Preview]: Deploy VM extension to audit Windows VM enforces password complexity requirements</a:t>
-            </a:r>
-          </a:p>
-          <a:p>
-            <a:pPr lvl="1"/>
-            <a:r>
-              <a:rPr lang="en-US" dirty="0"/>
-              <a:t>[Preview]: Deploy VM extension to audit Windows VM maximum password age 70 days</a:t>
-            </a:r>
-          </a:p>
-          <a:p>
-            <a:pPr lvl="1"/>
-            <a:r>
-              <a:rPr lang="en-US" dirty="0"/>
-              <a:t>[Preview]: Deploy VM extension to audit Windows VM minimum password age 1 day</a:t>
-            </a:r>
-          </a:p>
-          <a:p>
-            <a:pPr lvl="1"/>
-            <a:r>
-              <a:rPr lang="en-US" dirty="0"/>
-              <a:t>[Preview]: Deploy VM extension to audit Windows VM passwords must be at least 14 characters</a:t>
-            </a:r>
-          </a:p>
-          <a:p>
-            <a:pPr lvl="1"/>
-            <a:r>
-              <a:rPr lang="en-US" dirty="0"/>
-              <a:t>[Preview]: Deploy VM extension to audit Windows VM should not allow previous 24 passwords</a:t>
-            </a:r>
-          </a:p>
-          <a:p>
-            <a:pPr lvl="1"/>
-            <a:r>
-              <a:rPr lang="en-US" dirty="0"/>
-              <a:t>[Preview]: Audit Windows VM enforces password complexity requirements</a:t>
-            </a:r>
-          </a:p>
-          <a:p>
-            <a:pPr lvl="1"/>
-            <a:r>
-              <a:rPr lang="en-US" dirty="0"/>
-              <a:t>[Preview]: Audit Windows VM maximum password age 70 days</a:t>
-            </a:r>
-          </a:p>
-          <a:p>
-            <a:pPr lvl="1"/>
-            <a:r>
-              <a:rPr lang="en-US" dirty="0"/>
-              <a:t>[Preview]: Audit Windows VM minimum password age 1 day</a:t>
-            </a:r>
-          </a:p>
-          <a:p>
-            <a:pPr lvl="1"/>
-            <a:r>
-              <a:rPr lang="en-US" dirty="0"/>
-              <a:t>[Preview]: Audit Windows VM passwords must be at least 14 characters</a:t>
-            </a:r>
-          </a:p>
-          <a:p>
-            <a:pPr lvl="1"/>
-            <a:r>
-              <a:rPr lang="en-US" dirty="0"/>
-              <a:t>[Preview]: Audit Windows VM should not allow previous 24 passwords</a:t>
-            </a:r>
+              <a:t>When specific security events are detected (such as a port scan), allow for the execution of actions to remediate, start the investigative process or prevent further information leakage or damage</a:t>
+            </a:r>
+          </a:p>
+          <a:p>
+            <a:endParaRPr lang="en-US" dirty="0"/>
+          </a:p>
+          <a:p>
+            <a:endParaRPr lang="en-US" dirty="0"/>
+          </a:p>
+          <a:p>
+            <a:endParaRPr lang="en-IE" dirty="0"/>
           </a:p>
         </p:txBody>
       </p:sp>
@@ -30847,8 +30872,8 @@
         </p:nvSpPr>
         <p:spPr>
           <a:xfrm>
-            <a:off x="317500" y="338958"/>
-            <a:ext cx="11557000" cy="430887"/>
+            <a:off x="378591" y="331076"/>
+            <a:ext cx="11017250" cy="554038"/>
           </a:xfrm>
         </p:spPr>
         <p:txBody>
@@ -30856,8 +30881,8 @@
           <a:lstStyle/>
           <a:p>
             <a:r>
-              <a:rPr lang="en-IE" sz="2800" dirty="0"/>
-              <a:t>Customer Needs—Security Baseline Controls Backlog</a:t>
+              <a:rPr lang="en-IE" dirty="0"/>
+              <a:t>Customer Needs—Security Baseline</a:t>
             </a:r>
           </a:p>
         </p:txBody>
@@ -30865,7 +30890,7 @@
     </p:spTree>
     <p:extLst>
       <p:ext uri="{BB962C8B-B14F-4D97-AF65-F5344CB8AC3E}">
-        <p14:creationId xmlns:p14="http://schemas.microsoft.com/office/powerpoint/2010/main" val="2609170845"/>
+        <p14:creationId xmlns:p14="http://schemas.microsoft.com/office/powerpoint/2010/main" val="561240782"/>
       </p:ext>
     </p:extLst>
   </p:cSld>
@@ -30913,8 +30938,8 @@
         </p:nvSpPr>
         <p:spPr>
           <a:xfrm>
-            <a:off x="394357" y="1102327"/>
-            <a:ext cx="11652250" cy="5673725"/>
+            <a:off x="222250" y="1371302"/>
+            <a:ext cx="11652250" cy="4985980"/>
           </a:xfrm>
         </p:spPr>
         <p:txBody>
@@ -30922,60 +30947,79 @@
           <a:lstStyle/>
           <a:p>
             <a:r>
-              <a:rPr lang="en-US" sz="3200" dirty="0"/>
-              <a:t>Allow the Cloud Governance team to control which Azure services can be used across the business units, while allowing controlled exceptions</a:t>
-            </a:r>
-          </a:p>
-          <a:p>
-            <a:pPr lvl="1">
-              <a:spcBef>
-                <a:spcPts val="600"/>
-              </a:spcBef>
-            </a:pPr>
-            <a:r>
-              <a:rPr lang="en-US" sz="2800" dirty="0">
-                <a:latin typeface="+mj-lt"/>
-              </a:rPr>
-              <a:t>Control resource types and expensive configurations within common resource types</a:t>
-            </a:r>
-          </a:p>
-          <a:p>
-            <a:pPr lvl="1">
-              <a:spcBef>
-                <a:spcPts val="600"/>
-              </a:spcBef>
-            </a:pPr>
-            <a:r>
-              <a:rPr lang="en-US" sz="2800" dirty="0">
-                <a:latin typeface="+mj-lt"/>
-              </a:rPr>
-              <a:t>Exceptions must be limited to a specific resource type and resource group</a:t>
-            </a:r>
-          </a:p>
-          <a:p>
-            <a:pPr>
-              <a:spcBef>
-                <a:spcPts val="1800"/>
-              </a:spcBef>
-            </a:pPr>
-            <a:r>
-              <a:rPr lang="en-US" sz="3200" dirty="0"/>
-              <a:t>Prevent accidental deletion of resources</a:t>
-            </a:r>
-          </a:p>
-          <a:p>
-            <a:pPr>
-              <a:spcBef>
-                <a:spcPts val="1800"/>
-              </a:spcBef>
-            </a:pPr>
-            <a:r>
-              <a:rPr lang="en-US" sz="3200" dirty="0"/>
-              <a:t>Implement a common resource naming standard across the organization</a:t>
-            </a:r>
-          </a:p>
-          <a:p>
-            <a:endParaRPr lang="en-IE" dirty="0"/>
+              <a:rPr lang="en-US" dirty="0"/>
+              <a:t>Awareness of VMs in violation of the password strength policy helps you take corrective actions to ensure passwords for all VM user accounts are compliant with policy.</a:t>
+            </a:r>
+          </a:p>
+          <a:p>
+            <a:pPr lvl="1"/>
+            <a:r>
+              <a:rPr lang="en-US" dirty="0"/>
+              <a:t>[Preview]: Deploy VM extension to audit Windows VM enforces password complexity requirements</a:t>
+            </a:r>
+          </a:p>
+          <a:p>
+            <a:pPr lvl="1"/>
+            <a:r>
+              <a:rPr lang="en-US" dirty="0"/>
+              <a:t>[Preview]: Deploy VM extension to audit Windows VM maximum password age 70 days</a:t>
+            </a:r>
+          </a:p>
+          <a:p>
+            <a:pPr lvl="1"/>
+            <a:r>
+              <a:rPr lang="en-US" dirty="0"/>
+              <a:t>[Preview]: Deploy VM extension to audit Windows VM minimum password age 1 day</a:t>
+            </a:r>
+          </a:p>
+          <a:p>
+            <a:pPr lvl="1"/>
+            <a:r>
+              <a:rPr lang="en-US" dirty="0"/>
+              <a:t>[Preview]: Deploy VM extension to audit Windows VM passwords must be at least 14 characters</a:t>
+            </a:r>
+          </a:p>
+          <a:p>
+            <a:pPr lvl="1"/>
+            <a:r>
+              <a:rPr lang="en-US" dirty="0"/>
+              <a:t>[Preview]: Deploy VM extension to audit Windows VM should not allow previous 24 passwords</a:t>
+            </a:r>
+          </a:p>
+          <a:p>
+            <a:pPr lvl="1"/>
+            <a:r>
+              <a:rPr lang="en-US" dirty="0"/>
+              <a:t>[Preview]: Audit Windows VM enforces password complexity requirements</a:t>
+            </a:r>
+          </a:p>
+          <a:p>
+            <a:pPr lvl="1"/>
+            <a:r>
+              <a:rPr lang="en-US" dirty="0"/>
+              <a:t>[Preview]: Audit Windows VM maximum password age 70 days</a:t>
+            </a:r>
+          </a:p>
+          <a:p>
+            <a:pPr lvl="1"/>
+            <a:r>
+              <a:rPr lang="en-US" dirty="0"/>
+              <a:t>[Preview]: Audit Windows VM minimum password age 1 day</a:t>
+            </a:r>
+          </a:p>
+          <a:p>
+            <a:pPr lvl="1"/>
+            <a:r>
+              <a:rPr lang="en-US" dirty="0"/>
+              <a:t>[Preview]: Audit Windows VM passwords must be at least 14 characters</a:t>
+            </a:r>
+          </a:p>
+          <a:p>
+            <a:pPr lvl="1"/>
+            <a:r>
+              <a:rPr lang="en-US" dirty="0"/>
+              <a:t>[Preview]: Audit Windows VM should not allow previous 24 passwords</a:t>
+            </a:r>
           </a:p>
         </p:txBody>
       </p:sp>
@@ -30997,8 +31041,8 @@
         </p:nvSpPr>
         <p:spPr>
           <a:xfrm>
-            <a:off x="394357" y="338959"/>
-            <a:ext cx="11017250" cy="554038"/>
+            <a:off x="317500" y="338958"/>
+            <a:ext cx="11557000" cy="430887"/>
           </a:xfrm>
         </p:spPr>
         <p:txBody>
@@ -31006,8 +31050,8 @@
           <a:lstStyle/>
           <a:p>
             <a:r>
-              <a:rPr lang="en-IE" dirty="0"/>
-              <a:t>Customer Needs—Resource Consistency</a:t>
+              <a:rPr lang="en-IE" sz="2800" dirty="0"/>
+              <a:t>Customer Needs—Security Baseline Controls Backlog</a:t>
             </a:r>
           </a:p>
         </p:txBody>
@@ -31015,7 +31059,7 @@
     </p:spTree>
     <p:extLst>
       <p:ext uri="{BB962C8B-B14F-4D97-AF65-F5344CB8AC3E}">
-        <p14:creationId xmlns:p14="http://schemas.microsoft.com/office/powerpoint/2010/main" val="2587690678"/>
+        <p14:creationId xmlns:p14="http://schemas.microsoft.com/office/powerpoint/2010/main" val="2609170845"/>
       </p:ext>
     </p:extLst>
   </p:cSld>
@@ -31064,7 +31108,7 @@
         <p:spPr>
           <a:xfrm>
             <a:off x="394357" y="1102327"/>
-            <a:ext cx="11652250" cy="5687711"/>
+            <a:ext cx="11652250" cy="5673725"/>
           </a:xfrm>
         </p:spPr>
         <p:txBody>
@@ -31072,57 +31116,56 @@
           <a:lstStyle/>
           <a:p>
             <a:r>
-              <a:rPr lang="en-US" dirty="0"/>
-              <a:t>Rules that are too permissive may allow unintended network access and should be reviewed. Monitor unprotected endpoints, applications, and storage accounts. Endpoints and applications that aren't protected by a firewall, and storage accounts with unrestricted access can allow unintended access to information contained within the information system.</a:t>
-            </a:r>
-          </a:p>
-          <a:p>
-            <a:pPr lvl="1"/>
-            <a:r>
-              <a:rPr lang="en-US" dirty="0"/>
-              <a:t>Audit unrestricted network access to storage accounts</a:t>
-            </a:r>
-          </a:p>
-          <a:p>
-            <a:pPr lvl="1"/>
-            <a:r>
-              <a:rPr lang="en-US" dirty="0"/>
-              <a:t>Access through Internet facing endpoint should be restricted</a:t>
-            </a:r>
-          </a:p>
-          <a:p>
-            <a:pPr lvl="1"/>
-            <a:r>
-              <a:rPr lang="en-US" dirty="0"/>
-              <a:t>Allowed locations</a:t>
-            </a:r>
-          </a:p>
-          <a:p>
-            <a:pPr lvl="1"/>
-            <a:r>
-              <a:rPr lang="en-US" dirty="0"/>
-              <a:t>Allowed locations for resource groups</a:t>
-            </a:r>
-          </a:p>
-          <a:p>
-            <a:pPr lvl="1"/>
-            <a:r>
-              <a:rPr lang="en-US" dirty="0"/>
-              <a:t>Audit use of classic storage accounts</a:t>
-            </a:r>
-          </a:p>
-          <a:p>
-            <a:pPr lvl="1"/>
-            <a:r>
-              <a:rPr lang="en-US" dirty="0"/>
-              <a:t>Audit use of classic virtual machines</a:t>
-            </a:r>
-          </a:p>
-          <a:p>
-            <a:pPr lvl="1"/>
-            <a:r>
-              <a:rPr lang="en-US" dirty="0"/>
-              <a:t>Audit VMs that do not use managed disks</a:t>
+              <a:rPr lang="en-US" sz="3200" dirty="0"/>
+              <a:t>Allow the Cloud Governance team to control which Azure services can be used across the business units, while allowing controlled exceptions</a:t>
+            </a:r>
+          </a:p>
+          <a:p>
+            <a:pPr lvl="1">
+              <a:spcBef>
+                <a:spcPts val="600"/>
+              </a:spcBef>
+            </a:pPr>
+            <a:r>
+              <a:rPr lang="en-US" sz="2800" dirty="0">
+                <a:latin typeface="+mj-lt"/>
+              </a:rPr>
+              <a:t>Control resource types and expensive configurations within common resource types</a:t>
+            </a:r>
+          </a:p>
+          <a:p>
+            <a:pPr lvl="1">
+              <a:spcBef>
+                <a:spcPts val="600"/>
+              </a:spcBef>
+            </a:pPr>
+            <a:r>
+              <a:rPr lang="en-US" sz="2800" dirty="0">
+                <a:latin typeface="+mj-lt"/>
+              </a:rPr>
+              <a:t>Exceptions must be limited to a specific resource type and resource group</a:t>
+            </a:r>
+          </a:p>
+          <a:p>
+            <a:pPr>
+              <a:spcBef>
+                <a:spcPts val="1800"/>
+              </a:spcBef>
+            </a:pPr>
+            <a:r>
+              <a:rPr lang="en-US" sz="3200" dirty="0"/>
+              <a:t>Prevent accidental deletion of resources</a:t>
+            </a:r>
+          </a:p>
+          <a:p>
+            <a:pPr>
+              <a:spcBef>
+                <a:spcPts val="1800"/>
+              </a:spcBef>
+            </a:pPr>
+            <a:r>
+              <a:rPr lang="en-US" sz="3200" dirty="0"/>
+              <a:t>Implement a common resource naming standard across the organization</a:t>
             </a:r>
           </a:p>
           <a:p>
@@ -31149,7 +31192,7 @@
         <p:spPr>
           <a:xfrm>
             <a:off x="394357" y="338959"/>
-            <a:ext cx="11403286" cy="430887"/>
+            <a:ext cx="11017250" cy="554038"/>
           </a:xfrm>
         </p:spPr>
         <p:txBody>
@@ -31157,21 +31200,16 @@
           <a:lstStyle/>
           <a:p>
             <a:r>
-              <a:rPr lang="en-IE" sz="2800" dirty="0"/>
-              <a:t>Customer Needs—Resource Consistency </a:t>
-            </a:r>
-            <a:r>
-              <a:rPr lang="en-US" sz="2800" b="1" dirty="0"/>
-              <a:t>Control Backlog</a:t>
-            </a:r>
-            <a:endParaRPr lang="en-IE" sz="2800" dirty="0"/>
+              <a:rPr lang="en-IE" dirty="0"/>
+              <a:t>Customer Needs—Resource Consistency</a:t>
+            </a:r>
           </a:p>
         </p:txBody>
       </p:sp>
     </p:spTree>
     <p:extLst>
       <p:ext uri="{BB962C8B-B14F-4D97-AF65-F5344CB8AC3E}">
-        <p14:creationId xmlns:p14="http://schemas.microsoft.com/office/powerpoint/2010/main" val="702931946"/>
+        <p14:creationId xmlns:p14="http://schemas.microsoft.com/office/powerpoint/2010/main" val="2587690678"/>
       </p:ext>
     </p:extLst>
   </p:cSld>
@@ -31219,61 +31257,70 @@
         </p:nvSpPr>
         <p:spPr>
           <a:xfrm>
-            <a:off x="269875" y="1125975"/>
-            <a:ext cx="11652250" cy="5599112"/>
+            <a:off x="394357" y="1102327"/>
+            <a:ext cx="11652250" cy="5687711"/>
           </a:xfrm>
         </p:spPr>
         <p:txBody>
           <a:bodyPr/>
           <a:lstStyle/>
           <a:p>
-            <a:pPr>
-              <a:spcBef>
-                <a:spcPts val="1800"/>
-              </a:spcBef>
-            </a:pPr>
-            <a:r>
-              <a:rPr lang="en-US" sz="3600" dirty="0"/>
-              <a:t>Delegate access management to business units for each application they own</a:t>
-            </a:r>
-          </a:p>
-          <a:p>
-            <a:pPr lvl="1">
-              <a:spcBef>
-                <a:spcPts val="600"/>
-              </a:spcBef>
-            </a:pPr>
-            <a:r>
-              <a:rPr lang="en-US" sz="2800" dirty="0">
-                <a:latin typeface="+mj-lt"/>
-              </a:rPr>
-              <a:t>Business unit administrators should not be able to change or override policies defined by the Cloud Governance team</a:t>
-            </a:r>
-          </a:p>
-          <a:p>
-            <a:pPr>
-              <a:spcBef>
-                <a:spcPts val="1800"/>
-              </a:spcBef>
-            </a:pPr>
-            <a:r>
-              <a:rPr lang="en-US" sz="3600" dirty="0"/>
-              <a:t>Ensure staff have access to what they need, but no more, while enforcing that only built-in roles are used</a:t>
-            </a:r>
-          </a:p>
-          <a:p>
-            <a:pPr>
-              <a:spcBef>
-                <a:spcPts val="1800"/>
-              </a:spcBef>
-            </a:pPr>
-            <a:r>
-              <a:rPr lang="en-US" sz="3600" dirty="0"/>
-              <a:t>Identify a solution to streamline identity management and provide remote access for e-commerce team contingent staff</a:t>
-            </a:r>
-          </a:p>
-          <a:p>
-            <a:endParaRPr lang="en-IE" sz="3600" dirty="0"/>
+            <a:r>
+              <a:rPr lang="en-US" dirty="0"/>
+              <a:t>Rules that are too permissive may allow unintended network access and should be reviewed. Monitor unprotected endpoints, applications, and storage accounts. Endpoints and applications that aren't protected by a firewall, and storage accounts with unrestricted access can allow unintended access to information contained within the information system.</a:t>
+            </a:r>
+          </a:p>
+          <a:p>
+            <a:pPr lvl="1"/>
+            <a:r>
+              <a:rPr lang="en-US" dirty="0"/>
+              <a:t>Audit unrestricted network access to storage accounts</a:t>
+            </a:r>
+          </a:p>
+          <a:p>
+            <a:pPr lvl="1"/>
+            <a:r>
+              <a:rPr lang="en-US" dirty="0"/>
+              <a:t>Access through Internet facing endpoint should be restricted</a:t>
+            </a:r>
+          </a:p>
+          <a:p>
+            <a:pPr lvl="1"/>
+            <a:r>
+              <a:rPr lang="en-US" dirty="0"/>
+              <a:t>Allowed locations</a:t>
+            </a:r>
+          </a:p>
+          <a:p>
+            <a:pPr lvl="1"/>
+            <a:r>
+              <a:rPr lang="en-US" dirty="0"/>
+              <a:t>Allowed locations for resource groups</a:t>
+            </a:r>
+          </a:p>
+          <a:p>
+            <a:pPr lvl="1"/>
+            <a:r>
+              <a:rPr lang="en-US" dirty="0"/>
+              <a:t>Audit use of classic storage accounts</a:t>
+            </a:r>
+          </a:p>
+          <a:p>
+            <a:pPr lvl="1"/>
+            <a:r>
+              <a:rPr lang="en-US" dirty="0"/>
+              <a:t>Audit use of classic virtual machines</a:t>
+            </a:r>
+          </a:p>
+          <a:p>
+            <a:pPr lvl="1"/>
+            <a:r>
+              <a:rPr lang="en-US" dirty="0"/>
+              <a:t>Audit VMs that do not use managed disks</a:t>
+            </a:r>
+          </a:p>
+          <a:p>
+            <a:endParaRPr lang="en-IE" dirty="0"/>
           </a:p>
         </p:txBody>
       </p:sp>
@@ -31295,8 +31342,8 @@
         </p:nvSpPr>
         <p:spPr>
           <a:xfrm>
-            <a:off x="317500" y="338958"/>
-            <a:ext cx="11017250" cy="554038"/>
+            <a:off x="394357" y="338959"/>
+            <a:ext cx="11403286" cy="430887"/>
           </a:xfrm>
         </p:spPr>
         <p:txBody>
@@ -31304,16 +31351,21 @@
           <a:lstStyle/>
           <a:p>
             <a:r>
-              <a:rPr lang="en-IE" dirty="0"/>
-              <a:t>Customer Needs—Identity Baseline</a:t>
-            </a:r>
+              <a:rPr lang="en-IE" sz="2800" dirty="0"/>
+              <a:t>Customer Needs—Resource Consistency </a:t>
+            </a:r>
+            <a:r>
+              <a:rPr lang="en-US" sz="2800" b="1" dirty="0"/>
+              <a:t>Control Backlog</a:t>
+            </a:r>
+            <a:endParaRPr lang="en-IE" sz="2800" dirty="0"/>
           </a:p>
         </p:txBody>
       </p:sp>
     </p:spTree>
     <p:extLst>
       <p:ext uri="{BB962C8B-B14F-4D97-AF65-F5344CB8AC3E}">
-        <p14:creationId xmlns:p14="http://schemas.microsoft.com/office/powerpoint/2010/main" val="3557955242"/>
+        <p14:creationId xmlns:p14="http://schemas.microsoft.com/office/powerpoint/2010/main" val="702931946"/>
       </p:ext>
     </p:extLst>
   </p:cSld>
@@ -31362,34 +31414,56 @@
         <p:spPr>
           <a:xfrm>
             <a:off x="269875" y="1125975"/>
-            <a:ext cx="11652250" cy="3939540"/>
+            <a:ext cx="11652250" cy="5599112"/>
           </a:xfrm>
         </p:spPr>
         <p:txBody>
           <a:bodyPr/>
           <a:lstStyle/>
           <a:p>
-            <a:r>
-              <a:rPr lang="en-US" dirty="0"/>
-              <a:t>[Preview]: Audit deprecated accounts on a subscription</a:t>
-            </a:r>
-          </a:p>
-          <a:p>
-            <a:r>
-              <a:rPr lang="en-US" dirty="0"/>
-              <a:t>[Preview]: Audit deprecated accounts with owner permissions on a subscription</a:t>
-            </a:r>
-          </a:p>
-          <a:p>
-            <a:r>
-              <a:rPr lang="en-US" dirty="0"/>
-              <a:t>[Preview]: Audit external accounts with owner permissions on a subscription</a:t>
-            </a:r>
-          </a:p>
-          <a:p>
-            <a:r>
-              <a:rPr lang="en-US" dirty="0"/>
-              <a:t>[Preview]: Audit external accounts with write permissions on a subscription</a:t>
+            <a:pPr>
+              <a:spcBef>
+                <a:spcPts val="1800"/>
+              </a:spcBef>
+            </a:pPr>
+            <a:r>
+              <a:rPr lang="en-US" sz="3600" dirty="0"/>
+              <a:t>Delegate access management to business units for each application they own</a:t>
+            </a:r>
+          </a:p>
+          <a:p>
+            <a:pPr lvl="1">
+              <a:spcBef>
+                <a:spcPts val="600"/>
+              </a:spcBef>
+            </a:pPr>
+            <a:r>
+              <a:rPr lang="en-US" sz="2800" dirty="0">
+                <a:latin typeface="+mj-lt"/>
+              </a:rPr>
+              <a:t>Business unit administrators should not be able to change or override policies defined by the Cloud Governance team</a:t>
+            </a:r>
+          </a:p>
+          <a:p>
+            <a:pPr>
+              <a:spcBef>
+                <a:spcPts val="1800"/>
+              </a:spcBef>
+            </a:pPr>
+            <a:r>
+              <a:rPr lang="en-US" sz="3600" dirty="0"/>
+              <a:t>Ensure staff have access to what they need, but no more, while enforcing that only built-in roles are used</a:t>
+            </a:r>
+          </a:p>
+          <a:p>
+            <a:pPr>
+              <a:spcBef>
+                <a:spcPts val="1800"/>
+              </a:spcBef>
+            </a:pPr>
+            <a:r>
+              <a:rPr lang="en-US" sz="3600" dirty="0"/>
+              <a:t>Identify a solution to streamline identity management and provide remote access for e-commerce team contingent staff</a:t>
             </a:r>
           </a:p>
           <a:p>
@@ -31425,7 +31499,7 @@
           <a:p>
             <a:r>
               <a:rPr lang="en-IE" dirty="0"/>
-              <a:t>Customer Needs—Identity Baseline Controls Backlog</a:t>
+              <a:t>Customer Needs—Identity Baseline</a:t>
             </a:r>
           </a:p>
         </p:txBody>
@@ -31433,7 +31507,7 @@
     </p:spTree>
     <p:extLst>
       <p:ext uri="{BB962C8B-B14F-4D97-AF65-F5344CB8AC3E}">
-        <p14:creationId xmlns:p14="http://schemas.microsoft.com/office/powerpoint/2010/main" val="1879665482"/>
+        <p14:creationId xmlns:p14="http://schemas.microsoft.com/office/powerpoint/2010/main" val="3557955242"/>
       </p:ext>
     </p:extLst>
   </p:cSld>
@@ -31481,58 +31555,39 @@
         </p:nvSpPr>
         <p:spPr>
           <a:xfrm>
-            <a:off x="317500" y="1133858"/>
-            <a:ext cx="11652250" cy="4776787"/>
+            <a:off x="269875" y="1125975"/>
+            <a:ext cx="11652250" cy="3939540"/>
           </a:xfrm>
         </p:spPr>
         <p:txBody>
           <a:bodyPr/>
           <a:lstStyle/>
           <a:p>
-            <a:pPr>
-              <a:spcBef>
-                <a:spcPts val="1800"/>
-              </a:spcBef>
-            </a:pPr>
-            <a:r>
-              <a:rPr lang="en-US" sz="3200" dirty="0"/>
-              <a:t>Implement deployment automation while allowing controlled divergence between environments</a:t>
-            </a:r>
-          </a:p>
-          <a:p>
-            <a:pPr lvl="1">
-              <a:spcBef>
-                <a:spcPts val="600"/>
-              </a:spcBef>
-            </a:pPr>
-            <a:r>
-              <a:rPr lang="en-US" sz="2800" dirty="0">
-                <a:latin typeface="+mj-lt"/>
-              </a:rPr>
-              <a:t>E.g. smaller footprint for Dev/Test environments</a:t>
-            </a:r>
-          </a:p>
-          <a:p>
-            <a:pPr>
-              <a:spcBef>
-                <a:spcPts val="1800"/>
-              </a:spcBef>
-            </a:pPr>
-            <a:r>
-              <a:rPr lang="en-US" sz="3200" dirty="0"/>
-              <a:t>Provide a means to track and update existing best-practice reference implementation deployments to meet updated best practices</a:t>
-            </a:r>
-          </a:p>
-          <a:p>
-            <a:pPr>
-              <a:spcBef>
-                <a:spcPts val="1800"/>
-              </a:spcBef>
-            </a:pPr>
-            <a:r>
-              <a:rPr lang="en-US" sz="3200" dirty="0"/>
-              <a:t>Provide a means to prevent best-practice reference implementation deployments being modified outside the control of the Cloud Governance team</a:t>
-            </a:r>
+            <a:r>
+              <a:rPr lang="en-US" dirty="0"/>
+              <a:t>[Preview]: Audit deprecated accounts on a subscription</a:t>
+            </a:r>
+          </a:p>
+          <a:p>
+            <a:r>
+              <a:rPr lang="en-US" dirty="0"/>
+              <a:t>[Preview]: Audit deprecated accounts with owner permissions on a subscription</a:t>
+            </a:r>
+          </a:p>
+          <a:p>
+            <a:r>
+              <a:rPr lang="en-US" dirty="0"/>
+              <a:t>[Preview]: Audit external accounts with owner permissions on a subscription</a:t>
+            </a:r>
+          </a:p>
+          <a:p>
+            <a:r>
+              <a:rPr lang="en-US" dirty="0"/>
+              <a:t>[Preview]: Audit external accounts with write permissions on a subscription</a:t>
+            </a:r>
+          </a:p>
+          <a:p>
+            <a:endParaRPr lang="en-IE" sz="3600" dirty="0"/>
           </a:p>
         </p:txBody>
       </p:sp>
@@ -31554,7 +31609,7 @@
         </p:nvSpPr>
         <p:spPr>
           <a:xfrm>
-            <a:off x="317500" y="338137"/>
+            <a:off x="317500" y="338958"/>
             <a:ext cx="11017250" cy="554038"/>
           </a:xfrm>
         </p:spPr>
@@ -31564,7 +31619,7 @@
           <a:p>
             <a:r>
               <a:rPr lang="en-IE" dirty="0"/>
-              <a:t>Customer Needs—Deployment Acceleration</a:t>
+              <a:t>Customer Needs—Identity Baseline Controls Backlog</a:t>
             </a:r>
           </a:p>
         </p:txBody>
@@ -31572,7 +31627,7 @@
     </p:spTree>
     <p:extLst>
       <p:ext uri="{BB962C8B-B14F-4D97-AF65-F5344CB8AC3E}">
-        <p14:creationId xmlns:p14="http://schemas.microsoft.com/office/powerpoint/2010/main" val="3363784921"/>
+        <p14:creationId xmlns:p14="http://schemas.microsoft.com/office/powerpoint/2010/main" val="1879665482"/>
       </p:ext>
     </p:extLst>
   </p:cSld>
@@ -31621,6 +31676,145 @@
         <p:spPr>
           <a:xfrm>
             <a:off x="317500" y="1133858"/>
+            <a:ext cx="11652250" cy="4776787"/>
+          </a:xfrm>
+        </p:spPr>
+        <p:txBody>
+          <a:bodyPr/>
+          <a:lstStyle/>
+          <a:p>
+            <a:pPr>
+              <a:spcBef>
+                <a:spcPts val="1800"/>
+              </a:spcBef>
+            </a:pPr>
+            <a:r>
+              <a:rPr lang="en-US" sz="3200" dirty="0"/>
+              <a:t>Implement deployment automation while allowing controlled divergence between environments</a:t>
+            </a:r>
+          </a:p>
+          <a:p>
+            <a:pPr lvl="1">
+              <a:spcBef>
+                <a:spcPts val="600"/>
+              </a:spcBef>
+            </a:pPr>
+            <a:r>
+              <a:rPr lang="en-US" sz="2800" dirty="0">
+                <a:latin typeface="+mj-lt"/>
+              </a:rPr>
+              <a:t>E.g. smaller footprint for Dev/Test environments</a:t>
+            </a:r>
+          </a:p>
+          <a:p>
+            <a:pPr>
+              <a:spcBef>
+                <a:spcPts val="1800"/>
+              </a:spcBef>
+            </a:pPr>
+            <a:r>
+              <a:rPr lang="en-US" sz="3200" dirty="0"/>
+              <a:t>Provide a means to track and update existing best-practice reference implementation deployments to meet updated best practices</a:t>
+            </a:r>
+          </a:p>
+          <a:p>
+            <a:pPr>
+              <a:spcBef>
+                <a:spcPts val="1800"/>
+              </a:spcBef>
+            </a:pPr>
+            <a:r>
+              <a:rPr lang="en-US" sz="3200" dirty="0"/>
+              <a:t>Provide a means to prevent best-practice reference implementation deployments being modified outside the control of the Cloud Governance team</a:t>
+            </a:r>
+          </a:p>
+        </p:txBody>
+      </p:sp>
+      <p:sp>
+        <p:nvSpPr>
+          <p:cNvPr id="3" name="Title 2">
+            <a:extLst>
+              <a:ext uri="{FF2B5EF4-FFF2-40B4-BE49-F238E27FC236}">
+                <a16:creationId xmlns:a16="http://schemas.microsoft.com/office/drawing/2014/main" id="{AB41BA66-A1EC-46C7-833C-D6C0E7B2B745}"/>
+              </a:ext>
+            </a:extLst>
+          </p:cNvPr>
+          <p:cNvSpPr>
+            <a:spLocks noGrp="1"/>
+          </p:cNvSpPr>
+          <p:nvPr>
+            <p:ph type="title" idx="4294967295"/>
+          </p:nvPr>
+        </p:nvSpPr>
+        <p:spPr>
+          <a:xfrm>
+            <a:off x="317500" y="338137"/>
+            <a:ext cx="11017250" cy="554038"/>
+          </a:xfrm>
+        </p:spPr>
+        <p:txBody>
+          <a:bodyPr/>
+          <a:lstStyle/>
+          <a:p>
+            <a:r>
+              <a:rPr lang="en-IE" dirty="0"/>
+              <a:t>Customer Needs—Deployment Acceleration</a:t>
+            </a:r>
+          </a:p>
+        </p:txBody>
+      </p:sp>
+    </p:spTree>
+    <p:extLst>
+      <p:ext uri="{BB962C8B-B14F-4D97-AF65-F5344CB8AC3E}">
+        <p14:creationId xmlns:p14="http://schemas.microsoft.com/office/powerpoint/2010/main" val="3363784921"/>
+      </p:ext>
+    </p:extLst>
+  </p:cSld>
+  <p:clrMapOvr>
+    <a:masterClrMapping/>
+  </p:clrMapOvr>
+  <p:transition>
+    <p:fade/>
+  </p:transition>
+</p:sld>
+</file>
+
+<file path=ppt/slides/slide27.xml><?xml version="1.0" encoding="utf-8"?>
+<p:sld xmlns:a="http://schemas.openxmlformats.org/drawingml/2006/main" xmlns:r="http://schemas.openxmlformats.org/officeDocument/2006/relationships" xmlns:p="http://schemas.openxmlformats.org/presentationml/2006/main">
+  <p:cSld>
+    <p:spTree>
+      <p:nvGrpSpPr>
+        <p:cNvPr id="1" name=""/>
+        <p:cNvGrpSpPr/>
+        <p:nvPr/>
+      </p:nvGrpSpPr>
+      <p:grpSpPr>
+        <a:xfrm>
+          <a:off x="0" y="0"/>
+          <a:ext cx="0" cy="0"/>
+          <a:chOff x="0" y="0"/>
+          <a:chExt cx="0" cy="0"/>
+        </a:xfrm>
+      </p:grpSpPr>
+      <p:sp>
+        <p:nvSpPr>
+          <p:cNvPr id="2" name="Text Placeholder 1">
+            <a:extLst>
+              <a:ext uri="{FF2B5EF4-FFF2-40B4-BE49-F238E27FC236}">
+                <a16:creationId xmlns:a16="http://schemas.microsoft.com/office/drawing/2014/main" id="{94B1CFD0-EE96-4D8C-9380-EEE6C6A42E87}"/>
+              </a:ext>
+            </a:extLst>
+          </p:cNvPr>
+          <p:cNvSpPr>
+            <a:spLocks noGrp="1"/>
+          </p:cNvSpPr>
+          <p:nvPr>
+            <p:ph type="body" sz="quarter" idx="4294967295"/>
+          </p:nvPr>
+        </p:nvSpPr>
+        <p:spPr>
+          <a:xfrm>
+            <a:off x="317500" y="1133858"/>
             <a:ext cx="11652250" cy="3102388"/>
           </a:xfrm>
         </p:spPr>
@@ -31690,7 +31884,7 @@
 </p:sld>
 </file>
 
-<file path=ppt/slides/slide27.xml><?xml version="1.0" encoding="utf-8"?>
+<file path=ppt/slides/slide28.xml><?xml version="1.0" encoding="utf-8"?>
 <p:sld xmlns:a="http://schemas.openxmlformats.org/drawingml/2006/main" xmlns:r="http://schemas.openxmlformats.org/officeDocument/2006/relationships" xmlns:p="http://schemas.openxmlformats.org/presentationml/2006/main">
   <p:cSld>
     <p:spTree>
@@ -31802,7 +31996,7 @@
 </p:sld>
 </file>
 
-<file path=ppt/slides/slide28.xml><?xml version="1.0" encoding="utf-8"?>
+<file path=ppt/slides/slide29.xml><?xml version="1.0" encoding="utf-8"?>
 <p:sld xmlns:a="http://schemas.openxmlformats.org/drawingml/2006/main" xmlns:r="http://schemas.openxmlformats.org/officeDocument/2006/relationships" xmlns:p="http://schemas.openxmlformats.org/presentationml/2006/main">
   <p:cSld>
     <p:spTree>
@@ -31967,7 +32161,7 @@
         </p:nvSpPr>
         <p:spPr>
           <a:xfrm>
-            <a:off x="284225" y="204622"/>
+            <a:off x="426114" y="661822"/>
             <a:ext cx="11018520" cy="1169551"/>
           </a:xfrm>
         </p:spPr>
@@ -31989,7 +32183,7 @@
                   <a:schemeClr val="bg1"/>
                 </a:solidFill>
               </a:rPr>
-              <a:t>Workshop Lab B - Ready</a:t>
+              <a:t>Workshop Lab A - Ready</a:t>
             </a:r>
             <a:br>
               <a:rPr lang="en-US" sz="4400" dirty="0">
@@ -32004,7 +32198,7 @@
                   <a:schemeClr val="bg1"/>
                 </a:solidFill>
               </a:rPr>
-              <a:t>Expand the landing zone (Network)</a:t>
+              <a:t>Implement the landing zone</a:t>
             </a:r>
             <a:endParaRPr lang="en-US" dirty="0">
               <a:solidFill>
@@ -32014,40 +32208,173 @@
           </a:p>
         </p:txBody>
       </p:sp>
-      <p:pic>
-        <p:nvPicPr>
-          <p:cNvPr id="5" name="Picture 4">
+      <p:sp>
+        <p:nvSpPr>
+          <p:cNvPr id="3" name="TextBox 2">
             <a:extLst>
               <a:ext uri="{FF2B5EF4-FFF2-40B4-BE49-F238E27FC236}">
-                <a16:creationId xmlns:a16="http://schemas.microsoft.com/office/drawing/2014/main" id="{F5877642-C7CB-43BA-834B-BC15819A38E6}"/>
+                <a16:creationId xmlns:a16="http://schemas.microsoft.com/office/drawing/2014/main" id="{56116777-CBC1-4CBD-B255-FDDB899FFC61}"/>
               </a:ext>
             </a:extLst>
           </p:cNvPr>
-          <p:cNvPicPr>
-            <a:picLocks noChangeAspect="1"/>
-          </p:cNvPicPr>
+          <p:cNvSpPr txBox="1"/>
           <p:nvPr/>
-        </p:nvPicPr>
-        <p:blipFill>
-          <a:blip r:embed="rId3"/>
-          <a:stretch>
-            <a:fillRect/>
-          </a:stretch>
-        </p:blipFill>
+        </p:nvSpPr>
         <p:spPr>
           <a:xfrm>
-            <a:off x="0" y="1790310"/>
-            <a:ext cx="12192000" cy="5025666"/>
+            <a:off x="426114" y="2549534"/>
+            <a:ext cx="9748528" cy="2585323"/>
           </a:xfrm>
           <a:prstGeom prst="rect">
             <a:avLst/>
           </a:prstGeom>
+          <a:noFill/>
         </p:spPr>
-      </p:pic>
+        <p:txBody>
+          <a:bodyPr wrap="square" lIns="0" tIns="0" rIns="0" bIns="0" rtlCol="0">
+            <a:spAutoFit/>
+          </a:bodyPr>
+          <a:lstStyle/>
+          <a:p>
+            <a:pPr marL="457200" marR="0" lvl="0" indent="-457200" algn="l" defTabSz="914400" rtl="0" eaLnBrk="1" fontAlgn="auto" latinLnBrk="0" hangingPunct="1">
+              <a:lnSpc>
+                <a:spcPct val="100000"/>
+              </a:lnSpc>
+              <a:spcBef>
+                <a:spcPts val="0"/>
+              </a:spcBef>
+              <a:spcAft>
+                <a:spcPts val="0"/>
+              </a:spcAft>
+              <a:buClrTx/>
+              <a:buSzTx/>
+              <a:buFont typeface="+mj-lt"/>
+              <a:buAutoNum type="arabicPeriod"/>
+              <a:tabLst/>
+              <a:defRPr/>
+            </a:pPr>
+            <a:r>
+              <a:rPr kumimoji="0" lang="en-US" sz="2800" b="0" i="0" u="none" strike="noStrike" kern="1200" cap="none" spc="0" normalizeH="0" baseline="0" noProof="0" dirty="0">
+                <a:ln>
+                  <a:noFill/>
+                </a:ln>
+                <a:solidFill>
+                  <a:srgbClr val="FFFFFF"/>
+                </a:solidFill>
+                <a:effectLst/>
+                <a:uLnTx/>
+                <a:uFillTx/>
+                <a:latin typeface="Segoe UI"/>
+                <a:ea typeface="+mn-ea"/>
+                <a:cs typeface="+mn-cs"/>
+              </a:rPr>
+              <a:t>Deploy the CAF Migrate landing zone blueprint to your subscription - </a:t>
+            </a:r>
+            <a:r>
+              <a:rPr kumimoji="0" lang="en-US" sz="2800" b="0" i="0" u="none" strike="noStrike" kern="1200" cap="none" spc="0" normalizeH="0" baseline="0" noProof="0" dirty="0">
+                <a:ln>
+                  <a:noFill/>
+                </a:ln>
+                <a:solidFill>
+                  <a:srgbClr val="000000"/>
+                </a:solidFill>
+                <a:effectLst/>
+                <a:uLnTx/>
+                <a:uFillTx/>
+                <a:latin typeface="Segoe UI"/>
+                <a:ea typeface="+mn-ea"/>
+                <a:cs typeface="+mn-cs"/>
+                <a:hlinkClick r:id="rId3"/>
+              </a:rPr>
+              <a:t>https://docs.microsoft.com/en-us/azure/governance/blueprints/samples/caf-migrate-landing-zone/index</a:t>
+            </a:r>
+            <a:endParaRPr kumimoji="0" lang="en-US" sz="2800" b="0" i="0" u="none" strike="noStrike" kern="1200" cap="none" spc="0" normalizeH="0" baseline="0" noProof="0" dirty="0">
+              <a:ln>
+                <a:noFill/>
+              </a:ln>
+              <a:solidFill>
+                <a:srgbClr val="000000"/>
+              </a:solidFill>
+              <a:effectLst/>
+              <a:uLnTx/>
+              <a:uFillTx/>
+              <a:latin typeface="Segoe UI"/>
+              <a:ea typeface="+mn-ea"/>
+              <a:cs typeface="+mn-cs"/>
+            </a:endParaRPr>
+          </a:p>
+          <a:p>
+            <a:pPr marL="0" marR="0" lvl="0" indent="0" algn="l" defTabSz="914400" rtl="0" eaLnBrk="1" fontAlgn="auto" latinLnBrk="0" hangingPunct="1">
+              <a:lnSpc>
+                <a:spcPct val="100000"/>
+              </a:lnSpc>
+              <a:spcBef>
+                <a:spcPts val="0"/>
+              </a:spcBef>
+              <a:spcAft>
+                <a:spcPts val="0"/>
+              </a:spcAft>
+              <a:buClrTx/>
+              <a:buSzTx/>
+              <a:buFontTx/>
+              <a:buNone/>
+              <a:tabLst/>
+              <a:defRPr/>
+            </a:pPr>
+            <a:endParaRPr kumimoji="0" lang="en-US" sz="2800" b="0" i="0" u="none" strike="noStrike" kern="1200" cap="none" spc="0" normalizeH="0" baseline="0" noProof="0" dirty="0">
+              <a:ln>
+                <a:noFill/>
+              </a:ln>
+              <a:solidFill>
+                <a:srgbClr val="FFFFFF"/>
+              </a:solidFill>
+              <a:effectLst/>
+              <a:uLnTx/>
+              <a:uFillTx/>
+              <a:latin typeface="Segoe UI"/>
+              <a:ea typeface="+mn-ea"/>
+              <a:cs typeface="+mn-cs"/>
+            </a:endParaRPr>
+          </a:p>
+          <a:p>
+            <a:pPr marL="457200" marR="0" lvl="0" indent="-457200" algn="l" defTabSz="914400" rtl="0" eaLnBrk="1" fontAlgn="auto" latinLnBrk="0" hangingPunct="1">
+              <a:lnSpc>
+                <a:spcPct val="100000"/>
+              </a:lnSpc>
+              <a:spcBef>
+                <a:spcPts val="0"/>
+              </a:spcBef>
+              <a:spcAft>
+                <a:spcPts val="0"/>
+              </a:spcAft>
+              <a:buClrTx/>
+              <a:buSzTx/>
+              <a:buFont typeface="+mj-lt"/>
+              <a:buAutoNum type="arabicPeriod"/>
+              <a:tabLst/>
+              <a:defRPr/>
+            </a:pPr>
+            <a:endParaRPr kumimoji="0" lang="en-US" sz="2800" b="0" i="0" u="none" strike="noStrike" kern="1200" cap="none" spc="0" normalizeH="0" baseline="0" noProof="0" dirty="0">
+              <a:ln>
+                <a:noFill/>
+              </a:ln>
+              <a:solidFill>
+                <a:srgbClr val="FFFFFF"/>
+              </a:solidFill>
+              <a:effectLst/>
+              <a:uLnTx/>
+              <a:uFillTx/>
+              <a:latin typeface="Segoe UI"/>
+              <a:ea typeface="+mn-ea"/>
+              <a:cs typeface="+mn-cs"/>
+            </a:endParaRPr>
+          </a:p>
+        </p:txBody>
+      </p:sp>
     </p:spTree>
     <p:extLst>
       <p:ext uri="{BB962C8B-B14F-4D97-AF65-F5344CB8AC3E}">
-        <p14:creationId xmlns:p14="http://schemas.microsoft.com/office/powerpoint/2010/main" val="2746862183"/>
+        <p14:creationId xmlns:p14="http://schemas.microsoft.com/office/powerpoint/2010/main" val="529704729"/>
       </p:ext>
     </p:extLst>
   </p:cSld>
@@ -32106,7 +32433,7 @@
         </p:nvSpPr>
         <p:spPr>
           <a:xfrm>
-            <a:off x="426114" y="661822"/>
+            <a:off x="284225" y="204622"/>
             <a:ext cx="11018520" cy="1169551"/>
           </a:xfrm>
         </p:spPr>
@@ -32128,7 +32455,7 @@
                   <a:schemeClr val="bg1"/>
                 </a:solidFill>
               </a:rPr>
-              <a:t>Workshop Lab A - Govern</a:t>
+              <a:t>Workshop Lab B - Ready</a:t>
             </a:r>
             <a:br>
               <a:rPr lang="en-US" sz="4400" dirty="0">
@@ -32143,7 +32470,7 @@
                   <a:schemeClr val="bg1"/>
                 </a:solidFill>
               </a:rPr>
-              <a:t>Governance Assessment</a:t>
+              <a:t>Expand the landing zone (Network)</a:t>
             </a:r>
             <a:endParaRPr lang="en-US" dirty="0">
               <a:solidFill>
@@ -32153,288 +32480,40 @@
           </a:p>
         </p:txBody>
       </p:sp>
-      <p:sp>
-        <p:nvSpPr>
-          <p:cNvPr id="3" name="TextBox 2">
+      <p:pic>
+        <p:nvPicPr>
+          <p:cNvPr id="5" name="Picture 4">
             <a:extLst>
               <a:ext uri="{FF2B5EF4-FFF2-40B4-BE49-F238E27FC236}">
-                <a16:creationId xmlns:a16="http://schemas.microsoft.com/office/drawing/2014/main" id="{56116777-CBC1-4CBD-B255-FDDB899FFC61}"/>
+                <a16:creationId xmlns:a16="http://schemas.microsoft.com/office/drawing/2014/main" id="{F5877642-C7CB-43BA-834B-BC15819A38E6}"/>
               </a:ext>
             </a:extLst>
           </p:cNvPr>
-          <p:cNvSpPr txBox="1"/>
+          <p:cNvPicPr>
+            <a:picLocks noChangeAspect="1"/>
+          </p:cNvPicPr>
           <p:nvPr/>
-        </p:nvSpPr>
+        </p:nvPicPr>
+        <p:blipFill>
+          <a:blip r:embed="rId3"/>
+          <a:stretch>
+            <a:fillRect/>
+          </a:stretch>
+        </p:blipFill>
         <p:spPr>
           <a:xfrm>
-            <a:off x="426114" y="2549534"/>
-            <a:ext cx="9748528" cy="3754874"/>
+            <a:off x="0" y="1790310"/>
+            <a:ext cx="12192000" cy="5025666"/>
           </a:xfrm>
           <a:prstGeom prst="rect">
             <a:avLst/>
           </a:prstGeom>
-          <a:noFill/>
         </p:spPr>
-        <p:txBody>
-          <a:bodyPr wrap="square" lIns="0" tIns="0" rIns="0" bIns="0" rtlCol="0">
-            <a:spAutoFit/>
-          </a:bodyPr>
-          <a:lstStyle/>
-          <a:p>
-            <a:pPr marL="457200" marR="0" lvl="0" indent="-457200" algn="l" defTabSz="914400" rtl="0" eaLnBrk="1" fontAlgn="auto" latinLnBrk="0" hangingPunct="1">
-              <a:lnSpc>
-                <a:spcPct val="100000"/>
-              </a:lnSpc>
-              <a:spcBef>
-                <a:spcPts val="0"/>
-              </a:spcBef>
-              <a:spcAft>
-                <a:spcPts val="0"/>
-              </a:spcAft>
-              <a:buClrTx/>
-              <a:buSzTx/>
-              <a:buFont typeface="+mj-lt"/>
-              <a:buAutoNum type="arabicPeriod"/>
-              <a:tabLst/>
-              <a:defRPr/>
-            </a:pPr>
-            <a:r>
-              <a:rPr kumimoji="0" lang="en-US" sz="2800" b="0" i="0" u="none" strike="noStrike" kern="1200" cap="none" spc="0" normalizeH="0" baseline="0" noProof="0" dirty="0">
-                <a:ln>
-                  <a:noFill/>
-                </a:ln>
-                <a:solidFill>
-                  <a:srgbClr val="FFFFFF"/>
-                </a:solidFill>
-                <a:effectLst/>
-                <a:uLnTx/>
-                <a:uFillTx/>
-                <a:latin typeface="Segoe UI"/>
-                <a:ea typeface="+mn-ea"/>
-                <a:cs typeface="+mn-cs"/>
-              </a:rPr>
-              <a:t>Read the Customer situation (slides are in the section called </a:t>
-            </a:r>
-            <a:r>
-              <a:rPr kumimoji="0" lang="en-US" sz="2800" b="0" i="0" u="none" strike="noStrike" kern="1200" cap="none" spc="0" normalizeH="0" baseline="0" noProof="0" dirty="0">
-                <a:ln>
-                  <a:noFill/>
-                </a:ln>
-                <a:solidFill>
-                  <a:srgbClr val="FFFFFF"/>
-                </a:solidFill>
-                <a:effectLst/>
-                <a:uLnTx/>
-                <a:uFillTx/>
-                <a:latin typeface="Segoe UI"/>
-                <a:ea typeface="+mn-ea"/>
-                <a:cs typeface="+mn-cs"/>
-                <a:hlinkClick r:id="rId3" action="ppaction://hlinksldjump"/>
-              </a:rPr>
-              <a:t>Customer situation</a:t>
-            </a:r>
-            <a:r>
-              <a:rPr kumimoji="0" lang="en-US" sz="2800" b="0" i="0" u="none" strike="noStrike" kern="1200" cap="none" spc="0" normalizeH="0" baseline="0" noProof="0" dirty="0">
-                <a:ln>
-                  <a:noFill/>
-                </a:ln>
-                <a:solidFill>
-                  <a:srgbClr val="FFFFFF"/>
-                </a:solidFill>
-                <a:effectLst/>
-                <a:uLnTx/>
-                <a:uFillTx/>
-                <a:latin typeface="Segoe UI"/>
-                <a:ea typeface="+mn-ea"/>
-                <a:cs typeface="+mn-cs"/>
-              </a:rPr>
-              <a:t>)</a:t>
-            </a:r>
-          </a:p>
-          <a:p>
-            <a:pPr marL="457200" marR="0" lvl="0" indent="-457200" algn="l" defTabSz="914400" rtl="0" eaLnBrk="1" fontAlgn="auto" latinLnBrk="0" hangingPunct="1">
-              <a:lnSpc>
-                <a:spcPct val="100000"/>
-              </a:lnSpc>
-              <a:spcBef>
-                <a:spcPts val="0"/>
-              </a:spcBef>
-              <a:spcAft>
-                <a:spcPts val="0"/>
-              </a:spcAft>
-              <a:buClrTx/>
-              <a:buSzTx/>
-              <a:buFont typeface="+mj-lt"/>
-              <a:buAutoNum type="arabicPeriod"/>
-              <a:tabLst/>
-              <a:defRPr/>
-            </a:pPr>
-            <a:r>
-              <a:rPr kumimoji="0" lang="en-US" sz="2800" b="0" i="0" u="none" strike="noStrike" kern="1200" cap="none" spc="0" normalizeH="0" baseline="0" noProof="0" dirty="0">
-                <a:ln>
-                  <a:noFill/>
-                </a:ln>
-                <a:solidFill>
-                  <a:srgbClr val="FFFFFF"/>
-                </a:solidFill>
-                <a:effectLst/>
-                <a:uLnTx/>
-                <a:uFillTx/>
-                <a:latin typeface="Segoe UI"/>
-                <a:ea typeface="+mn-ea"/>
-                <a:cs typeface="+mn-cs"/>
-              </a:rPr>
-              <a:t>Fill out the </a:t>
-            </a:r>
-            <a:r>
-              <a:rPr kumimoji="0" lang="en-US" sz="2800" b="1" i="0" u="none" strike="noStrike" kern="1200" cap="none" spc="0" normalizeH="0" baseline="0" noProof="0" dirty="0">
-                <a:ln>
-                  <a:noFill/>
-                </a:ln>
-                <a:solidFill>
-                  <a:srgbClr val="000000"/>
-                </a:solidFill>
-                <a:effectLst/>
-                <a:uLnTx/>
-                <a:uFillTx/>
-                <a:latin typeface="Segoe UI"/>
-                <a:ea typeface="+mn-ea"/>
-                <a:cs typeface="+mn-cs"/>
-                <a:hlinkClick r:id="rId4"/>
-              </a:rPr>
-              <a:t>Cloud Adoption Framework Governance Benchmark Tool </a:t>
-            </a:r>
-            <a:r>
-              <a:rPr kumimoji="0" lang="en-US" sz="2800" b="0" i="0" u="none" strike="noStrike" kern="1200" cap="none" spc="0" normalizeH="0" baseline="0" noProof="0" dirty="0">
-                <a:ln>
-                  <a:noFill/>
-                </a:ln>
-                <a:solidFill>
-                  <a:srgbClr val="FFFFFF"/>
-                </a:solidFill>
-                <a:effectLst/>
-                <a:uLnTx/>
-                <a:uFillTx/>
-                <a:latin typeface="Segoe UI"/>
-                <a:ea typeface="+mn-ea"/>
-                <a:cs typeface="+mn-cs"/>
-              </a:rPr>
-              <a:t>based on the information on the Customer situation.  </a:t>
-            </a:r>
-            <a:br>
-              <a:rPr kumimoji="0" lang="en-US" sz="2800" b="0" i="0" u="none" strike="noStrike" kern="1200" cap="none" spc="0" normalizeH="0" baseline="0" noProof="0" dirty="0">
-                <a:ln>
-                  <a:noFill/>
-                </a:ln>
-                <a:solidFill>
-                  <a:srgbClr val="FFFFFF"/>
-                </a:solidFill>
-                <a:effectLst/>
-                <a:uLnTx/>
-                <a:uFillTx/>
-                <a:latin typeface="Segoe UI"/>
-                <a:ea typeface="+mn-ea"/>
-                <a:cs typeface="+mn-cs"/>
-              </a:rPr>
-            </a:br>
-            <a:br>
-              <a:rPr kumimoji="0" lang="en-US" sz="2800" b="0" i="0" u="none" strike="noStrike" kern="1200" cap="none" spc="0" normalizeH="0" baseline="0" noProof="0" dirty="0">
-                <a:ln>
-                  <a:noFill/>
-                </a:ln>
-                <a:solidFill>
-                  <a:srgbClr val="FFFFFF"/>
-                </a:solidFill>
-                <a:effectLst/>
-                <a:uLnTx/>
-                <a:uFillTx/>
-                <a:latin typeface="Segoe UI"/>
-                <a:ea typeface="+mn-ea"/>
-                <a:cs typeface="+mn-cs"/>
-              </a:rPr>
-            </a:br>
-            <a:r>
-              <a:rPr kumimoji="0" lang="en-US" sz="2800" b="1" i="0" u="none" strike="noStrike" kern="1200" cap="none" spc="0" normalizeH="0" baseline="0" noProof="0" dirty="0">
-                <a:ln>
-                  <a:noFill/>
-                </a:ln>
-                <a:solidFill>
-                  <a:srgbClr val="FFFFFF"/>
-                </a:solidFill>
-                <a:effectLst/>
-                <a:uLnTx/>
-                <a:uFillTx/>
-                <a:latin typeface="Segoe UI"/>
-                <a:ea typeface="+mn-ea"/>
-                <a:cs typeface="+mn-cs"/>
-              </a:rPr>
-              <a:t>Note:</a:t>
-            </a:r>
-            <a:r>
-              <a:rPr kumimoji="0" lang="en-US" sz="2800" b="0" i="0" u="none" strike="noStrike" kern="1200" cap="none" spc="0" normalizeH="0" baseline="0" noProof="0" dirty="0">
-                <a:ln>
-                  <a:noFill/>
-                </a:ln>
-                <a:solidFill>
-                  <a:srgbClr val="FFFFFF"/>
-                </a:solidFill>
-                <a:effectLst/>
-                <a:uLnTx/>
-                <a:uFillTx/>
-                <a:latin typeface="Segoe UI"/>
-                <a:ea typeface="+mn-ea"/>
-                <a:cs typeface="+mn-cs"/>
-              </a:rPr>
-              <a:t> Some of the information will be incomplete so feel free to take some liberties with the benchmark tool.  </a:t>
-            </a:r>
-          </a:p>
-          <a:p>
-            <a:pPr marL="457200" marR="0" lvl="0" indent="-457200" algn="l" defTabSz="914400" rtl="0" eaLnBrk="1" fontAlgn="auto" latinLnBrk="0" hangingPunct="1">
-              <a:lnSpc>
-                <a:spcPct val="100000"/>
-              </a:lnSpc>
-              <a:spcBef>
-                <a:spcPts val="0"/>
-              </a:spcBef>
-              <a:spcAft>
-                <a:spcPts val="0"/>
-              </a:spcAft>
-              <a:buClrTx/>
-              <a:buSzTx/>
-              <a:buFontTx/>
-              <a:buAutoNum type="arabicParenR"/>
-              <a:tabLst/>
-              <a:defRPr/>
-            </a:pPr>
-            <a:endParaRPr kumimoji="0" lang="en-US" sz="2000" b="0" i="0" u="none" strike="noStrike" kern="1200" cap="none" spc="0" normalizeH="0" baseline="0" noProof="0" dirty="0">
-              <a:ln>
-                <a:noFill/>
-              </a:ln>
-              <a:gradFill>
-                <a:gsLst>
-                  <a:gs pos="2917">
-                    <a:srgbClr val="000000"/>
-                  </a:gs>
-                  <a:gs pos="30000">
-                    <a:srgbClr val="000000"/>
-                  </a:gs>
-                </a:gsLst>
-                <a:lin ang="5400000" scaled="0"/>
-              </a:gradFill>
-              <a:effectLst/>
-              <a:uLnTx/>
-              <a:uFillTx/>
-              <a:latin typeface="Segoe UI"/>
-              <a:ea typeface="+mn-ea"/>
-              <a:cs typeface="+mn-cs"/>
-            </a:endParaRPr>
-          </a:p>
-        </p:txBody>
-      </p:sp>
+      </p:pic>
     </p:spTree>
     <p:extLst>
       <p:ext uri="{BB962C8B-B14F-4D97-AF65-F5344CB8AC3E}">
-        <p14:creationId xmlns:p14="http://schemas.microsoft.com/office/powerpoint/2010/main" val="698156655"/>
+        <p14:creationId xmlns:p14="http://schemas.microsoft.com/office/powerpoint/2010/main" val="2746862183"/>
       </p:ext>
     </p:extLst>
   </p:cSld>
@@ -32515,7 +32594,7 @@
                   <a:schemeClr val="bg1"/>
                 </a:solidFill>
               </a:rPr>
-              <a:t>Workshop Lab B - Govern</a:t>
+              <a:t>Workshop Lab A - Govern</a:t>
             </a:r>
             <a:br>
               <a:rPr lang="en-US" sz="4400" dirty="0">
@@ -32530,7 +32609,7 @@
                   <a:schemeClr val="bg1"/>
                 </a:solidFill>
               </a:rPr>
-              <a:t>Building a Cloud Governance MVP</a:t>
+              <a:t>Governance Assessment</a:t>
             </a:r>
             <a:endParaRPr lang="en-US" dirty="0">
               <a:solidFill>
@@ -32554,8 +32633,8 @@
         </p:nvSpPr>
         <p:spPr>
           <a:xfrm>
-            <a:off x="426114" y="1932017"/>
-            <a:ext cx="9748528" cy="5047536"/>
+            <a:off x="426114" y="2549534"/>
+            <a:ext cx="9748528" cy="3754874"/>
           </a:xfrm>
           <a:prstGeom prst="rect">
             <a:avLst/>
@@ -32568,7 +32647,7 @@
           </a:bodyPr>
           <a:lstStyle/>
           <a:p>
-            <a:pPr marL="0" marR="0" lvl="0" indent="0" algn="l" defTabSz="914400" rtl="0" eaLnBrk="1" fontAlgn="auto" latinLnBrk="0" hangingPunct="1">
+            <a:pPr marL="457200" marR="0" lvl="0" indent="-457200" algn="l" defTabSz="914400" rtl="0" eaLnBrk="1" fontAlgn="auto" latinLnBrk="0" hangingPunct="1">
               <a:lnSpc>
                 <a:spcPct val="100000"/>
               </a:lnSpc>
@@ -32580,8 +32659,8 @@
               </a:spcAft>
               <a:buClrTx/>
               <a:buSzTx/>
-              <a:buFontTx/>
-              <a:buNone/>
+              <a:buFont typeface="+mj-lt"/>
+              <a:buAutoNum type="arabicPeriod"/>
               <a:tabLst/>
               <a:defRPr/>
             </a:pPr>
@@ -32600,41 +32679,7 @@
                 <a:ea typeface="+mn-ea"/>
                 <a:cs typeface="+mn-cs"/>
               </a:rPr>
-              <a:t>Based on the results of the </a:t>
-            </a:r>
-            <a:r>
-              <a:rPr kumimoji="0" lang="en-US" sz="2800" b="1" i="0" u="none" strike="noStrike" kern="1200" cap="none" spc="0" normalizeH="0" baseline="0" noProof="0" dirty="0">
-                <a:ln>
-                  <a:noFill/>
-                </a:ln>
-                <a:solidFill>
-                  <a:srgbClr val="FFFFFF"/>
-                </a:solidFill>
-                <a:effectLst/>
-                <a:uLnTx/>
-                <a:uFillTx/>
-                <a:latin typeface="Segoe UI"/>
-                <a:ea typeface="+mn-ea"/>
-                <a:cs typeface="+mn-cs"/>
-              </a:rPr>
-              <a:t>Governance Benchmark Tool </a:t>
-            </a:r>
-            <a:r>
-              <a:rPr kumimoji="0" lang="en-US" sz="2800" b="0" i="0" u="none" strike="noStrike" kern="1200" cap="none" spc="0" normalizeH="0" baseline="0" noProof="0" dirty="0">
-                <a:ln>
-                  <a:noFill/>
-                </a:ln>
-                <a:solidFill>
-                  <a:srgbClr val="FFFFFF"/>
-                </a:solidFill>
-                <a:effectLst/>
-                <a:uLnTx/>
-                <a:uFillTx/>
-                <a:latin typeface="Segoe UI"/>
-                <a:ea typeface="+mn-ea"/>
-                <a:cs typeface="+mn-cs"/>
-              </a:rPr>
-              <a:t>and the </a:t>
+              <a:t>Read the Customer situation (slides are in the section called </a:t>
             </a:r>
             <a:r>
               <a:rPr kumimoji="0" lang="en-US" sz="2800" b="0" i="0" u="none" strike="noStrike" kern="1200" cap="none" spc="0" normalizeH="0" baseline="0" noProof="0" dirty="0">
@@ -32669,11 +32714,11 @@
                 <a:ea typeface="+mn-ea"/>
                 <a:cs typeface="+mn-cs"/>
               </a:rPr>
-              <a:t> prioritize and implement parts of the following:</a:t>
-            </a:r>
-          </a:p>
-          <a:p>
-            <a:pPr marL="514350" marR="0" lvl="0" indent="-514350" algn="l" defTabSz="914400" rtl="0" eaLnBrk="1" fontAlgn="auto" latinLnBrk="0" hangingPunct="1">
+              <a:t>)</a:t>
+            </a:r>
+          </a:p>
+          <a:p>
+            <a:pPr marL="457200" marR="0" lvl="0" indent="-457200" algn="l" defTabSz="914400" rtl="0" eaLnBrk="1" fontAlgn="auto" latinLnBrk="0" hangingPunct="1">
               <a:lnSpc>
                 <a:spcPct val="100000"/>
               </a:lnSpc>
@@ -32705,27 +32750,26 @@
                 <a:ea typeface="+mn-ea"/>
                 <a:cs typeface="+mn-cs"/>
               </a:rPr>
-              <a:t>Cost Management</a:t>
-            </a:r>
-          </a:p>
-          <a:p>
-            <a:pPr marL="514350" marR="0" lvl="0" indent="-514350" algn="l" defTabSz="914400" rtl="0" eaLnBrk="1" fontAlgn="auto" latinLnBrk="0" hangingPunct="1">
-              <a:lnSpc>
-                <a:spcPct val="100000"/>
-              </a:lnSpc>
-              <a:spcBef>
-                <a:spcPts val="0"/>
-              </a:spcBef>
-              <a:spcAft>
-                <a:spcPts val="0"/>
-              </a:spcAft>
-              <a:buClrTx/>
-              <a:buSzTx/>
-              <a:buFont typeface="+mj-lt"/>
-              <a:buAutoNum type="arabicPeriod"/>
-              <a:tabLst/>
-              <a:defRPr/>
-            </a:pPr>
+              <a:t>Fill out the </a:t>
+            </a:r>
+            <a:r>
+              <a:rPr kumimoji="0" lang="en-US" sz="2800" b="1" i="0" u="none" strike="noStrike" kern="1200" cap="none" spc="0" normalizeH="0" baseline="0" noProof="0" dirty="0">
+                <a:ln>
+                  <a:noFill/>
+                </a:ln>
+                <a:solidFill>
+                  <a:srgbClr val="000000"/>
+                </a:solidFill>
+                <a:effectLst/>
+                <a:uLnTx/>
+                <a:uFillTx/>
+                <a:latin typeface="Segoe UI"/>
+                <a:ea typeface="+mn-ea"/>
+                <a:cs typeface="+mn-cs"/>
+                <a:hlinkClick r:id="rId4"/>
+              </a:rPr>
+              <a:t>Cloud Adoption Framework Governance Benchmark Tool </a:t>
+            </a:r>
             <a:r>
               <a:rPr kumimoji="0" lang="en-US" sz="2800" b="0" i="0" u="none" strike="noStrike" kern="1200" cap="none" spc="0" normalizeH="0" baseline="0" noProof="0" dirty="0">
                 <a:ln>
@@ -32741,204 +32785,8 @@
                 <a:ea typeface="+mn-ea"/>
                 <a:cs typeface="+mn-cs"/>
               </a:rPr>
-              <a:t>Security baseline</a:t>
-            </a:r>
-          </a:p>
-          <a:p>
-            <a:pPr marL="514350" marR="0" lvl="0" indent="-514350" algn="l" defTabSz="914400" rtl="0" eaLnBrk="1" fontAlgn="auto" latinLnBrk="0" hangingPunct="1">
-              <a:lnSpc>
-                <a:spcPct val="100000"/>
-              </a:lnSpc>
-              <a:spcBef>
-                <a:spcPts val="0"/>
-              </a:spcBef>
-              <a:spcAft>
-                <a:spcPts val="0"/>
-              </a:spcAft>
-              <a:buClrTx/>
-              <a:buSzTx/>
-              <a:buFont typeface="+mj-lt"/>
-              <a:buAutoNum type="arabicPeriod"/>
-              <a:tabLst/>
-              <a:defRPr/>
-            </a:pPr>
-            <a:r>
-              <a:rPr kumimoji="0" lang="en-US" sz="2800" b="0" i="0" u="none" strike="noStrike" kern="1200" cap="none" spc="0" normalizeH="0" baseline="0" noProof="0" dirty="0">
-                <a:ln>
-                  <a:noFill/>
-                </a:ln>
-                <a:solidFill>
-                  <a:srgbClr val="FFFFFF"/>
-                </a:solidFill>
-                <a:effectLst/>
-                <a:uLnTx/>
-                <a:uFillTx/>
-                <a:latin typeface="Segoe UI"/>
-                <a:ea typeface="+mn-ea"/>
-                <a:cs typeface="+mn-cs"/>
-              </a:rPr>
-              <a:t>Identity baseline</a:t>
-            </a:r>
-          </a:p>
-          <a:p>
-            <a:pPr marL="514350" marR="0" lvl="0" indent="-514350" algn="l" defTabSz="914400" rtl="0" eaLnBrk="1" fontAlgn="auto" latinLnBrk="0" hangingPunct="1">
-              <a:lnSpc>
-                <a:spcPct val="100000"/>
-              </a:lnSpc>
-              <a:spcBef>
-                <a:spcPts val="0"/>
-              </a:spcBef>
-              <a:spcAft>
-                <a:spcPts val="0"/>
-              </a:spcAft>
-              <a:buClrTx/>
-              <a:buSzTx/>
-              <a:buFont typeface="+mj-lt"/>
-              <a:buAutoNum type="arabicPeriod"/>
-              <a:tabLst/>
-              <a:defRPr/>
-            </a:pPr>
-            <a:r>
-              <a:rPr kumimoji="0" lang="en-US" sz="2800" b="0" i="0" u="none" strike="noStrike" kern="1200" cap="none" spc="0" normalizeH="0" baseline="0" noProof="0" dirty="0">
-                <a:ln>
-                  <a:noFill/>
-                </a:ln>
-                <a:solidFill>
-                  <a:srgbClr val="FFFFFF"/>
-                </a:solidFill>
-                <a:effectLst/>
-                <a:uLnTx/>
-                <a:uFillTx/>
-                <a:latin typeface="Segoe UI"/>
-                <a:ea typeface="+mn-ea"/>
-                <a:cs typeface="+mn-cs"/>
-              </a:rPr>
-              <a:t>Resource consistency</a:t>
-            </a:r>
-          </a:p>
-          <a:p>
-            <a:pPr marL="514350" marR="0" lvl="0" indent="-514350" algn="l" defTabSz="914400" rtl="0" eaLnBrk="1" fontAlgn="auto" latinLnBrk="0" hangingPunct="1">
-              <a:lnSpc>
-                <a:spcPct val="100000"/>
-              </a:lnSpc>
-              <a:spcBef>
-                <a:spcPts val="0"/>
-              </a:spcBef>
-              <a:spcAft>
-                <a:spcPts val="0"/>
-              </a:spcAft>
-              <a:buClrTx/>
-              <a:buSzTx/>
-              <a:buFont typeface="+mj-lt"/>
-              <a:buAutoNum type="arabicPeriod"/>
-              <a:tabLst/>
-              <a:defRPr/>
-            </a:pPr>
-            <a:r>
-              <a:rPr kumimoji="0" lang="en-US" sz="2800" b="0" i="0" u="none" strike="noStrike" kern="1200" cap="none" spc="0" normalizeH="0" baseline="0" noProof="0" dirty="0">
-                <a:ln>
-                  <a:noFill/>
-                </a:ln>
-                <a:solidFill>
-                  <a:srgbClr val="FFFFFF"/>
-                </a:solidFill>
-                <a:effectLst/>
-                <a:uLnTx/>
-                <a:uFillTx/>
-                <a:latin typeface="Segoe UI"/>
-                <a:ea typeface="+mn-ea"/>
-                <a:cs typeface="+mn-cs"/>
-              </a:rPr>
-              <a:t>Deployment acceleration</a:t>
-            </a:r>
-          </a:p>
-          <a:p>
-            <a:pPr marL="514350" marR="0" lvl="0" indent="-514350" algn="l" defTabSz="914400" rtl="0" eaLnBrk="1" fontAlgn="auto" latinLnBrk="0" hangingPunct="1">
-              <a:lnSpc>
-                <a:spcPct val="100000"/>
-              </a:lnSpc>
-              <a:spcBef>
-                <a:spcPts val="0"/>
-              </a:spcBef>
-              <a:spcAft>
-                <a:spcPts val="0"/>
-              </a:spcAft>
-              <a:buClrTx/>
-              <a:buSzTx/>
-              <a:buFont typeface="+mj-lt"/>
-              <a:buAutoNum type="arabicPeriod"/>
-              <a:tabLst/>
-              <a:defRPr/>
-            </a:pPr>
-            <a:endParaRPr kumimoji="0" lang="en-US" sz="2800" b="0" i="0" u="none" strike="noStrike" kern="1200" cap="none" spc="0" normalizeH="0" baseline="0" noProof="0" dirty="0">
-              <a:ln>
-                <a:noFill/>
-              </a:ln>
-              <a:solidFill>
-                <a:srgbClr val="FFFFFF"/>
-              </a:solidFill>
-              <a:effectLst/>
-              <a:uLnTx/>
-              <a:uFillTx/>
-              <a:latin typeface="Segoe UI"/>
-              <a:ea typeface="+mn-ea"/>
-              <a:cs typeface="+mn-cs"/>
-            </a:endParaRPr>
-          </a:p>
-          <a:p>
-            <a:pPr marL="0" marR="0" lvl="0" indent="0" algn="l" defTabSz="914400" rtl="0" eaLnBrk="1" fontAlgn="auto" latinLnBrk="0" hangingPunct="1">
-              <a:lnSpc>
-                <a:spcPct val="100000"/>
-              </a:lnSpc>
-              <a:spcBef>
-                <a:spcPts val="0"/>
-              </a:spcBef>
-              <a:spcAft>
-                <a:spcPts val="0"/>
-              </a:spcAft>
-              <a:buClrTx/>
-              <a:buSzTx/>
-              <a:buFontTx/>
-              <a:buNone/>
-              <a:tabLst/>
-              <a:defRPr/>
-            </a:pPr>
-            <a:r>
-              <a:rPr kumimoji="0" lang="en-US" sz="2800" b="0" i="0" u="none" strike="noStrike" kern="1200" cap="none" spc="0" normalizeH="0" baseline="0" noProof="0" dirty="0">
-                <a:ln>
-                  <a:noFill/>
-                </a:ln>
-                <a:solidFill>
-                  <a:srgbClr val="FFFFFF"/>
-                </a:solidFill>
-                <a:effectLst/>
-                <a:uLnTx/>
-                <a:uFillTx/>
-                <a:latin typeface="Segoe UI"/>
-                <a:ea typeface="+mn-ea"/>
-                <a:cs typeface="+mn-cs"/>
-              </a:rPr>
-              <a:t>Note: Try to get through at least 3 of these</a:t>
-            </a:r>
-          </a:p>
-          <a:p>
-            <a:pPr marL="0" marR="0" lvl="0" indent="0" algn="l" defTabSz="914400" rtl="0" eaLnBrk="1" fontAlgn="auto" latinLnBrk="0" hangingPunct="1">
-              <a:lnSpc>
-                <a:spcPct val="100000"/>
-              </a:lnSpc>
-              <a:spcBef>
-                <a:spcPts val="0"/>
-              </a:spcBef>
-              <a:spcAft>
-                <a:spcPts val="0"/>
-              </a:spcAft>
-              <a:buClrTx/>
-              <a:buSzTx/>
-              <a:buFontTx/>
-              <a:buNone/>
-              <a:tabLst/>
-              <a:defRPr/>
-            </a:pPr>
+              <a:t>based on the information on the Customer situation.  </a:t>
+            </a:r>
             <a:br>
               <a:rPr kumimoji="0" lang="en-US" sz="2800" b="0" i="0" u="none" strike="noStrike" kern="1200" cap="none" spc="0" normalizeH="0" baseline="0" noProof="0" dirty="0">
                 <a:ln>
@@ -32955,6 +32803,75 @@
                 <a:cs typeface="+mn-cs"/>
               </a:rPr>
             </a:br>
+            <a:br>
+              <a:rPr kumimoji="0" lang="en-US" sz="2800" b="0" i="0" u="none" strike="noStrike" kern="1200" cap="none" spc="0" normalizeH="0" baseline="0" noProof="0" dirty="0">
+                <a:ln>
+                  <a:noFill/>
+                </a:ln>
+                <a:solidFill>
+                  <a:srgbClr val="FFFFFF"/>
+                </a:solidFill>
+                <a:effectLst/>
+                <a:uLnTx/>
+                <a:uFillTx/>
+                <a:latin typeface="Segoe UI"/>
+                <a:ea typeface="+mn-ea"/>
+                <a:cs typeface="+mn-cs"/>
+              </a:rPr>
+            </a:br>
+            <a:r>
+              <a:rPr kumimoji="0" lang="en-US" sz="2800" b="1" i="0" u="none" strike="noStrike" kern="1200" cap="none" spc="0" normalizeH="0" baseline="0" noProof="0" dirty="0">
+                <a:ln>
+                  <a:noFill/>
+                </a:ln>
+                <a:solidFill>
+                  <a:srgbClr val="FFFFFF"/>
+                </a:solidFill>
+                <a:effectLst/>
+                <a:uLnTx/>
+                <a:uFillTx/>
+                <a:latin typeface="Segoe UI"/>
+                <a:ea typeface="+mn-ea"/>
+                <a:cs typeface="+mn-cs"/>
+              </a:rPr>
+              <a:t>Note:</a:t>
+            </a:r>
+            <a:r>
+              <a:rPr kumimoji="0" lang="en-US" sz="2800" b="0" i="0" u="none" strike="noStrike" kern="1200" cap="none" spc="0" normalizeH="0" baseline="0" noProof="0" dirty="0">
+                <a:ln>
+                  <a:noFill/>
+                </a:ln>
+                <a:solidFill>
+                  <a:srgbClr val="FFFFFF"/>
+                </a:solidFill>
+                <a:effectLst/>
+                <a:uLnTx/>
+                <a:uFillTx/>
+                <a:latin typeface="Segoe UI"/>
+                <a:ea typeface="+mn-ea"/>
+                <a:cs typeface="+mn-cs"/>
+              </a:rPr>
+              <a:t> Some of the information will be incomplete so feel free to take some liberties with the benchmark tool.  </a:t>
+            </a:r>
+          </a:p>
+          <a:p>
+            <a:pPr marL="457200" marR="0" lvl="0" indent="-457200" algn="l" defTabSz="914400" rtl="0" eaLnBrk="1" fontAlgn="auto" latinLnBrk="0" hangingPunct="1">
+              <a:lnSpc>
+                <a:spcPct val="100000"/>
+              </a:lnSpc>
+              <a:spcBef>
+                <a:spcPts val="0"/>
+              </a:spcBef>
+              <a:spcAft>
+                <a:spcPts val="0"/>
+              </a:spcAft>
+              <a:buClrTx/>
+              <a:buSzTx/>
+              <a:buFontTx/>
+              <a:buAutoNum type="arabicParenR"/>
+              <a:tabLst/>
+              <a:defRPr/>
+            </a:pPr>
             <a:endParaRPr kumimoji="0" lang="en-US" sz="2000" b="0" i="0" u="none" strike="noStrike" kern="1200" cap="none" spc="0" normalizeH="0" baseline="0" noProof="0" dirty="0">
               <a:ln>
                 <a:noFill/>
@@ -32983,7 +32900,7 @@
     </p:spTree>
     <p:extLst>
       <p:ext uri="{BB962C8B-B14F-4D97-AF65-F5344CB8AC3E}">
-        <p14:creationId xmlns:p14="http://schemas.microsoft.com/office/powerpoint/2010/main" val="2104867070"/>
+        <p14:creationId xmlns:p14="http://schemas.microsoft.com/office/powerpoint/2010/main" val="698156655"/>
       </p:ext>
     </p:extLst>
   </p:cSld>
@@ -33064,7 +32981,7 @@
                   <a:schemeClr val="bg1"/>
                 </a:solidFill>
               </a:rPr>
-              <a:t>Workshop Lab A - Manage</a:t>
+              <a:t>Workshop Lab B - Govern</a:t>
             </a:r>
             <a:br>
               <a:rPr lang="en-US" sz="4400" dirty="0">
@@ -33079,7 +32996,7 @@
                   <a:schemeClr val="bg1"/>
                 </a:solidFill>
               </a:rPr>
-              <a:t>Azure Architecture Review</a:t>
+              <a:t>Building a Cloud Governance MVP</a:t>
             </a:r>
             <a:endParaRPr lang="en-US" dirty="0">
               <a:solidFill>
@@ -33103,8 +33020,8 @@
         </p:nvSpPr>
         <p:spPr>
           <a:xfrm>
-            <a:off x="426114" y="2549534"/>
-            <a:ext cx="9748528" cy="3016210"/>
+            <a:off x="426114" y="1932017"/>
+            <a:ext cx="9748528" cy="5047536"/>
           </a:xfrm>
           <a:prstGeom prst="rect">
             <a:avLst/>
@@ -33117,7 +33034,112 @@
           </a:bodyPr>
           <a:lstStyle/>
           <a:p>
-            <a:pPr marL="457200" marR="0" lvl="0" indent="-457200" algn="l" defTabSz="914400" rtl="0" eaLnBrk="1" fontAlgn="auto" latinLnBrk="0" hangingPunct="1">
+            <a:pPr marL="0" marR="0" lvl="0" indent="0" algn="l" defTabSz="914400" rtl="0" eaLnBrk="1" fontAlgn="auto" latinLnBrk="0" hangingPunct="1">
+              <a:lnSpc>
+                <a:spcPct val="100000"/>
+              </a:lnSpc>
+              <a:spcBef>
+                <a:spcPts val="0"/>
+              </a:spcBef>
+              <a:spcAft>
+                <a:spcPts val="0"/>
+              </a:spcAft>
+              <a:buClrTx/>
+              <a:buSzTx/>
+              <a:buFontTx/>
+              <a:buNone/>
+              <a:tabLst/>
+              <a:defRPr/>
+            </a:pPr>
+            <a:r>
+              <a:rPr kumimoji="0" lang="en-US" sz="2800" b="0" i="0" u="none" strike="noStrike" kern="1200" cap="none" spc="0" normalizeH="0" baseline="0" noProof="0" dirty="0">
+                <a:ln>
+                  <a:noFill/>
+                </a:ln>
+                <a:solidFill>
+                  <a:srgbClr val="FFFFFF"/>
+                </a:solidFill>
+                <a:effectLst/>
+                <a:uLnTx/>
+                <a:uFillTx/>
+                <a:latin typeface="Segoe UI"/>
+                <a:ea typeface="+mn-ea"/>
+                <a:cs typeface="+mn-cs"/>
+              </a:rPr>
+              <a:t>Based on the results of the </a:t>
+            </a:r>
+            <a:r>
+              <a:rPr kumimoji="0" lang="en-US" sz="2800" b="1" i="0" u="none" strike="noStrike" kern="1200" cap="none" spc="0" normalizeH="0" baseline="0" noProof="0" dirty="0">
+                <a:ln>
+                  <a:noFill/>
+                </a:ln>
+                <a:solidFill>
+                  <a:srgbClr val="FFFFFF"/>
+                </a:solidFill>
+                <a:effectLst/>
+                <a:uLnTx/>
+                <a:uFillTx/>
+                <a:latin typeface="Segoe UI"/>
+                <a:ea typeface="+mn-ea"/>
+                <a:cs typeface="+mn-cs"/>
+              </a:rPr>
+              <a:t>Governance Benchmark Tool </a:t>
+            </a:r>
+            <a:r>
+              <a:rPr kumimoji="0" lang="en-US" sz="2800" b="0" i="0" u="none" strike="noStrike" kern="1200" cap="none" spc="0" normalizeH="0" baseline="0" noProof="0" dirty="0">
+                <a:ln>
+                  <a:noFill/>
+                </a:ln>
+                <a:solidFill>
+                  <a:srgbClr val="FFFFFF"/>
+                </a:solidFill>
+                <a:effectLst/>
+                <a:uLnTx/>
+                <a:uFillTx/>
+                <a:latin typeface="Segoe UI"/>
+                <a:ea typeface="+mn-ea"/>
+                <a:cs typeface="+mn-cs"/>
+              </a:rPr>
+              <a:t>and the </a:t>
+            </a:r>
+            <a:r>
+              <a:rPr kumimoji="0" lang="en-US" sz="2800" b="0" i="0" u="none" strike="noStrike" kern="1200" cap="none" spc="0" normalizeH="0" baseline="0" noProof="0" dirty="0">
+                <a:ln>
+                  <a:noFill/>
+                </a:ln>
+                <a:solidFill>
+                  <a:srgbClr val="FFFFFF"/>
+                </a:solidFill>
+                <a:effectLst/>
+                <a:uLnTx/>
+                <a:uFillTx/>
+                <a:latin typeface="Segoe UI"/>
+                <a:ea typeface="+mn-ea"/>
+                <a:cs typeface="+mn-cs"/>
+                <a:hlinkClick r:id="rId3" action="ppaction://hlinksldjump"/>
+              </a:rPr>
+              <a:t>Customer situation</a:t>
+            </a:r>
+            <a:r>
+              <a:rPr kumimoji="0" lang="en-US" sz="2800" b="0" i="0" u="none" strike="noStrike" kern="1200" cap="none" spc="0" normalizeH="0" baseline="0" noProof="0" dirty="0">
+                <a:ln>
+                  <a:noFill/>
+                </a:ln>
+                <a:solidFill>
+                  <a:srgbClr val="FFFFFF"/>
+                </a:solidFill>
+                <a:effectLst/>
+                <a:uLnTx/>
+                <a:uFillTx/>
+                <a:latin typeface="Segoe UI"/>
+                <a:ea typeface="+mn-ea"/>
+                <a:cs typeface="+mn-cs"/>
+              </a:rPr>
+              <a:t> prioritize and implement parts of the following:</a:t>
+            </a:r>
+          </a:p>
+          <a:p>
+            <a:pPr marL="514350" marR="0" lvl="0" indent="-514350" algn="l" defTabSz="914400" rtl="0" eaLnBrk="1" fontAlgn="auto" latinLnBrk="0" hangingPunct="1">
               <a:lnSpc>
                 <a:spcPct val="100000"/>
               </a:lnSpc>
@@ -33149,46 +33171,11 @@
                 <a:ea typeface="+mn-ea"/>
                 <a:cs typeface="+mn-cs"/>
               </a:rPr>
-              <a:t>Read the Customer situation (slides are in the section called </a:t>
-            </a:r>
-            <a:r>
-              <a:rPr kumimoji="0" lang="en-US" sz="2800" b="0" i="0" u="none" strike="noStrike" kern="1200" cap="none" spc="0" normalizeH="0" baseline="0" noProof="0" dirty="0">
-                <a:ln>
-                  <a:noFill/>
-                </a:ln>
-                <a:solidFill>
-                  <a:srgbClr val="FFFFFF"/>
-                </a:solidFill>
-                <a:effectLst/>
-                <a:uLnTx/>
-                <a:uFillTx/>
-                <a:latin typeface="Segoe UI"/>
-                <a:ea typeface="+mn-ea"/>
-                <a:cs typeface="+mn-cs"/>
-                <a:hlinkClick r:id="rId3" action="ppaction://hlinksldjump"/>
-              </a:rPr>
-              <a:t>Customer situation</a:t>
-            </a:r>
-            <a:r>
-              <a:rPr kumimoji="0" lang="en-US" sz="2800" b="0" i="0" u="none" strike="noStrike" kern="1200" cap="none" spc="0" normalizeH="0" baseline="0" noProof="0" dirty="0">
-                <a:ln>
-                  <a:noFill/>
-                </a:ln>
-                <a:solidFill>
-                  <a:srgbClr val="FFFFFF"/>
-                </a:solidFill>
-                <a:effectLst/>
-                <a:uLnTx/>
-                <a:uFillTx/>
-                <a:latin typeface="Segoe UI"/>
-                <a:ea typeface="+mn-ea"/>
-                <a:cs typeface="+mn-cs"/>
-              </a:rPr>
-              <a:t>)</a:t>
-            </a:r>
-          </a:p>
-          <a:p>
-            <a:pPr marL="457200" marR="0" lvl="0" indent="-457200" algn="l" defTabSz="914400" rtl="0" eaLnBrk="1" fontAlgn="auto" latinLnBrk="0" hangingPunct="1">
+              <a:t>Cost Management</a:t>
+            </a:r>
+          </a:p>
+          <a:p>
+            <a:pPr marL="514350" marR="0" lvl="0" indent="-514350" algn="l" defTabSz="914400" rtl="0" eaLnBrk="1" fontAlgn="auto" latinLnBrk="0" hangingPunct="1">
               <a:lnSpc>
                 <a:spcPct val="100000"/>
               </a:lnSpc>
@@ -33220,25 +33207,27 @@
                 <a:ea typeface="+mn-ea"/>
                 <a:cs typeface="+mn-cs"/>
               </a:rPr>
-              <a:t>Examine your workload through the lenses of resiliency, cost, </a:t>
-            </a:r>
-            <a:r>
-              <a:rPr kumimoji="0" lang="en-US" sz="2800" b="0" i="0" u="none" strike="noStrike" kern="1200" cap="none" spc="0" normalizeH="0" baseline="0" noProof="0" dirty="0" err="1">
-                <a:ln>
-                  <a:noFill/>
-                </a:ln>
-                <a:solidFill>
-                  <a:srgbClr val="FFFFFF"/>
-                </a:solidFill>
-                <a:effectLst/>
-                <a:uLnTx/>
-                <a:uFillTx/>
-                <a:latin typeface="Segoe UI"/>
-                <a:ea typeface="+mn-ea"/>
-                <a:cs typeface="+mn-cs"/>
-              </a:rPr>
-              <a:t>devops</a:t>
-            </a:r>
+              <a:t>Security baseline</a:t>
+            </a:r>
+          </a:p>
+          <a:p>
+            <a:pPr marL="514350" marR="0" lvl="0" indent="-514350" algn="l" defTabSz="914400" rtl="0" eaLnBrk="1" fontAlgn="auto" latinLnBrk="0" hangingPunct="1">
+              <a:lnSpc>
+                <a:spcPct val="100000"/>
+              </a:lnSpc>
+              <a:spcBef>
+                <a:spcPts val="0"/>
+              </a:spcBef>
+              <a:spcAft>
+                <a:spcPts val="0"/>
+              </a:spcAft>
+              <a:buClrTx/>
+              <a:buSzTx/>
+              <a:buFont typeface="+mj-lt"/>
+              <a:buAutoNum type="arabicPeriod"/>
+              <a:tabLst/>
+              <a:defRPr/>
+            </a:pPr>
             <a:r>
               <a:rPr kumimoji="0" lang="en-US" sz="2800" b="0" i="0" u="none" strike="noStrike" kern="1200" cap="none" spc="0" normalizeH="0" baseline="0" noProof="0" dirty="0">
                 <a:ln>
@@ -33254,9 +33243,28 @@
                 <a:ea typeface="+mn-ea"/>
                 <a:cs typeface="+mn-cs"/>
               </a:rPr>
-              <a:t> practices, security and scalability.</a:t>
-            </a:r>
-            <a:br>
+              <a:t>Identity baseline</a:t>
+            </a:r>
+          </a:p>
+          <a:p>
+            <a:pPr marL="514350" marR="0" lvl="0" indent="-514350" algn="l" defTabSz="914400" rtl="0" eaLnBrk="1" fontAlgn="auto" latinLnBrk="0" hangingPunct="1">
+              <a:lnSpc>
+                <a:spcPct val="100000"/>
+              </a:lnSpc>
+              <a:spcBef>
+                <a:spcPts val="0"/>
+              </a:spcBef>
+              <a:spcAft>
+                <a:spcPts val="0"/>
+              </a:spcAft>
+              <a:buClrTx/>
+              <a:buSzTx/>
+              <a:buFont typeface="+mj-lt"/>
+              <a:buAutoNum type="arabicPeriod"/>
+              <a:tabLst/>
+              <a:defRPr/>
+            </a:pPr>
+            <a:r>
               <a:rPr kumimoji="0" lang="en-US" sz="2800" b="0" i="0" u="none" strike="noStrike" kern="1200" cap="none" spc="0" normalizeH="0" baseline="0" noProof="0" dirty="0">
                 <a:ln>
                   <a:noFill/>
@@ -33271,14 +33279,34 @@
                 <a:ea typeface="+mn-ea"/>
                 <a:cs typeface="+mn-cs"/>
               </a:rPr>
-            </a:br>
+              <a:t>Resource consistency</a:t>
+            </a:r>
+          </a:p>
+          <a:p>
+            <a:pPr marL="514350" marR="0" lvl="0" indent="-514350" algn="l" defTabSz="914400" rtl="0" eaLnBrk="1" fontAlgn="auto" latinLnBrk="0" hangingPunct="1">
+              <a:lnSpc>
+                <a:spcPct val="100000"/>
+              </a:lnSpc>
+              <a:spcBef>
+                <a:spcPts val="0"/>
+              </a:spcBef>
+              <a:spcAft>
+                <a:spcPts val="0"/>
+              </a:spcAft>
+              <a:buClrTx/>
+              <a:buSzTx/>
+              <a:buFont typeface="+mj-lt"/>
+              <a:buAutoNum type="arabicPeriod"/>
+              <a:tabLst/>
+              <a:defRPr/>
+            </a:pPr>
             <a:r>
               <a:rPr kumimoji="0" lang="en-US" sz="2800" b="0" i="0" u="none" strike="noStrike" kern="1200" cap="none" spc="0" normalizeH="0" baseline="0" noProof="0" dirty="0">
                 <a:ln>
                   <a:noFill/>
                 </a:ln>
                 <a:solidFill>
-                  <a:srgbClr val="000000"/>
+                  <a:srgbClr val="FFFFFF"/>
                 </a:solidFill>
                 <a:effectLst/>
                 <a:uLnTx/>
@@ -33286,27 +33314,12 @@
                 <a:latin typeface="Segoe UI"/>
                 <a:ea typeface="+mn-ea"/>
                 <a:cs typeface="+mn-cs"/>
-                <a:hlinkClick r:id="rId4"/>
               </a:rPr>
-              <a:t>https://docs.microsoft.com/en-us/assessments/?mode=pre-assessment&amp;session=local</a:t>
-            </a:r>
-            <a:endParaRPr kumimoji="0" lang="en-US" sz="2800" b="0" i="0" u="none" strike="noStrike" kern="1200" cap="none" spc="0" normalizeH="0" baseline="0" noProof="0" dirty="0">
-              <a:ln>
-                <a:noFill/>
-              </a:ln>
-              <a:solidFill>
-                <a:srgbClr val="FFFFFF"/>
-              </a:solidFill>
-              <a:effectLst/>
-              <a:uLnTx/>
-              <a:uFillTx/>
-              <a:latin typeface="Segoe UI"/>
-              <a:ea typeface="+mn-ea"/>
-              <a:cs typeface="+mn-cs"/>
-            </a:endParaRPr>
-          </a:p>
-          <a:p>
-            <a:pPr marL="457200" marR="0" lvl="0" indent="-457200" algn="l" defTabSz="914400" rtl="0" eaLnBrk="1" fontAlgn="auto" latinLnBrk="0" hangingPunct="1">
+              <a:t>Deployment acceleration</a:t>
+            </a:r>
+          </a:p>
+          <a:p>
+            <a:pPr marL="514350" marR="0" lvl="0" indent="-514350" algn="l" defTabSz="914400" rtl="0" eaLnBrk="1" fontAlgn="auto" latinLnBrk="0" hangingPunct="1">
               <a:lnSpc>
                 <a:spcPct val="100000"/>
               </a:lnSpc>
@@ -33338,12 +33351,105 @@
               <a:cs typeface="+mn-cs"/>
             </a:endParaRPr>
           </a:p>
+          <a:p>
+            <a:pPr marL="0" marR="0" lvl="0" indent="0" algn="l" defTabSz="914400" rtl="0" eaLnBrk="1" fontAlgn="auto" latinLnBrk="0" hangingPunct="1">
+              <a:lnSpc>
+                <a:spcPct val="100000"/>
+              </a:lnSpc>
+              <a:spcBef>
+                <a:spcPts val="0"/>
+              </a:spcBef>
+              <a:spcAft>
+                <a:spcPts val="0"/>
+              </a:spcAft>
+              <a:buClrTx/>
+              <a:buSzTx/>
+              <a:buFontTx/>
+              <a:buNone/>
+              <a:tabLst/>
+              <a:defRPr/>
+            </a:pPr>
+            <a:r>
+              <a:rPr kumimoji="0" lang="en-US" sz="2800" b="0" i="0" u="none" strike="noStrike" kern="1200" cap="none" spc="0" normalizeH="0" baseline="0" noProof="0" dirty="0">
+                <a:ln>
+                  <a:noFill/>
+                </a:ln>
+                <a:solidFill>
+                  <a:srgbClr val="FFFFFF"/>
+                </a:solidFill>
+                <a:effectLst/>
+                <a:uLnTx/>
+                <a:uFillTx/>
+                <a:latin typeface="Segoe UI"/>
+                <a:ea typeface="+mn-ea"/>
+                <a:cs typeface="+mn-cs"/>
+              </a:rPr>
+              <a:t>Note: Try to get through at least 3 of these</a:t>
+            </a:r>
+          </a:p>
+          <a:p>
+            <a:pPr marL="0" marR="0" lvl="0" indent="0" algn="l" defTabSz="914400" rtl="0" eaLnBrk="1" fontAlgn="auto" latinLnBrk="0" hangingPunct="1">
+              <a:lnSpc>
+                <a:spcPct val="100000"/>
+              </a:lnSpc>
+              <a:spcBef>
+                <a:spcPts val="0"/>
+              </a:spcBef>
+              <a:spcAft>
+                <a:spcPts val="0"/>
+              </a:spcAft>
+              <a:buClrTx/>
+              <a:buSzTx/>
+              <a:buFontTx/>
+              <a:buNone/>
+              <a:tabLst/>
+              <a:defRPr/>
+            </a:pPr>
+            <a:br>
+              <a:rPr kumimoji="0" lang="en-US" sz="2800" b="0" i="0" u="none" strike="noStrike" kern="1200" cap="none" spc="0" normalizeH="0" baseline="0" noProof="0" dirty="0">
+                <a:ln>
+                  <a:noFill/>
+                </a:ln>
+                <a:solidFill>
+                  <a:srgbClr val="FFFFFF"/>
+                </a:solidFill>
+                <a:effectLst/>
+                <a:uLnTx/>
+                <a:uFillTx/>
+                <a:latin typeface="Segoe UI"/>
+                <a:ea typeface="+mn-ea"/>
+                <a:cs typeface="+mn-cs"/>
+              </a:rPr>
+            </a:br>
+            <a:endParaRPr kumimoji="0" lang="en-US" sz="2000" b="0" i="0" u="none" strike="noStrike" kern="1200" cap="none" spc="0" normalizeH="0" baseline="0" noProof="0" dirty="0">
+              <a:ln>
+                <a:noFill/>
+              </a:ln>
+              <a:gradFill>
+                <a:gsLst>
+                  <a:gs pos="2917">
+                    <a:srgbClr val="000000"/>
+                  </a:gs>
+                  <a:gs pos="30000">
+                    <a:srgbClr val="000000"/>
+                  </a:gs>
+                </a:gsLst>
+                <a:lin ang="5400000" scaled="0"/>
+              </a:gradFill>
+              <a:effectLst/>
+              <a:uLnTx/>
+              <a:uFillTx/>
+              <a:latin typeface="Segoe UI"/>
+              <a:ea typeface="+mn-ea"/>
+              <a:cs typeface="+mn-cs"/>
+            </a:endParaRPr>
+          </a:p>
         </p:txBody>
       </p:sp>
     </p:spTree>
     <p:extLst>
       <p:ext uri="{BB962C8B-B14F-4D97-AF65-F5344CB8AC3E}">
-        <p14:creationId xmlns:p14="http://schemas.microsoft.com/office/powerpoint/2010/main" val="3987509547"/>
+        <p14:creationId xmlns:p14="http://schemas.microsoft.com/office/powerpoint/2010/main" val="2104867070"/>
       </p:ext>
     </p:extLst>
   </p:cSld>
@@ -33402,6 +33508,366 @@
         </p:nvSpPr>
         <p:spPr>
           <a:xfrm>
+            <a:off x="426114" y="661822"/>
+            <a:ext cx="11018520" cy="1169551"/>
+          </a:xfrm>
+        </p:spPr>
+        <p:txBody>
+          <a:bodyPr/>
+          <a:lstStyle/>
+          <a:p>
+            <a:pPr>
+              <a:spcBef>
+                <a:spcPts val="1200"/>
+              </a:spcBef>
+              <a:spcAft>
+                <a:spcPts val="600"/>
+              </a:spcAft>
+            </a:pPr>
+            <a:r>
+              <a:rPr lang="en-US" sz="4400" dirty="0">
+                <a:solidFill>
+                  <a:schemeClr val="bg1"/>
+                </a:solidFill>
+              </a:rPr>
+              <a:t>Workshop Lab A - Manage</a:t>
+            </a:r>
+            <a:br>
+              <a:rPr lang="en-US" sz="4400" dirty="0">
+                <a:solidFill>
+                  <a:schemeClr val="bg1"/>
+                </a:solidFill>
+              </a:rPr>
+            </a:br>
+            <a:r>
+              <a:rPr lang="en-US" sz="3200" dirty="0">
+                <a:solidFill>
+                  <a:schemeClr val="bg1"/>
+                </a:solidFill>
+              </a:rPr>
+              <a:t>Azure Architecture Review</a:t>
+            </a:r>
+            <a:endParaRPr lang="en-US" dirty="0">
+              <a:solidFill>
+                <a:schemeClr val="bg1"/>
+              </a:solidFill>
+            </a:endParaRPr>
+          </a:p>
+        </p:txBody>
+      </p:sp>
+      <p:sp>
+        <p:nvSpPr>
+          <p:cNvPr id="3" name="TextBox 2">
+            <a:extLst>
+              <a:ext uri="{FF2B5EF4-FFF2-40B4-BE49-F238E27FC236}">
+                <a16:creationId xmlns:a16="http://schemas.microsoft.com/office/drawing/2014/main" id="{56116777-CBC1-4CBD-B255-FDDB899FFC61}"/>
+              </a:ext>
+            </a:extLst>
+          </p:cNvPr>
+          <p:cNvSpPr txBox="1"/>
+          <p:nvPr/>
+        </p:nvSpPr>
+        <p:spPr>
+          <a:xfrm>
+            <a:off x="426114" y="2549534"/>
+            <a:ext cx="9748528" cy="3016210"/>
+          </a:xfrm>
+          <a:prstGeom prst="rect">
+            <a:avLst/>
+          </a:prstGeom>
+          <a:noFill/>
+        </p:spPr>
+        <p:txBody>
+          <a:bodyPr wrap="square" lIns="0" tIns="0" rIns="0" bIns="0" rtlCol="0">
+            <a:spAutoFit/>
+          </a:bodyPr>
+          <a:lstStyle/>
+          <a:p>
+            <a:pPr marL="457200" marR="0" lvl="0" indent="-457200" algn="l" defTabSz="914400" rtl="0" eaLnBrk="1" fontAlgn="auto" latinLnBrk="0" hangingPunct="1">
+              <a:lnSpc>
+                <a:spcPct val="100000"/>
+              </a:lnSpc>
+              <a:spcBef>
+                <a:spcPts val="0"/>
+              </a:spcBef>
+              <a:spcAft>
+                <a:spcPts val="0"/>
+              </a:spcAft>
+              <a:buClrTx/>
+              <a:buSzTx/>
+              <a:buFont typeface="+mj-lt"/>
+              <a:buAutoNum type="arabicPeriod"/>
+              <a:tabLst/>
+              <a:defRPr/>
+            </a:pPr>
+            <a:r>
+              <a:rPr kumimoji="0" lang="en-US" sz="2800" b="0" i="0" u="none" strike="noStrike" kern="1200" cap="none" spc="0" normalizeH="0" baseline="0" noProof="0" dirty="0">
+                <a:ln>
+                  <a:noFill/>
+                </a:ln>
+                <a:solidFill>
+                  <a:srgbClr val="FFFFFF"/>
+                </a:solidFill>
+                <a:effectLst/>
+                <a:uLnTx/>
+                <a:uFillTx/>
+                <a:latin typeface="Segoe UI"/>
+                <a:ea typeface="+mn-ea"/>
+                <a:cs typeface="+mn-cs"/>
+              </a:rPr>
+              <a:t>Read the Customer situation (slides are in the section called </a:t>
+            </a:r>
+            <a:r>
+              <a:rPr kumimoji="0" lang="en-US" sz="2800" b="0" i="0" u="none" strike="noStrike" kern="1200" cap="none" spc="0" normalizeH="0" baseline="0" noProof="0" dirty="0">
+                <a:ln>
+                  <a:noFill/>
+                </a:ln>
+                <a:solidFill>
+                  <a:srgbClr val="FFFFFF"/>
+                </a:solidFill>
+                <a:effectLst/>
+                <a:uLnTx/>
+                <a:uFillTx/>
+                <a:latin typeface="Segoe UI"/>
+                <a:ea typeface="+mn-ea"/>
+                <a:cs typeface="+mn-cs"/>
+                <a:hlinkClick r:id="rId3" action="ppaction://hlinksldjump"/>
+              </a:rPr>
+              <a:t>Customer situation</a:t>
+            </a:r>
+            <a:r>
+              <a:rPr kumimoji="0" lang="en-US" sz="2800" b="0" i="0" u="none" strike="noStrike" kern="1200" cap="none" spc="0" normalizeH="0" baseline="0" noProof="0" dirty="0">
+                <a:ln>
+                  <a:noFill/>
+                </a:ln>
+                <a:solidFill>
+                  <a:srgbClr val="FFFFFF"/>
+                </a:solidFill>
+                <a:effectLst/>
+                <a:uLnTx/>
+                <a:uFillTx/>
+                <a:latin typeface="Segoe UI"/>
+                <a:ea typeface="+mn-ea"/>
+                <a:cs typeface="+mn-cs"/>
+              </a:rPr>
+              <a:t>)</a:t>
+            </a:r>
+          </a:p>
+          <a:p>
+            <a:pPr marL="457200" marR="0" lvl="0" indent="-457200" algn="l" defTabSz="914400" rtl="0" eaLnBrk="1" fontAlgn="auto" latinLnBrk="0" hangingPunct="1">
+              <a:lnSpc>
+                <a:spcPct val="100000"/>
+              </a:lnSpc>
+              <a:spcBef>
+                <a:spcPts val="0"/>
+              </a:spcBef>
+              <a:spcAft>
+                <a:spcPts val="0"/>
+              </a:spcAft>
+              <a:buClrTx/>
+              <a:buSzTx/>
+              <a:buFont typeface="+mj-lt"/>
+              <a:buAutoNum type="arabicPeriod"/>
+              <a:tabLst/>
+              <a:defRPr/>
+            </a:pPr>
+            <a:r>
+              <a:rPr kumimoji="0" lang="en-US" sz="2800" b="0" i="0" u="none" strike="noStrike" kern="1200" cap="none" spc="0" normalizeH="0" baseline="0" noProof="0" dirty="0">
+                <a:ln>
+                  <a:noFill/>
+                </a:ln>
+                <a:solidFill>
+                  <a:srgbClr val="FFFFFF"/>
+                </a:solidFill>
+                <a:effectLst/>
+                <a:uLnTx/>
+                <a:uFillTx/>
+                <a:latin typeface="Segoe UI"/>
+                <a:ea typeface="+mn-ea"/>
+                <a:cs typeface="+mn-cs"/>
+              </a:rPr>
+              <a:t>Examine your workload through the lenses of resiliency, cost, </a:t>
+            </a:r>
+            <a:r>
+              <a:rPr kumimoji="0" lang="en-US" sz="2800" b="0" i="0" u="none" strike="noStrike" kern="1200" cap="none" spc="0" normalizeH="0" baseline="0" noProof="0" dirty="0" err="1">
+                <a:ln>
+                  <a:noFill/>
+                </a:ln>
+                <a:solidFill>
+                  <a:srgbClr val="FFFFFF"/>
+                </a:solidFill>
+                <a:effectLst/>
+                <a:uLnTx/>
+                <a:uFillTx/>
+                <a:latin typeface="Segoe UI"/>
+                <a:ea typeface="+mn-ea"/>
+                <a:cs typeface="+mn-cs"/>
+              </a:rPr>
+              <a:t>devops</a:t>
+            </a:r>
+            <a:r>
+              <a:rPr kumimoji="0" lang="en-US" sz="2800" b="0" i="0" u="none" strike="noStrike" kern="1200" cap="none" spc="0" normalizeH="0" baseline="0" noProof="0" dirty="0">
+                <a:ln>
+                  <a:noFill/>
+                </a:ln>
+                <a:solidFill>
+                  <a:srgbClr val="FFFFFF"/>
+                </a:solidFill>
+                <a:effectLst/>
+                <a:uLnTx/>
+                <a:uFillTx/>
+                <a:latin typeface="Segoe UI"/>
+                <a:ea typeface="+mn-ea"/>
+                <a:cs typeface="+mn-cs"/>
+              </a:rPr>
+              <a:t> practices, security and scalability.</a:t>
+            </a:r>
+            <a:br>
+              <a:rPr kumimoji="0" lang="en-US" sz="2800" b="0" i="0" u="none" strike="noStrike" kern="1200" cap="none" spc="0" normalizeH="0" baseline="0" noProof="0" dirty="0">
+                <a:ln>
+                  <a:noFill/>
+                </a:ln>
+                <a:solidFill>
+                  <a:srgbClr val="FFFFFF"/>
+                </a:solidFill>
+                <a:effectLst/>
+                <a:uLnTx/>
+                <a:uFillTx/>
+                <a:latin typeface="Segoe UI"/>
+                <a:ea typeface="+mn-ea"/>
+                <a:cs typeface="+mn-cs"/>
+              </a:rPr>
+            </a:br>
+            <a:r>
+              <a:rPr kumimoji="0" lang="en-US" sz="2800" b="0" i="0" u="none" strike="noStrike" kern="1200" cap="none" spc="0" normalizeH="0" baseline="0" noProof="0" dirty="0">
+                <a:ln>
+                  <a:noFill/>
+                </a:ln>
+                <a:solidFill>
+                  <a:srgbClr val="000000"/>
+                </a:solidFill>
+                <a:effectLst/>
+                <a:uLnTx/>
+                <a:uFillTx/>
+                <a:latin typeface="Segoe UI"/>
+                <a:ea typeface="+mn-ea"/>
+                <a:cs typeface="+mn-cs"/>
+                <a:hlinkClick r:id="rId4"/>
+              </a:rPr>
+              <a:t>https://docs.microsoft.com/en-us/assessments/?mode=pre-assessment&amp;session=local</a:t>
+            </a:r>
+            <a:endParaRPr kumimoji="0" lang="en-US" sz="2800" b="0" i="0" u="none" strike="noStrike" kern="1200" cap="none" spc="0" normalizeH="0" baseline="0" noProof="0" dirty="0">
+              <a:ln>
+                <a:noFill/>
+              </a:ln>
+              <a:solidFill>
+                <a:srgbClr val="FFFFFF"/>
+              </a:solidFill>
+              <a:effectLst/>
+              <a:uLnTx/>
+              <a:uFillTx/>
+              <a:latin typeface="Segoe UI"/>
+              <a:ea typeface="+mn-ea"/>
+              <a:cs typeface="+mn-cs"/>
+            </a:endParaRPr>
+          </a:p>
+          <a:p>
+            <a:pPr marL="457200" marR="0" lvl="0" indent="-457200" algn="l" defTabSz="914400" rtl="0" eaLnBrk="1" fontAlgn="auto" latinLnBrk="0" hangingPunct="1">
+              <a:lnSpc>
+                <a:spcPct val="100000"/>
+              </a:lnSpc>
+              <a:spcBef>
+                <a:spcPts val="0"/>
+              </a:spcBef>
+              <a:spcAft>
+                <a:spcPts val="0"/>
+              </a:spcAft>
+              <a:buClrTx/>
+              <a:buSzTx/>
+              <a:buFont typeface="+mj-lt"/>
+              <a:buAutoNum type="arabicPeriod"/>
+              <a:tabLst/>
+              <a:defRPr/>
+            </a:pPr>
+            <a:endParaRPr kumimoji="0" lang="en-US" sz="2800" b="0" i="0" u="none" strike="noStrike" kern="1200" cap="none" spc="0" normalizeH="0" baseline="0" noProof="0" dirty="0">
+              <a:ln>
+                <a:noFill/>
+              </a:ln>
+              <a:solidFill>
+                <a:srgbClr val="FFFFFF"/>
+              </a:solidFill>
+              <a:effectLst/>
+              <a:uLnTx/>
+              <a:uFillTx/>
+              <a:latin typeface="Segoe UI"/>
+              <a:ea typeface="+mn-ea"/>
+              <a:cs typeface="+mn-cs"/>
+            </a:endParaRPr>
+          </a:p>
+        </p:txBody>
+      </p:sp>
+    </p:spTree>
+    <p:extLst>
+      <p:ext uri="{BB962C8B-B14F-4D97-AF65-F5344CB8AC3E}">
+        <p14:creationId xmlns:p14="http://schemas.microsoft.com/office/powerpoint/2010/main" val="3987509547"/>
+      </p:ext>
+    </p:extLst>
+  </p:cSld>
+  <p:clrMapOvr>
+    <a:masterClrMapping/>
+  </p:clrMapOvr>
+  <p:transition>
+    <p:fade/>
+  </p:transition>
+</p:sld>
+</file>
+
+<file path=ppt/slides/slide8.xml><?xml version="1.0" encoding="utf-8"?>
+<p:sld xmlns:a="http://schemas.openxmlformats.org/drawingml/2006/main" xmlns:r="http://schemas.openxmlformats.org/officeDocument/2006/relationships" xmlns:p="http://schemas.openxmlformats.org/presentationml/2006/main">
+  <p:cSld>
+    <p:bg>
+      <p:bgPr>
+        <a:solidFill>
+          <a:schemeClr val="tx1">
+            <a:lumMod val="65000"/>
+            <a:lumOff val="35000"/>
+          </a:schemeClr>
+        </a:solidFill>
+        <a:effectLst/>
+      </p:bgPr>
+    </p:bg>
+    <p:spTree>
+      <p:nvGrpSpPr>
+        <p:cNvPr id="1" name=""/>
+        <p:cNvGrpSpPr/>
+        <p:nvPr/>
+      </p:nvGrpSpPr>
+      <p:grpSpPr>
+        <a:xfrm>
+          <a:off x="0" y="0"/>
+          <a:ext cx="0" cy="0"/>
+          <a:chOff x="0" y="0"/>
+          <a:chExt cx="0" cy="0"/>
+        </a:xfrm>
+      </p:grpSpPr>
+      <p:sp>
+        <p:nvSpPr>
+          <p:cNvPr id="2" name="Title 1">
+            <a:extLst>
+              <a:ext uri="{FF2B5EF4-FFF2-40B4-BE49-F238E27FC236}">
+                <a16:creationId xmlns:a16="http://schemas.microsoft.com/office/drawing/2014/main" id="{BBB84D00-5465-4D6C-8B5A-46D1308CEA53}"/>
+              </a:ext>
+            </a:extLst>
+          </p:cNvPr>
+          <p:cNvSpPr>
+            <a:spLocks noGrp="1"/>
+          </p:cNvSpPr>
+          <p:nvPr>
+            <p:ph type="title"/>
+          </p:nvPr>
+        </p:nvSpPr>
+        <p:spPr>
+          <a:xfrm>
             <a:off x="426114" y="249467"/>
             <a:ext cx="11018520" cy="1169551"/>
           </a:xfrm>
@@ -33849,7 +34315,7 @@
 </p:sld>
 </file>
 
-<file path=ppt/slides/slide8.xml><?xml version="1.0" encoding="utf-8"?>
+<file path=ppt/slides/slide9.xml><?xml version="1.0" encoding="utf-8"?>
 <p:sld xmlns:a="http://schemas.openxmlformats.org/drawingml/2006/main" xmlns:r="http://schemas.openxmlformats.org/officeDocument/2006/relationships" xmlns:p="http://schemas.openxmlformats.org/presentationml/2006/main">
   <p:cSld>
     <p:bg>
@@ -34080,196 +34546,6 @@
   <p:transition>
     <p:fade/>
   </p:transition>
-</p:sld>
-</file>
-
-<file path=ppt/slides/slide9.xml><?xml version="1.0" encoding="utf-8"?>
-<p:sld xmlns:a="http://schemas.openxmlformats.org/drawingml/2006/main" xmlns:r="http://schemas.openxmlformats.org/officeDocument/2006/relationships" xmlns:p="http://schemas.openxmlformats.org/presentationml/2006/main">
-  <p:cSld>
-    <p:spTree>
-      <p:nvGrpSpPr>
-        <p:cNvPr id="1" name=""/>
-        <p:cNvGrpSpPr/>
-        <p:nvPr/>
-      </p:nvGrpSpPr>
-      <p:grpSpPr>
-        <a:xfrm>
-          <a:off x="0" y="0"/>
-          <a:ext cx="0" cy="0"/>
-          <a:chOff x="0" y="0"/>
-          <a:chExt cx="0" cy="0"/>
-        </a:xfrm>
-      </p:grpSpPr>
-      <p:sp>
-        <p:nvSpPr>
-          <p:cNvPr id="2" name="Title 1"/>
-          <p:cNvSpPr>
-            <a:spLocks noGrp="1"/>
-          </p:cNvSpPr>
-          <p:nvPr>
-            <p:ph type="title" idx="4294967295"/>
-          </p:nvPr>
-        </p:nvSpPr>
-        <p:spPr>
-          <a:xfrm>
-            <a:off x="317500" y="307974"/>
-            <a:ext cx="11017250" cy="1169551"/>
-          </a:xfrm>
-        </p:spPr>
-        <p:txBody>
-          <a:bodyPr/>
-          <a:lstStyle/>
-          <a:p>
-            <a:r>
-              <a:rPr lang="en-US" dirty="0"/>
-              <a:t>Customer</a:t>
-            </a:r>
-            <a:r>
-              <a:rPr lang="en-US" sz="4000" dirty="0"/>
-              <a:t> situation</a:t>
-            </a:r>
-            <a:br>
-              <a:rPr lang="en-US" dirty="0"/>
-            </a:br>
-            <a:endParaRPr lang="en-US" dirty="0"/>
-          </a:p>
-        </p:txBody>
-      </p:sp>
-      <p:sp>
-        <p:nvSpPr>
-          <p:cNvPr id="3" name="Content Placeholder 2"/>
-          <p:cNvSpPr>
-            <a:spLocks noGrp="1"/>
-          </p:cNvSpPr>
-          <p:nvPr>
-            <p:ph type="body" sz="quarter" idx="4294967295"/>
-          </p:nvPr>
-        </p:nvSpPr>
-        <p:spPr>
-          <a:xfrm>
-            <a:off x="317500" y="1204803"/>
-            <a:ext cx="11652250" cy="4789003"/>
-          </a:xfrm>
-        </p:spPr>
-        <p:txBody>
-          <a:bodyPr/>
-          <a:lstStyle/>
-          <a:p>
-            <a:pPr marL="0" lvl="0" indent="0">
-              <a:buNone/>
-            </a:pPr>
-            <a:r>
-              <a:rPr lang="en-US" dirty="0">
-                <a:latin typeface="Segoe UI Semibold" panose="020B0702040204020203" pitchFamily="34" charset="0"/>
-                <a:cs typeface="Segoe UI Semibold" panose="020B0702040204020203" pitchFamily="34" charset="0"/>
-              </a:rPr>
-              <a:t>Trey Research</a:t>
-            </a:r>
-            <a:endParaRPr lang="en-US" dirty="0"/>
-          </a:p>
-          <a:p>
-            <a:pPr lvl="0"/>
-            <a:r>
-              <a:rPr lang="en-US" sz="2400" dirty="0">
-                <a:latin typeface="+mn-lt"/>
-              </a:rPr>
-              <a:t>Consumer products manufacturing (</a:t>
-            </a:r>
-            <a:r>
-              <a:rPr lang="en-US" sz="2400" dirty="0"/>
-              <a:t>Manufacturing and Resources) </a:t>
-            </a:r>
-            <a:r>
-              <a:rPr lang="en-US" sz="2400" dirty="0">
-                <a:latin typeface="+mn-lt"/>
-              </a:rPr>
-              <a:t>company </a:t>
-            </a:r>
-          </a:p>
-          <a:p>
-            <a:pPr lvl="0"/>
-            <a:r>
-              <a:rPr lang="en-US" sz="2400" dirty="0">
-                <a:latin typeface="+mn-lt"/>
-              </a:rPr>
-              <a:t>Annual revenues of USD $29.6 billion </a:t>
-            </a:r>
-          </a:p>
-          <a:p>
-            <a:pPr lvl="0"/>
-            <a:r>
-              <a:rPr lang="en-US" sz="2400" dirty="0"/>
-              <a:t>10,000 - 14,999 Employees</a:t>
-            </a:r>
-          </a:p>
-          <a:p>
-            <a:pPr lvl="0"/>
-            <a:r>
-              <a:rPr lang="en-US" sz="2400" dirty="0">
-                <a:latin typeface="+mn-lt"/>
-              </a:rPr>
-              <a:t>Global company</a:t>
-            </a:r>
-          </a:p>
-          <a:p>
-            <a:pPr lvl="1"/>
-            <a:r>
-              <a:rPr lang="en-US" sz="2400" dirty="0"/>
-              <a:t>Headquarters in New Jersey</a:t>
-            </a:r>
-          </a:p>
-          <a:p>
-            <a:pPr lvl="1"/>
-            <a:r>
-              <a:rPr lang="en-US" sz="2400" dirty="0"/>
-              <a:t>Major offices in the UK, France, and Japan</a:t>
-            </a:r>
-          </a:p>
-          <a:p>
-            <a:pPr lvl="1"/>
-            <a:r>
-              <a:rPr lang="en-US" sz="2400" dirty="0"/>
-              <a:t>Data centers and branch offices scattered across the United States </a:t>
-            </a:r>
-          </a:p>
-          <a:p>
-            <a:pPr lvl="0"/>
-            <a:r>
-              <a:rPr lang="en-US" sz="2400" dirty="0">
-                <a:latin typeface="+mn-lt"/>
-              </a:rPr>
-              <a:t>Looking to mitigate creeping costs as well as start the transition to a modern cloud enterprise architecture</a:t>
-            </a:r>
-          </a:p>
-          <a:p>
-            <a:pPr lvl="0"/>
-            <a:r>
-              <a:rPr lang="en-US" sz="2400" dirty="0">
-                <a:latin typeface="+mn-lt"/>
-              </a:rPr>
-              <a:t>Large EA commitment to Azure</a:t>
-            </a:r>
-          </a:p>
-        </p:txBody>
-      </p:sp>
-    </p:spTree>
-    <p:extLst>
-      <p:ext uri="{BB962C8B-B14F-4D97-AF65-F5344CB8AC3E}">
-        <p14:creationId xmlns:p14="http://schemas.microsoft.com/office/powerpoint/2010/main" val="3463405493"/>
-      </p:ext>
-    </p:extLst>
-  </p:cSld>
-  <p:clrMapOvr>
-    <a:masterClrMapping/>
-  </p:clrMapOvr>
-  <mc:AlternateContent xmlns:mc="http://schemas.openxmlformats.org/markup-compatibility/2006" xmlns:p14="http://schemas.microsoft.com/office/powerpoint/2010/main">
-    <mc:Choice Requires="p14">
-      <p:transition p14:dur="0"/>
-    </mc:Choice>
-    <mc:Fallback xmlns="">
-      <p:transition/>
-    </mc:Fallback>
-  </mc:AlternateContent>
 </p:sld>
 </file>
 
@@ -35157,16 +35433,6 @@
 </file>
 
 <file path=customXml/item1.xml><?xml version="1.0" encoding="utf-8"?>
-<p:properties xmlns:p="http://schemas.microsoft.com/office/2006/metadata/properties" xmlns:xsi="http://www.w3.org/2001/XMLSchema-instance" xmlns:pc="http://schemas.microsoft.com/office/infopath/2007/PartnerControls">
-  <documentManagement>
-    <_ip_UnifiedCompliancePolicyUIAction xmlns="http://schemas.microsoft.com/sharepoint/v3" xsi:nil="true"/>
-    <_ip_UnifiedCompliancePolicyProperties xmlns="http://schemas.microsoft.com/sharepoint/v3" xsi:nil="true"/>
-    <MediaServiceKeyPoints xmlns="4f739e96-1d8c-4498-89a6-60212c820c8d" xsi:nil="true"/>
-  </documentManagement>
-</p:properties>
-</file>
-
-<file path=customXml/item2.xml><?xml version="1.0" encoding="utf-8"?>
 <ct:contentTypeSchema xmlns:ct="http://schemas.microsoft.com/office/2006/metadata/contentType" xmlns:ma="http://schemas.microsoft.com/office/2006/metadata/properties/metaAttributes" ct:_="" ma:_="" ma:contentTypeName="Document" ma:contentTypeID="0x0101009E1D2B53531E8F4FB34BAC0F148301E5" ma:contentTypeVersion="17" ma:contentTypeDescription="Create a new document." ma:contentTypeScope="" ma:versionID="19d2cc8f120c41b44a1d23befae704cb">
   <xsd:schema xmlns:xsd="http://www.w3.org/2001/XMLSchema" xmlns:xs="http://www.w3.org/2001/XMLSchema" xmlns:p="http://schemas.microsoft.com/office/2006/metadata/properties" xmlns:ns1="http://schemas.microsoft.com/sharepoint/v3" xmlns:ns3="c401ec21-b7bc-4c3e-a6bd-9df6fc45ac48" xmlns:ns4="4f739e96-1d8c-4498-89a6-60212c820c8d" targetNamespace="http://schemas.microsoft.com/office/2006/metadata/properties" ma:root="true" ma:fieldsID="c8cfa5749a937c3fb62e21b41c93ef8f" ns1:_="" ns3:_="" ns4:_="">
     <xsd:import namespace="http://schemas.microsoft.com/sharepoint/v3"/>
@@ -35418,6 +35684,16 @@
 </ct:contentTypeSchema>
 </file>
 
+<file path=customXml/item2.xml><?xml version="1.0" encoding="utf-8"?>
+<p:properties xmlns:p="http://schemas.microsoft.com/office/2006/metadata/properties" xmlns:xsi="http://www.w3.org/2001/XMLSchema-instance" xmlns:pc="http://schemas.microsoft.com/office/infopath/2007/PartnerControls">
+  <documentManagement>
+    <_ip_UnifiedCompliancePolicyUIAction xmlns="http://schemas.microsoft.com/sharepoint/v3" xsi:nil="true"/>
+    <_ip_UnifiedCompliancePolicyProperties xmlns="http://schemas.microsoft.com/sharepoint/v3" xsi:nil="true"/>
+    <MediaServiceKeyPoints xmlns="4f739e96-1d8c-4498-89a6-60212c820c8d" xsi:nil="true"/>
+  </documentManagement>
+</p:properties>
+</file>
+
 <file path=customXml/item3.xml><?xml version="1.0" encoding="utf-8"?>
 <?mso-contentType ?>
 <FormTemplates xmlns="http://schemas.microsoft.com/sharepoint/v3/contenttype/forms">
@@ -35428,17 +35704,6 @@
 </file>
 
 <file path=customXml/itemProps1.xml><?xml version="1.0" encoding="utf-8"?>
-<ds:datastoreItem xmlns:ds="http://schemas.openxmlformats.org/officeDocument/2006/customXml" ds:itemID="{89F405BB-FA77-4079-9E9F-63E8CDD43E0F}">
-  <ds:schemaRefs>
-    <ds:schemaRef ds:uri="http://schemas.microsoft.com/office/2006/metadata/properties"/>
-    <ds:schemaRef ds:uri="http://schemas.microsoft.com/office/infopath/2007/PartnerControls"/>
-    <ds:schemaRef ds:uri="http://schemas.microsoft.com/sharepoint/v3"/>
-    <ds:schemaRef ds:uri="4f739e96-1d8c-4498-89a6-60212c820c8d"/>
-  </ds:schemaRefs>
-</ds:datastoreItem>
-</file>
-
-<file path=customXml/itemProps2.xml><?xml version="1.0" encoding="utf-8"?>
 <ds:datastoreItem xmlns:ds="http://schemas.openxmlformats.org/officeDocument/2006/customXml" ds:itemID="{DB1A293B-55CF-44D4-A273-4342A675A846}">
   <ds:schemaRefs>
     <ds:schemaRef ds:uri="http://schemas.microsoft.com/office/2006/metadata/contentType"/>
@@ -35458,6 +35723,17 @@
 </ds:datastoreItem>
 </file>
 
+<file path=customXml/itemProps2.xml><?xml version="1.0" encoding="utf-8"?>
+<ds:datastoreItem xmlns:ds="http://schemas.openxmlformats.org/officeDocument/2006/customXml" ds:itemID="{89F405BB-FA77-4079-9E9F-63E8CDD43E0F}">
+  <ds:schemaRefs>
+    <ds:schemaRef ds:uri="http://schemas.microsoft.com/office/2006/metadata/properties"/>
+    <ds:schemaRef ds:uri="http://schemas.microsoft.com/office/infopath/2007/PartnerControls"/>
+    <ds:schemaRef ds:uri="http://schemas.microsoft.com/sharepoint/v3"/>
+    <ds:schemaRef ds:uri="4f739e96-1d8c-4498-89a6-60212c820c8d"/>
+  </ds:schemaRefs>
+</ds:datastoreItem>
+</file>
+
 <file path=customXml/itemProps3.xml><?xml version="1.0" encoding="utf-8"?>
 <ds:datastoreItem xmlns:ds="http://schemas.openxmlformats.org/officeDocument/2006/customXml" ds:itemID="{995DA3AF-F2AB-4624-BB79-E4D25CD4C6F9}">
   <ds:schemaRefs>

--- a/Student/Guides/CAF Workshop Labs.pptx
+++ b/Student/Guides/CAF Workshop Labs.pptx
@@ -205,6 +205,62 @@
 
 <file path=ppt/changesInfos/changesInfo1.xml><?xml version="1.0" encoding="utf-8"?>
 <pc:chgInfo xmlns:a="http://schemas.openxmlformats.org/drawingml/2006/main" xmlns:r="http://schemas.openxmlformats.org/officeDocument/2006/relationships" xmlns:ac="http://schemas.microsoft.com/office/drawing/2013/main/command" xmlns:pc="http://schemas.microsoft.com/office/powerpoint/2013/main/command">
+  <pc:docChgLst>
+    <pc:chgData name="Martin Modin" userId="bd7cbf59-f9ff-43c7-9d02-90d6dae8a7e3" providerId="ADAL" clId="{A8FF19D5-F041-4B75-8B5C-C0105BFBC75D}"/>
+    <pc:docChg chg="modSld">
+      <pc:chgData name="Martin Modin" userId="bd7cbf59-f9ff-43c7-9d02-90d6dae8a7e3" providerId="ADAL" clId="{A8FF19D5-F041-4B75-8B5C-C0105BFBC75D}" dt="2020-02-17T19:31:39.287" v="0" actId="1076"/>
+      <pc:docMkLst>
+        <pc:docMk/>
+      </pc:docMkLst>
+      <pc:sldChg chg="modSp mod">
+        <pc:chgData name="Martin Modin" userId="bd7cbf59-f9ff-43c7-9d02-90d6dae8a7e3" providerId="ADAL" clId="{A8FF19D5-F041-4B75-8B5C-C0105BFBC75D}" dt="2020-02-17T19:31:39.287" v="0" actId="1076"/>
+        <pc:sldMkLst>
+          <pc:docMk/>
+          <pc:sldMk cId="364144771" sldId="2076137203"/>
+        </pc:sldMkLst>
+        <pc:spChg chg="mod">
+          <ac:chgData name="Martin Modin" userId="bd7cbf59-f9ff-43c7-9d02-90d6dae8a7e3" providerId="ADAL" clId="{A8FF19D5-F041-4B75-8B5C-C0105BFBC75D}" dt="2020-02-17T19:31:39.287" v="0" actId="1076"/>
+          <ac:spMkLst>
+            <pc:docMk/>
+            <pc:sldMk cId="364144771" sldId="2076137203"/>
+            <ac:spMk id="7" creationId="{B1EA2C03-8FCA-4E7B-9690-AE2E102D5D7A}"/>
+          </ac:spMkLst>
+        </pc:spChg>
+        <pc:cxnChg chg="mod">
+          <ac:chgData name="Martin Modin" userId="bd7cbf59-f9ff-43c7-9d02-90d6dae8a7e3" providerId="ADAL" clId="{A8FF19D5-F041-4B75-8B5C-C0105BFBC75D}" dt="2020-02-17T19:31:39.287" v="0" actId="1076"/>
+          <ac:cxnSpMkLst>
+            <pc:docMk/>
+            <pc:sldMk cId="364144771" sldId="2076137203"/>
+            <ac:cxnSpMk id="21" creationId="{3D7E31EA-366B-4394-AACB-686BEE35F86C}"/>
+          </ac:cxnSpMkLst>
+        </pc:cxnChg>
+        <pc:cxnChg chg="mod">
+          <ac:chgData name="Martin Modin" userId="bd7cbf59-f9ff-43c7-9d02-90d6dae8a7e3" providerId="ADAL" clId="{A8FF19D5-F041-4B75-8B5C-C0105BFBC75D}" dt="2020-02-17T19:31:39.287" v="0" actId="1076"/>
+          <ac:cxnSpMkLst>
+            <pc:docMk/>
+            <pc:sldMk cId="364144771" sldId="2076137203"/>
+            <ac:cxnSpMk id="22" creationId="{199082B1-63C0-418A-8426-87FFCBF0C940}"/>
+          </ac:cxnSpMkLst>
+        </pc:cxnChg>
+        <pc:cxnChg chg="mod">
+          <ac:chgData name="Martin Modin" userId="bd7cbf59-f9ff-43c7-9d02-90d6dae8a7e3" providerId="ADAL" clId="{A8FF19D5-F041-4B75-8B5C-C0105BFBC75D}" dt="2020-02-17T19:31:39.287" v="0" actId="1076"/>
+          <ac:cxnSpMkLst>
+            <pc:docMk/>
+            <pc:sldMk cId="364144771" sldId="2076137203"/>
+            <ac:cxnSpMk id="23" creationId="{6DDAE0BC-A8B7-4683-AF65-492080E1492B}"/>
+          </ac:cxnSpMkLst>
+        </pc:cxnChg>
+        <pc:cxnChg chg="mod">
+          <ac:chgData name="Martin Modin" userId="bd7cbf59-f9ff-43c7-9d02-90d6dae8a7e3" providerId="ADAL" clId="{A8FF19D5-F041-4B75-8B5C-C0105BFBC75D}" dt="2020-02-17T19:31:39.287" v="0" actId="1076"/>
+          <ac:cxnSpMkLst>
+            <pc:docMk/>
+            <pc:sldMk cId="364144771" sldId="2076137203"/>
+            <ac:cxnSpMk id="37" creationId="{ACB8BD67-987F-45F5-9329-D1EA70CDADF7}"/>
+          </ac:cxnSpMkLst>
+        </pc:cxnChg>
+      </pc:sldChg>
+    </pc:docChg>
+  </pc:docChgLst>
   <pc:docChgLst>
     <pc:chgData name="Rob Kuehfus" userId="08fa2429-8542-44d3-bca6-fdf2f04fc238" providerId="ADAL" clId="{7B431B48-7668-46F8-9D4A-93DAB5C362A4}"/>
     <pc:docChg chg="custSel addSld delSld modSld modSection">
@@ -566,62 +622,6 @@
           <pc:docMk/>
           <pc:sldMk cId="349555661" sldId="2076137590"/>
         </pc:sldMkLst>
-      </pc:sldChg>
-    </pc:docChg>
-  </pc:docChgLst>
-  <pc:docChgLst>
-    <pc:chgData name="Martin Modin" userId="bd7cbf59-f9ff-43c7-9d02-90d6dae8a7e3" providerId="ADAL" clId="{A8FF19D5-F041-4B75-8B5C-C0105BFBC75D}"/>
-    <pc:docChg chg="modSld">
-      <pc:chgData name="Martin Modin" userId="bd7cbf59-f9ff-43c7-9d02-90d6dae8a7e3" providerId="ADAL" clId="{A8FF19D5-F041-4B75-8B5C-C0105BFBC75D}" dt="2020-02-17T19:31:39.287" v="0" actId="1076"/>
-      <pc:docMkLst>
-        <pc:docMk/>
-      </pc:docMkLst>
-      <pc:sldChg chg="modSp mod">
-        <pc:chgData name="Martin Modin" userId="bd7cbf59-f9ff-43c7-9d02-90d6dae8a7e3" providerId="ADAL" clId="{A8FF19D5-F041-4B75-8B5C-C0105BFBC75D}" dt="2020-02-17T19:31:39.287" v="0" actId="1076"/>
-        <pc:sldMkLst>
-          <pc:docMk/>
-          <pc:sldMk cId="364144771" sldId="2076137203"/>
-        </pc:sldMkLst>
-        <pc:spChg chg="mod">
-          <ac:chgData name="Martin Modin" userId="bd7cbf59-f9ff-43c7-9d02-90d6dae8a7e3" providerId="ADAL" clId="{A8FF19D5-F041-4B75-8B5C-C0105BFBC75D}" dt="2020-02-17T19:31:39.287" v="0" actId="1076"/>
-          <ac:spMkLst>
-            <pc:docMk/>
-            <pc:sldMk cId="364144771" sldId="2076137203"/>
-            <ac:spMk id="7" creationId="{B1EA2C03-8FCA-4E7B-9690-AE2E102D5D7A}"/>
-          </ac:spMkLst>
-        </pc:spChg>
-        <pc:cxnChg chg="mod">
-          <ac:chgData name="Martin Modin" userId="bd7cbf59-f9ff-43c7-9d02-90d6dae8a7e3" providerId="ADAL" clId="{A8FF19D5-F041-4B75-8B5C-C0105BFBC75D}" dt="2020-02-17T19:31:39.287" v="0" actId="1076"/>
-          <ac:cxnSpMkLst>
-            <pc:docMk/>
-            <pc:sldMk cId="364144771" sldId="2076137203"/>
-            <ac:cxnSpMk id="21" creationId="{3D7E31EA-366B-4394-AACB-686BEE35F86C}"/>
-          </ac:cxnSpMkLst>
-        </pc:cxnChg>
-        <pc:cxnChg chg="mod">
-          <ac:chgData name="Martin Modin" userId="bd7cbf59-f9ff-43c7-9d02-90d6dae8a7e3" providerId="ADAL" clId="{A8FF19D5-F041-4B75-8B5C-C0105BFBC75D}" dt="2020-02-17T19:31:39.287" v="0" actId="1076"/>
-          <ac:cxnSpMkLst>
-            <pc:docMk/>
-            <pc:sldMk cId="364144771" sldId="2076137203"/>
-            <ac:cxnSpMk id="22" creationId="{199082B1-63C0-418A-8426-87FFCBF0C940}"/>
-          </ac:cxnSpMkLst>
-        </pc:cxnChg>
-        <pc:cxnChg chg="mod">
-          <ac:chgData name="Martin Modin" userId="bd7cbf59-f9ff-43c7-9d02-90d6dae8a7e3" providerId="ADAL" clId="{A8FF19D5-F041-4B75-8B5C-C0105BFBC75D}" dt="2020-02-17T19:31:39.287" v="0" actId="1076"/>
-          <ac:cxnSpMkLst>
-            <pc:docMk/>
-            <pc:sldMk cId="364144771" sldId="2076137203"/>
-            <ac:cxnSpMk id="23" creationId="{6DDAE0BC-A8B7-4683-AF65-492080E1492B}"/>
-          </ac:cxnSpMkLst>
-        </pc:cxnChg>
-        <pc:cxnChg chg="mod">
-          <ac:chgData name="Martin Modin" userId="bd7cbf59-f9ff-43c7-9d02-90d6dae8a7e3" providerId="ADAL" clId="{A8FF19D5-F041-4B75-8B5C-C0105BFBC75D}" dt="2020-02-17T19:31:39.287" v="0" actId="1076"/>
-          <ac:cxnSpMkLst>
-            <pc:docMk/>
-            <pc:sldMk cId="364144771" sldId="2076137203"/>
-            <ac:cxnSpMk id="37" creationId="{ACB8BD67-987F-45F5-9329-D1EA70CDADF7}"/>
-          </ac:cxnSpMkLst>
-        </pc:cxnChg>
       </pc:sldChg>
     </pc:docChg>
   </pc:docChgLst>
@@ -1040,7 +1040,7 @@
           <a:p>
             <a:fld id="{B996B65D-94E1-4590-968C-59BA83F342B4}" type="datetimeFigureOut">
               <a:rPr lang="en-US" smtClean="0"/>
-              <a:t>2/19/2020</a:t>
+              <a:t>2/20/2020</a:t>
             </a:fld>
             <a:endParaRPr lang="en-US"/>
           </a:p>
@@ -1905,7 +1905,7 @@
                 <a:tabLst/>
                 <a:defRPr/>
               </a:pPr>
-              <a:t>2/19/2020 1:23 PM</a:t>
+              <a:t>2/20/2020 7:43 AM</a:t>
             </a:fld>
             <a:endParaRPr kumimoji="0" lang="en-US" sz="1200" b="0" i="0" u="none" strike="noStrike" kern="1200" cap="none" spc="0" normalizeH="0" baseline="0" noProof="0">
               <a:ln>
@@ -2277,7 +2277,7 @@
                 <a:tabLst/>
                 <a:defRPr/>
               </a:pPr>
-              <a:t>2/19/2020 1:19 PM</a:t>
+              <a:t>2/20/2020 7:43 AM</a:t>
             </a:fld>
             <a:endParaRPr kumimoji="0" lang="en-US" sz="1200" b="0" i="0" u="none" strike="noStrike" kern="1200" cap="none" spc="0" normalizeH="0" baseline="0" noProof="0">
               <a:ln>
@@ -2613,7 +2613,7 @@
                 <a:tabLst/>
                 <a:defRPr/>
               </a:pPr>
-              <a:t>2/19/2020 1:19 PM</a:t>
+              <a:t>2/20/2020 7:43 AM</a:t>
             </a:fld>
             <a:endParaRPr kumimoji="0" lang="en-US" sz="1200" b="0" i="0" u="none" strike="noStrike" kern="1200" cap="none" spc="0" normalizeH="0" baseline="0" noProof="0">
               <a:ln>
@@ -2985,7 +2985,7 @@
                 <a:tabLst/>
                 <a:defRPr/>
               </a:pPr>
-              <a:t>2/19/2020 1:19 PM</a:t>
+              <a:t>2/20/2020 7:43 AM</a:t>
             </a:fld>
             <a:endParaRPr kumimoji="0" lang="en-US" sz="1200" b="0" i="0" u="none" strike="noStrike" kern="1200" cap="none" spc="0" normalizeH="0" baseline="0" noProof="0">
               <a:ln>
@@ -3333,7 +3333,7 @@
                 <a:tabLst/>
                 <a:defRPr/>
               </a:pPr>
-              <a:t>2/19/2020 1:19 PM</a:t>
+              <a:t>2/20/2020 7:43 AM</a:t>
             </a:fld>
             <a:endParaRPr kumimoji="0" lang="en-US" sz="1200" b="0" i="0" u="none" strike="noStrike" kern="1200" cap="none" spc="0" normalizeH="0" baseline="0" noProof="0">
               <a:ln>
@@ -3681,7 +3681,7 @@
                 <a:tabLst/>
                 <a:defRPr/>
               </a:pPr>
-              <a:t>2/19/2020 1:19 PM</a:t>
+              <a:t>2/20/2020 7:43 AM</a:t>
             </a:fld>
             <a:endParaRPr kumimoji="0" lang="en-US" sz="1200" b="0" i="0" u="none" strike="noStrike" kern="1200" cap="none" spc="0" normalizeH="0" baseline="0" noProof="0">
               <a:ln>
@@ -4980,7 +4980,7 @@
                 <a:tabLst/>
                 <a:defRPr/>
               </a:pPr>
-              <a:t>2/19/2020</a:t>
+              <a:t>2/20/2020</a:t>
             </a:fld>
             <a:endParaRPr kumimoji="0" lang="en-US" sz="1200" b="0" i="0" u="none" strike="noStrike" kern="1200" cap="none" spc="0" normalizeH="0" baseline="0" noProof="0">
               <a:ln>
@@ -7755,7 +7755,7 @@
                 <a:tabLst/>
                 <a:defRPr/>
               </a:pPr>
-              <a:t>2/19/2020 1:19 PM</a:t>
+              <a:t>2/20/2020 7:43 AM</a:t>
             </a:fld>
             <a:endParaRPr kumimoji="0" lang="en-US" sz="1200" b="0" i="0" u="none" strike="noStrike" kern="1200" cap="none" spc="0" normalizeH="0" baseline="0" noProof="0">
               <a:ln>
@@ -8109,7 +8109,7 @@
                 <a:tabLst/>
                 <a:defRPr/>
               </a:pPr>
-              <a:t>2/19/2020 1:19 PM</a:t>
+              <a:t>2/20/2020 7:43 AM</a:t>
             </a:fld>
             <a:endParaRPr kumimoji="0" lang="en-US" sz="1200" b="0" i="0" u="none" strike="noStrike" kern="1200" cap="none" spc="0" normalizeH="0" baseline="0" noProof="0">
               <a:ln>
@@ -8463,7 +8463,7 @@
                 <a:tabLst/>
                 <a:defRPr/>
               </a:pPr>
-              <a:t>2/19/2020 1:19 PM</a:t>
+              <a:t>2/20/2020 7:43 AM</a:t>
             </a:fld>
             <a:endParaRPr kumimoji="0" lang="en-US" sz="1200" b="0" i="0" u="none" strike="noStrike" kern="1200" cap="none" spc="0" normalizeH="0" baseline="0" noProof="0">
               <a:ln>
@@ -8811,7 +8811,7 @@
                 <a:tabLst/>
                 <a:defRPr/>
               </a:pPr>
-              <a:t>2/19/2020 1:19 PM</a:t>
+              <a:t>2/20/2020 7:43 AM</a:t>
             </a:fld>
             <a:endParaRPr kumimoji="0" lang="en-US" sz="1200" b="0" i="0" u="none" strike="noStrike" kern="1200" cap="none" spc="0" normalizeH="0" baseline="0" noProof="0">
               <a:ln>
@@ -9147,7 +9147,7 @@
                 <a:tabLst/>
                 <a:defRPr/>
               </a:pPr>
-              <a:t>2/19/2020 1:19 PM</a:t>
+              <a:t>2/20/2020 7:43 AM</a:t>
             </a:fld>
             <a:endParaRPr kumimoji="0" lang="en-US" sz="1200" b="0" i="0" u="none" strike="noStrike" kern="1200" cap="none" spc="0" normalizeH="0" baseline="0" noProof="0">
               <a:ln>
@@ -9483,7 +9483,7 @@
                 <a:tabLst/>
                 <a:defRPr/>
               </a:pPr>
-              <a:t>2/19/2020 1:19 PM</a:t>
+              <a:t>2/20/2020 7:43 AM</a:t>
             </a:fld>
             <a:endParaRPr kumimoji="0" lang="en-US" sz="1200" b="0" i="0" u="none" strike="noStrike" kern="1200" cap="none" spc="0" normalizeH="0" baseline="0" noProof="0">
               <a:ln>
@@ -9745,7 +9745,7 @@
           <a:p>
             <a:fld id="{D525898D-123A-47A8-80A7-6A00225291FB}" type="datetimeFigureOut">
               <a:rPr lang="en-US" smtClean="0"/>
-              <a:t>2/19/2020</a:t>
+              <a:t>2/20/2020</a:t>
             </a:fld>
             <a:endParaRPr lang="en-US"/>
           </a:p>
@@ -9943,7 +9943,7 @@
           <a:p>
             <a:fld id="{D525898D-123A-47A8-80A7-6A00225291FB}" type="datetimeFigureOut">
               <a:rPr lang="en-US" smtClean="0"/>
-              <a:t>2/19/2020</a:t>
+              <a:t>2/20/2020</a:t>
             </a:fld>
             <a:endParaRPr lang="en-US"/>
           </a:p>
@@ -10151,7 +10151,7 @@
           <a:p>
             <a:fld id="{D525898D-123A-47A8-80A7-6A00225291FB}" type="datetimeFigureOut">
               <a:rPr lang="en-US" smtClean="0"/>
-              <a:t>2/19/2020</a:t>
+              <a:t>2/20/2020</a:t>
             </a:fld>
             <a:endParaRPr lang="en-US"/>
           </a:p>
@@ -13710,7 +13710,7 @@
           <a:p>
             <a:fld id="{D525898D-123A-47A8-80A7-6A00225291FB}" type="datetimeFigureOut">
               <a:rPr lang="en-US" smtClean="0"/>
-              <a:t>2/19/2020</a:t>
+              <a:t>2/20/2020</a:t>
             </a:fld>
             <a:endParaRPr lang="en-US"/>
           </a:p>
@@ -16732,7 +16732,7 @@
           <a:p>
             <a:fld id="{D525898D-123A-47A8-80A7-6A00225291FB}" type="datetimeFigureOut">
               <a:rPr lang="en-US" smtClean="0"/>
-              <a:t>2/19/2020</a:t>
+              <a:t>2/20/2020</a:t>
             </a:fld>
             <a:endParaRPr lang="en-US"/>
           </a:p>
@@ -18837,7 +18837,7 @@
           <a:p>
             <a:fld id="{D525898D-123A-47A8-80A7-6A00225291FB}" type="datetimeFigureOut">
               <a:rPr lang="en-US" smtClean="0"/>
-              <a:t>2/19/2020</a:t>
+              <a:t>2/20/2020</a:t>
             </a:fld>
             <a:endParaRPr lang="en-US"/>
           </a:p>
@@ -21110,7 +21110,7 @@
           <a:p>
             <a:fld id="{04C81BFE-F1C1-491C-9CD9-D49827A796D9}" type="datetimeFigureOut">
               <a:rPr lang="en-US" smtClean="0"/>
-              <a:t>2/19/2020</a:t>
+              <a:t>2/20/2020</a:t>
             </a:fld>
             <a:endParaRPr lang="en-US"/>
           </a:p>
@@ -21647,7 +21647,7 @@
           <a:p>
             <a:fld id="{D525898D-123A-47A8-80A7-6A00225291FB}" type="datetimeFigureOut">
               <a:rPr lang="en-US" smtClean="0"/>
-              <a:t>2/19/2020</a:t>
+              <a:t>2/20/2020</a:t>
             </a:fld>
             <a:endParaRPr lang="en-US"/>
           </a:p>
@@ -21788,7 +21788,7 @@
           <a:p>
             <a:fld id="{D525898D-123A-47A8-80A7-6A00225291FB}" type="datetimeFigureOut">
               <a:rPr lang="en-US" smtClean="0"/>
-              <a:t>2/19/2020</a:t>
+              <a:t>2/20/2020</a:t>
             </a:fld>
             <a:endParaRPr lang="en-US"/>
           </a:p>
@@ -21901,7 +21901,7 @@
           <a:p>
             <a:fld id="{D525898D-123A-47A8-80A7-6A00225291FB}" type="datetimeFigureOut">
               <a:rPr lang="en-US" smtClean="0"/>
-              <a:t>2/19/2020</a:t>
+              <a:t>2/20/2020</a:t>
             </a:fld>
             <a:endParaRPr lang="en-US"/>
           </a:p>
@@ -22212,7 +22212,7 @@
           <a:p>
             <a:fld id="{D525898D-123A-47A8-80A7-6A00225291FB}" type="datetimeFigureOut">
               <a:rPr lang="en-US" smtClean="0"/>
-              <a:t>2/19/2020</a:t>
+              <a:t>2/20/2020</a:t>
             </a:fld>
             <a:endParaRPr lang="en-US"/>
           </a:p>
@@ -22500,7 +22500,7 @@
           <a:p>
             <a:fld id="{D525898D-123A-47A8-80A7-6A00225291FB}" type="datetimeFigureOut">
               <a:rPr lang="en-US" smtClean="0"/>
-              <a:t>2/19/2020</a:t>
+              <a:t>2/20/2020</a:t>
             </a:fld>
             <a:endParaRPr lang="en-US"/>
           </a:p>
@@ -22741,7 +22741,7 @@
           <a:p>
             <a:fld id="{D525898D-123A-47A8-80A7-6A00225291FB}" type="datetimeFigureOut">
               <a:rPr lang="en-US" smtClean="0"/>
-              <a:t>2/19/2020</a:t>
+              <a:t>2/20/2020</a:t>
             </a:fld>
             <a:endParaRPr lang="en-US"/>
           </a:p>
@@ -36366,7 +36366,7 @@
         <p:spPr>
           <a:xfrm>
             <a:off x="426114" y="2549534"/>
-            <a:ext cx="9748528" cy="2585323"/>
+            <a:ext cx="9748528" cy="2154436"/>
           </a:xfrm>
           <a:prstGeom prst="rect">
             <a:avLst/>
@@ -36378,6 +36378,109 @@
             <a:spAutoFit/>
           </a:bodyPr>
           <a:lstStyle/>
+          <a:p>
+            <a:pPr marL="457200" lvl="0" indent="-457200">
+              <a:buFont typeface="+mj-lt"/>
+              <a:buAutoNum type="arabicPeriod"/>
+              <a:defRPr/>
+            </a:pPr>
+            <a:r>
+              <a:rPr kumimoji="0" lang="en-US" sz="2800" b="0" i="0" u="none" strike="noStrike" kern="1200" cap="none" spc="0" normalizeH="0" baseline="0" noProof="0" dirty="0">
+                <a:ln>
+                  <a:noFill/>
+                </a:ln>
+                <a:solidFill>
+                  <a:srgbClr val="FFFFFF"/>
+                </a:solidFill>
+                <a:effectLst/>
+                <a:uLnTx/>
+                <a:uFillTx/>
+                <a:latin typeface="Segoe UI"/>
+                <a:ea typeface="+mn-ea"/>
+                <a:cs typeface="+mn-cs"/>
+              </a:rPr>
+              <a:t>Deploy the CAF </a:t>
+            </a:r>
+            <a:r>
+              <a:rPr lang="en-US" sz="2800" dirty="0">
+                <a:solidFill>
+                  <a:srgbClr val="FFFFFF"/>
+                </a:solidFill>
+                <a:latin typeface="Segoe UI"/>
+              </a:rPr>
+              <a:t>Foundation</a:t>
+            </a:r>
+            <a:r>
+              <a:rPr kumimoji="0" lang="en-US" sz="2800" b="0" i="0" u="none" strike="noStrike" kern="1200" cap="none" spc="0" normalizeH="0" baseline="0" noProof="0" dirty="0">
+                <a:ln>
+                  <a:noFill/>
+                </a:ln>
+                <a:solidFill>
+                  <a:srgbClr val="FFFFFF"/>
+                </a:solidFill>
+                <a:effectLst/>
+                <a:uLnTx/>
+                <a:uFillTx/>
+                <a:latin typeface="Segoe UI"/>
+                <a:ea typeface="+mn-ea"/>
+                <a:cs typeface="+mn-cs"/>
+              </a:rPr>
+              <a:t> landing zone blueprint to your subscription - </a:t>
+            </a:r>
+            <a:r>
+              <a:rPr lang="en-US" sz="2800" dirty="0">
+                <a:hlinkClick r:id="rId3"/>
+              </a:rPr>
+              <a:t>https://docs.microsoft.com/en-us/azure/governance/blueprints/samples/caf-foundation/</a:t>
+            </a:r>
+            <a:endParaRPr kumimoji="0" lang="en-US" sz="2800" b="0" i="0" u="none" strike="noStrike" kern="1200" cap="none" spc="0" normalizeH="0" baseline="0" noProof="0" dirty="0">
+              <a:ln>
+                <a:noFill/>
+              </a:ln>
+              <a:solidFill>
+                <a:srgbClr val="000000"/>
+              </a:solidFill>
+              <a:effectLst/>
+              <a:uLnTx/>
+              <a:uFillTx/>
+              <a:latin typeface="Segoe UI"/>
+              <a:ea typeface="+mn-ea"/>
+              <a:cs typeface="+mn-cs"/>
+            </a:endParaRPr>
+          </a:p>
+          <a:p>
+            <a:pPr marL="0" marR="0" lvl="0" indent="0" algn="l" defTabSz="914400" rtl="0" eaLnBrk="1" fontAlgn="auto" latinLnBrk="0" hangingPunct="1">
+              <a:lnSpc>
+                <a:spcPct val="100000"/>
+              </a:lnSpc>
+              <a:spcBef>
+                <a:spcPts val="0"/>
+              </a:spcBef>
+              <a:spcAft>
+                <a:spcPts val="0"/>
+              </a:spcAft>
+              <a:buClrTx/>
+              <a:buSzTx/>
+              <a:buFontTx/>
+              <a:buNone/>
+              <a:tabLst/>
+              <a:defRPr/>
+            </a:pPr>
+            <a:endParaRPr kumimoji="0" lang="en-US" sz="2800" b="0" i="0" u="none" strike="noStrike" kern="1200" cap="none" spc="0" normalizeH="0" baseline="0" noProof="0" dirty="0">
+              <a:ln>
+                <a:noFill/>
+              </a:ln>
+              <a:solidFill>
+                <a:srgbClr val="FFFFFF"/>
+              </a:solidFill>
+              <a:effectLst/>
+              <a:uLnTx/>
+              <a:uFillTx/>
+              <a:latin typeface="Segoe UI"/>
+              <a:ea typeface="+mn-ea"/>
+              <a:cs typeface="+mn-cs"/>
+            </a:endParaRPr>
+          </a:p>
           <a:p>
             <a:pPr marL="457200" marR="0" lvl="0" indent="-457200" algn="l" defTabSz="914400" rtl="0" eaLnBrk="1" fontAlgn="auto" latinLnBrk="0" hangingPunct="1">
               <a:lnSpc>
@@ -36396,108 +36499,7 @@
               <a:tabLst/>
               <a:defRPr/>
             </a:pPr>
-            <a:r>
-              <a:rPr kumimoji="0" lang="en-US" sz="2800" b="0" i="0" u="none" strike="noStrike" kern="1200" cap="none" spc="0" normalizeH="0" baseline="0" noProof="0">
-                <a:ln>
-                  <a:noFill/>
-                </a:ln>
-                <a:solidFill>
-                  <a:srgbClr val="FFFFFF"/>
-                </a:solidFill>
-                <a:effectLst/>
-                <a:uLnTx/>
-                <a:uFillTx/>
-                <a:latin typeface="Segoe UI"/>
-                <a:ea typeface="+mn-ea"/>
-                <a:cs typeface="+mn-cs"/>
-              </a:rPr>
-              <a:t>Deploy the CAF Migrate landing zone blueprint to your subscription - </a:t>
-            </a:r>
-            <a:r>
-              <a:rPr kumimoji="0" lang="en-US" sz="2800" b="0" i="0" u="none" strike="noStrike" kern="1200" cap="none" spc="0" normalizeH="0" baseline="0" noProof="0">
-                <a:ln>
-                  <a:noFill/>
-                </a:ln>
-                <a:solidFill>
-                  <a:srgbClr val="000000"/>
-                </a:solidFill>
-                <a:effectLst/>
-                <a:uLnTx/>
-                <a:uFillTx/>
-                <a:latin typeface="Segoe UI"/>
-                <a:ea typeface="+mn-ea"/>
-                <a:cs typeface="+mn-cs"/>
-                <a:hlinkClick r:id="rId3"/>
-              </a:rPr>
-              <a:t>https://docs.microsoft.com/en-us/azure/governance/blueprints/samples/caf-migrate-landing-zone/index</a:t>
-            </a:r>
-            <a:endParaRPr kumimoji="0" lang="en-US" sz="2800" b="0" i="0" u="none" strike="noStrike" kern="1200" cap="none" spc="0" normalizeH="0" baseline="0" noProof="0">
-              <a:ln>
-                <a:noFill/>
-              </a:ln>
-              <a:solidFill>
-                <a:srgbClr val="000000"/>
-              </a:solidFill>
-              <a:effectLst/>
-              <a:uLnTx/>
-              <a:uFillTx/>
-              <a:latin typeface="Segoe UI"/>
-              <a:ea typeface="+mn-ea"/>
-              <a:cs typeface="+mn-cs"/>
-            </a:endParaRPr>
-          </a:p>
-          <a:p>
-            <a:pPr marL="0" marR="0" lvl="0" indent="0" algn="l" defTabSz="914400" rtl="0" eaLnBrk="1" fontAlgn="auto" latinLnBrk="0" hangingPunct="1">
-              <a:lnSpc>
-                <a:spcPct val="100000"/>
-              </a:lnSpc>
-              <a:spcBef>
-                <a:spcPts val="0"/>
-              </a:spcBef>
-              <a:spcAft>
-                <a:spcPts val="0"/>
-              </a:spcAft>
-              <a:buClrTx/>
-              <a:buSzTx/>
-              <a:buFontTx/>
-              <a:buNone/>
-              <a:tabLst/>
-              <a:defRPr/>
-            </a:pPr>
-            <a:endParaRPr kumimoji="0" lang="en-US" sz="2800" b="0" i="0" u="none" strike="noStrike" kern="1200" cap="none" spc="0" normalizeH="0" baseline="0" noProof="0">
-              <a:ln>
-                <a:noFill/>
-              </a:ln>
-              <a:solidFill>
-                <a:srgbClr val="FFFFFF"/>
-              </a:solidFill>
-              <a:effectLst/>
-              <a:uLnTx/>
-              <a:uFillTx/>
-              <a:latin typeface="Segoe UI"/>
-              <a:ea typeface="+mn-ea"/>
-              <a:cs typeface="+mn-cs"/>
-            </a:endParaRPr>
-          </a:p>
-          <a:p>
-            <a:pPr marL="457200" marR="0" lvl="0" indent="-457200" algn="l" defTabSz="914400" rtl="0" eaLnBrk="1" fontAlgn="auto" latinLnBrk="0" hangingPunct="1">
-              <a:lnSpc>
-                <a:spcPct val="100000"/>
-              </a:lnSpc>
-              <a:spcBef>
-                <a:spcPts val="0"/>
-              </a:spcBef>
-              <a:spcAft>
-                <a:spcPts val="0"/>
-              </a:spcAft>
-              <a:buClrTx/>
-              <a:buSzTx/>
-              <a:buFont typeface="+mj-lt"/>
-              <a:buAutoNum type="arabicPeriod"/>
-              <a:tabLst/>
-              <a:defRPr/>
-            </a:pPr>
-            <a:endParaRPr kumimoji="0" lang="en-US" sz="2800" b="0" i="0" u="none" strike="noStrike" kern="1200" cap="none" spc="0" normalizeH="0" baseline="0" noProof="0">
+            <a:endParaRPr kumimoji="0" lang="en-US" sz="2800" b="0" i="0" u="none" strike="noStrike" kern="1200" cap="none" spc="0" normalizeH="0" baseline="0" noProof="0" dirty="0">
               <a:ln>
                 <a:noFill/>
               </a:ln>
@@ -38954,16 +38956,6 @@
 </file>
 
 <file path=customXml/item1.xml><?xml version="1.0" encoding="utf-8"?>
-<p:properties xmlns:p="http://schemas.microsoft.com/office/2006/metadata/properties" xmlns:xsi="http://www.w3.org/2001/XMLSchema-instance" xmlns:pc="http://schemas.microsoft.com/office/infopath/2007/PartnerControls">
-  <documentManagement>
-    <_ip_UnifiedCompliancePolicyUIAction xmlns="http://schemas.microsoft.com/sharepoint/v3" xsi:nil="true"/>
-    <_ip_UnifiedCompliancePolicyProperties xmlns="http://schemas.microsoft.com/sharepoint/v3" xsi:nil="true"/>
-    <MediaServiceKeyPoints xmlns="4f739e96-1d8c-4498-89a6-60212c820c8d" xsi:nil="true"/>
-  </documentManagement>
-</p:properties>
-</file>
-
-<file path=customXml/item2.xml><?xml version="1.0" encoding="utf-8"?>
 <ct:contentTypeSchema xmlns:ct="http://schemas.microsoft.com/office/2006/metadata/contentType" xmlns:ma="http://schemas.microsoft.com/office/2006/metadata/properties/metaAttributes" ct:_="" ma:_="" ma:contentTypeName="Document" ma:contentTypeID="0x0101009E1D2B53531E8F4FB34BAC0F148301E5" ma:contentTypeVersion="17" ma:contentTypeDescription="Create a new document." ma:contentTypeScope="" ma:versionID="19d2cc8f120c41b44a1d23befae704cb">
   <xsd:schema xmlns:xsd="http://www.w3.org/2001/XMLSchema" xmlns:xs="http://www.w3.org/2001/XMLSchema" xmlns:p="http://schemas.microsoft.com/office/2006/metadata/properties" xmlns:ns1="http://schemas.microsoft.com/sharepoint/v3" xmlns:ns3="c401ec21-b7bc-4c3e-a6bd-9df6fc45ac48" xmlns:ns4="4f739e96-1d8c-4498-89a6-60212c820c8d" targetNamespace="http://schemas.microsoft.com/office/2006/metadata/properties" ma:root="true" ma:fieldsID="c8cfa5749a937c3fb62e21b41c93ef8f" ns1:_="" ns3:_="" ns4:_="">
     <xsd:import namespace="http://schemas.microsoft.com/sharepoint/v3"/>
@@ -39215,6 +39207,16 @@
 </ct:contentTypeSchema>
 </file>
 
+<file path=customXml/item2.xml><?xml version="1.0" encoding="utf-8"?>
+<p:properties xmlns:p="http://schemas.microsoft.com/office/2006/metadata/properties" xmlns:xsi="http://www.w3.org/2001/XMLSchema-instance" xmlns:pc="http://schemas.microsoft.com/office/infopath/2007/PartnerControls">
+  <documentManagement>
+    <_ip_UnifiedCompliancePolicyUIAction xmlns="http://schemas.microsoft.com/sharepoint/v3" xsi:nil="true"/>
+    <_ip_UnifiedCompliancePolicyProperties xmlns="http://schemas.microsoft.com/sharepoint/v3" xsi:nil="true"/>
+    <MediaServiceKeyPoints xmlns="4f739e96-1d8c-4498-89a6-60212c820c8d" xsi:nil="true"/>
+  </documentManagement>
+</p:properties>
+</file>
+
 <file path=customXml/item3.xml><?xml version="1.0" encoding="utf-8"?>
 <?mso-contentType ?>
 <FormTemplates xmlns="http://schemas.microsoft.com/sharepoint/v3/contenttype/forms">
@@ -39225,17 +39227,6 @@
 </file>
 
 <file path=customXml/itemProps1.xml><?xml version="1.0" encoding="utf-8"?>
-<ds:datastoreItem xmlns:ds="http://schemas.openxmlformats.org/officeDocument/2006/customXml" ds:itemID="{89F405BB-FA77-4079-9E9F-63E8CDD43E0F}">
-  <ds:schemaRefs>
-    <ds:schemaRef ds:uri="http://schemas.microsoft.com/office/2006/metadata/properties"/>
-    <ds:schemaRef ds:uri="http://schemas.microsoft.com/office/infopath/2007/PartnerControls"/>
-    <ds:schemaRef ds:uri="http://schemas.microsoft.com/sharepoint/v3"/>
-    <ds:schemaRef ds:uri="4f739e96-1d8c-4498-89a6-60212c820c8d"/>
-  </ds:schemaRefs>
-</ds:datastoreItem>
-</file>
-
-<file path=customXml/itemProps2.xml><?xml version="1.0" encoding="utf-8"?>
 <ds:datastoreItem xmlns:ds="http://schemas.openxmlformats.org/officeDocument/2006/customXml" ds:itemID="{DB1A293B-55CF-44D4-A273-4342A675A846}">
   <ds:schemaRefs>
     <ds:schemaRef ds:uri="http://schemas.microsoft.com/office/2006/metadata/contentType"/>
@@ -39255,6 +39246,17 @@
 </ds:datastoreItem>
 </file>
 
+<file path=customXml/itemProps2.xml><?xml version="1.0" encoding="utf-8"?>
+<ds:datastoreItem xmlns:ds="http://schemas.openxmlformats.org/officeDocument/2006/customXml" ds:itemID="{89F405BB-FA77-4079-9E9F-63E8CDD43E0F}">
+  <ds:schemaRefs>
+    <ds:schemaRef ds:uri="http://schemas.microsoft.com/office/2006/metadata/properties"/>
+    <ds:schemaRef ds:uri="http://schemas.microsoft.com/office/infopath/2007/PartnerControls"/>
+    <ds:schemaRef ds:uri="http://schemas.microsoft.com/sharepoint/v3"/>
+    <ds:schemaRef ds:uri="4f739e96-1d8c-4498-89a6-60212c820c8d"/>
+  </ds:schemaRefs>
+</ds:datastoreItem>
+</file>
+
 <file path=customXml/itemProps3.xml><?xml version="1.0" encoding="utf-8"?>
 <ds:datastoreItem xmlns:ds="http://schemas.openxmlformats.org/officeDocument/2006/customXml" ds:itemID="{995DA3AF-F2AB-4624-BB79-E4D25CD4C6F9}">
   <ds:schemaRefs>
